--- a/unit_00/html_review/03 HTML Forms.pptx
+++ b/unit_00/html_review/03 HTML Forms.pptx
@@ -3454,7 +3454,7 @@
           <a:p>
             <a:fld id="{3F839238-B565-4611-A910-43B731DECEC1}" type="datetimeFigureOut">
               <a:rPr lang="en-US" smtClean="0"/>
-              <a:t>7/31/2020</a:t>
+              <a:t>8/20/2020</a:t>
             </a:fld>
             <a:endParaRPr lang="en-US" dirty="0"/>
           </a:p>
@@ -5104,7 +5104,7 @@
           <a:p>
             <a:fld id="{E9F25E47-8026-47FD-8FD6-2C7B55A6BE4F}" type="datetime1">
               <a:rPr lang="en-US" smtClean="0"/>
-              <a:t>7/31/2020</a:t>
+              <a:t>8/20/2020</a:t>
             </a:fld>
             <a:endParaRPr lang="en-US" dirty="0"/>
           </a:p>
@@ -5306,7 +5306,7 @@
           <a:p>
             <a:fld id="{49F0A7AA-AB30-4D36-B646-A02FA5DCCA55}" type="datetime1">
               <a:rPr lang="en-US" smtClean="0"/>
-              <a:t>7/31/2020</a:t>
+              <a:t>8/20/2020</a:t>
             </a:fld>
             <a:endParaRPr lang="en-US" dirty="0"/>
           </a:p>
@@ -5905,7 +5905,7 @@
           <a:p>
             <a:fld id="{CFA4D178-B71E-4B10-AF0F-C5E0B7294A7C}" type="datetime1">
               <a:rPr lang="en-US" smtClean="0"/>
-              <a:t>7/31/2020</a:t>
+              <a:t>8/20/2020</a:t>
             </a:fld>
             <a:endParaRPr lang="en-US" dirty="0"/>
           </a:p>
@@ -6225,7 +6225,7 @@
           <a:p>
             <a:fld id="{27E6D853-85C2-4120-A6B2-2EAC4467BF8B}" type="datetime1">
               <a:rPr lang="en-US" smtClean="0"/>
-              <a:t>7/31/2020</a:t>
+              <a:t>8/20/2020</a:t>
             </a:fld>
             <a:endParaRPr lang="en-US" dirty="0"/>
           </a:p>
@@ -6662,7 +6662,7 @@
           <a:p>
             <a:fld id="{CA3AECF5-4644-4878-B4B4-3AC946C4B252}" type="datetime1">
               <a:rPr lang="en-US" smtClean="0"/>
-              <a:t>7/31/2020</a:t>
+              <a:t>8/20/2020</a:t>
             </a:fld>
             <a:endParaRPr lang="en-US" dirty="0"/>
           </a:p>
@@ -6780,7 +6780,7 @@
           <a:p>
             <a:fld id="{B8E389F8-4EAE-4B22-8731-40270585493B}" type="datetime1">
               <a:rPr lang="en-US" smtClean="0"/>
-              <a:t>7/31/2020</a:t>
+              <a:t>8/20/2020</a:t>
             </a:fld>
             <a:endParaRPr lang="en-US" dirty="0"/>
           </a:p>
@@ -6875,7 +6875,7 @@
           <a:p>
             <a:fld id="{772F4F3F-699B-4D10-AAB9-00C2579C25F8}" type="datetime1">
               <a:rPr lang="en-US" smtClean="0"/>
-              <a:t>7/31/2020</a:t>
+              <a:t>8/20/2020</a:t>
             </a:fld>
             <a:endParaRPr lang="en-US" dirty="0"/>
           </a:p>
@@ -7292,7 +7292,7 @@
           <a:p>
             <a:fld id="{E51BA90F-EE6C-42F5-8961-2F52EE18037D}" type="datetime1">
               <a:rPr lang="en-US" smtClean="0"/>
-              <a:t>7/31/2020</a:t>
+              <a:t>8/20/2020</a:t>
             </a:fld>
             <a:endParaRPr lang="en-US" dirty="0"/>
           </a:p>
@@ -7552,7 +7552,7 @@
           <a:p>
             <a:fld id="{FB6292F5-AD2B-47F4-B460-BF55BF34C27D}" type="datetime1">
               <a:rPr lang="en-US" smtClean="0"/>
-              <a:t>7/31/2020</a:t>
+              <a:t>8/20/2020</a:t>
             </a:fld>
             <a:endParaRPr lang="en-US" dirty="0"/>
           </a:p>
@@ -8068,7 +8068,7 @@
           <a:p>
             <a:fld id="{8B88B800-945A-43B0-8EA5-8657D67FD7E1}" type="datetime1">
               <a:rPr lang="en-US" smtClean="0"/>
-              <a:t>7/31/2020</a:t>
+              <a:t>8/20/2020</a:t>
             </a:fld>
             <a:endParaRPr lang="en-US" dirty="0"/>
           </a:p>
@@ -8570,7 +8570,7 @@
         </p:blipFill>
         <p:spPr>
           <a:xfrm>
-            <a:off x="39354" y="-110402"/>
+            <a:off x="20" y="10"/>
             <a:ext cx="12191980" cy="6857990"/>
           </a:xfrm>
           <a:prstGeom prst="rect">
@@ -8702,7 +8702,7 @@
               </a:rPr>
               <a:t>HTML Forms</a:t>
             </a:r>
-            <a:endParaRPr lang="en-US" sz="4400" cap="none" dirty="0">
+            <a:endParaRPr lang="en-US" sz="4400" b="1" cap="none" dirty="0">
               <a:solidFill>
                 <a:schemeClr val="tx1"/>
               </a:solidFill>
@@ -19658,18 +19658,6 @@
               </a:rPr>
               <a:t>UI Control Guidelines</a:t>
             </a:r>
-            <a:endParaRPr lang="en-US" sz="1800">
-              <a:solidFill>
-                <a:srgbClr val="00B0F0"/>
-              </a:solidFill>
-              <a:hlinkClick r:id="rId5">
-                <a:extLst>
-                  <a:ext uri="{A12FA001-AC4F-418D-AE19-62706E023703}">
-                    <ahyp:hlinkClr xmlns:ahyp="http://schemas.microsoft.com/office/drawing/2018/hyperlinkcolor" val="tx"/>
-                  </a:ext>
-                </a:extLst>
-              </a:hlinkClick>
-            </a:endParaRPr>
           </a:p>
           <a:p>
             <a:r>

--- a/unit_00/html_review/03 HTML Forms.pptx
+++ b/unit_00/html_review/03 HTML Forms.pptx
@@ -25,8 +25,8 @@
     <p:sldId id="408" r:id="rId19"/>
     <p:sldId id="435" r:id="rId20"/>
     <p:sldId id="410" r:id="rId21"/>
-    <p:sldId id="448" r:id="rId22"/>
-    <p:sldId id="446" r:id="rId23"/>
+    <p:sldId id="446" r:id="rId22"/>
+    <p:sldId id="448" r:id="rId23"/>
     <p:sldId id="411" r:id="rId24"/>
     <p:sldId id="412" r:id="rId25"/>
     <p:sldId id="434" r:id="rId26"/>
@@ -1124,7 +1124,7 @@
                 <a:schemeClr val="bg1"/>
               </a:solidFill>
             </a:rPr>
-            <a:t>The browser's built-in autofill functionality needs your help to work properly. If you don't help it, it will cause data entry errors.</a:t>
+            <a:t>The browser's built-in autofill functionality needs your help to work properly. If you don't help it, it will instead cause data entry errors.</a:t>
           </a:r>
         </a:p>
       </dgm:t>
@@ -1428,7 +1428,7 @@
       <dsp:spPr>
         <a:xfrm>
           <a:off x="0" y="0"/>
-          <a:ext cx="10058399" cy="809774"/>
+          <a:ext cx="8204200" cy="809774"/>
         </a:xfrm>
         <a:prstGeom prst="roundRect">
           <a:avLst>
@@ -1522,7 +1522,7 @@
       <dsp:spPr>
         <a:xfrm>
           <a:off x="935289" y="1597"/>
-          <a:ext cx="9123110" cy="809774"/>
+          <a:ext cx="7268910" cy="809774"/>
         </a:xfrm>
         <a:prstGeom prst="rect">
           <a:avLst/>
@@ -1551,7 +1551,7 @@
         </a:bodyPr>
         <a:lstStyle/>
         <a:p>
-          <a:pPr marL="0" lvl="0" indent="0" algn="l" defTabSz="889000">
+          <a:pPr marL="0" lvl="0" indent="0" algn="l" defTabSz="755650">
             <a:lnSpc>
               <a:spcPct val="100000"/>
             </a:lnSpc>
@@ -1564,14 +1564,14 @@
             <a:buNone/>
           </a:pPr>
           <a:r>
-            <a:rPr lang="en-US" sz="2000" kern="1200"/>
+            <a:rPr lang="en-US" sz="1700" kern="1200"/>
             <a:t>Improved Usablity</a:t>
           </a:r>
         </a:p>
       </dsp:txBody>
       <dsp:txXfrm>
         <a:off x="935289" y="1597"/>
-        <a:ext cx="9123110" cy="809774"/>
+        <a:ext cx="7268910" cy="809774"/>
       </dsp:txXfrm>
     </dsp:sp>
     <dsp:sp modelId="{9603C05D-8833-47AC-BC5C-B4B65815664F}">
@@ -1582,7 +1582,7 @@
       <dsp:spPr>
         <a:xfrm>
           <a:off x="0" y="996551"/>
-          <a:ext cx="10058399" cy="809774"/>
+          <a:ext cx="8204200" cy="809774"/>
         </a:xfrm>
         <a:prstGeom prst="roundRect">
           <a:avLst>
@@ -1676,7 +1676,7 @@
       <dsp:spPr>
         <a:xfrm>
           <a:off x="935289" y="1013815"/>
-          <a:ext cx="9123110" cy="809774"/>
+          <a:ext cx="7268910" cy="809774"/>
         </a:xfrm>
         <a:prstGeom prst="rect">
           <a:avLst/>
@@ -1705,7 +1705,7 @@
         </a:bodyPr>
         <a:lstStyle/>
         <a:p>
-          <a:pPr marL="0" lvl="0" indent="0" algn="l" defTabSz="889000">
+          <a:pPr marL="0" lvl="0" indent="0" algn="l" defTabSz="755650">
             <a:lnSpc>
               <a:spcPct val="100000"/>
             </a:lnSpc>
@@ -1718,14 +1718,14 @@
             <a:buNone/>
           </a:pPr>
           <a:r>
-            <a:rPr lang="en-US" sz="2000" kern="1200"/>
+            <a:rPr lang="en-US" sz="1700" kern="1200"/>
             <a:t>Faster Checkout / Registration</a:t>
           </a:r>
         </a:p>
       </dsp:txBody>
       <dsp:txXfrm>
         <a:off x="935289" y="1013815"/>
-        <a:ext cx="9123110" cy="809774"/>
+        <a:ext cx="7268910" cy="809774"/>
       </dsp:txXfrm>
     </dsp:sp>
     <dsp:sp modelId="{4FDA565F-2FD5-4972-8903-A1E18F557B1E}">
@@ -1736,7 +1736,7 @@
       <dsp:spPr>
         <a:xfrm>
           <a:off x="0" y="2026033"/>
-          <a:ext cx="10058399" cy="809774"/>
+          <a:ext cx="8204200" cy="809774"/>
         </a:xfrm>
         <a:prstGeom prst="roundRect">
           <a:avLst>
@@ -1830,7 +1830,7 @@
       <dsp:spPr>
         <a:xfrm>
           <a:off x="935289" y="2026033"/>
-          <a:ext cx="9123110" cy="809774"/>
+          <a:ext cx="7268910" cy="809774"/>
         </a:xfrm>
         <a:prstGeom prst="rect">
           <a:avLst/>
@@ -1859,7 +1859,7 @@
         </a:bodyPr>
         <a:lstStyle/>
         <a:p>
-          <a:pPr marL="0" lvl="0" indent="0" algn="l" defTabSz="889000">
+          <a:pPr marL="0" lvl="0" indent="0" algn="l" defTabSz="755650">
             <a:lnSpc>
               <a:spcPct val="100000"/>
             </a:lnSpc>
@@ -1872,14 +1872,14 @@
             <a:buNone/>
           </a:pPr>
           <a:r>
-            <a:rPr lang="en-US" sz="2000" kern="1200"/>
+            <a:rPr lang="en-US" sz="1700" kern="1200"/>
             <a:t>Fewer Data Entry Errors</a:t>
           </a:r>
         </a:p>
       </dsp:txBody>
       <dsp:txXfrm>
         <a:off x="935289" y="2026033"/>
-        <a:ext cx="9123110" cy="809774"/>
+        <a:ext cx="7268910" cy="809774"/>
       </dsp:txXfrm>
     </dsp:sp>
     <dsp:sp modelId="{55925D48-35AD-4EB4-8006-8A1BC8E6CDFA}">
@@ -1890,7 +1890,7 @@
       <dsp:spPr>
         <a:xfrm>
           <a:off x="0" y="3038251"/>
-          <a:ext cx="10058399" cy="809774"/>
+          <a:ext cx="8204200" cy="809774"/>
         </a:xfrm>
         <a:prstGeom prst="roundRect">
           <a:avLst>
@@ -1984,7 +1984,7 @@
       <dsp:spPr>
         <a:xfrm>
           <a:off x="935289" y="3038251"/>
-          <a:ext cx="9123110" cy="809774"/>
+          <a:ext cx="7268910" cy="809774"/>
         </a:xfrm>
         <a:prstGeom prst="rect">
           <a:avLst/>
@@ -2013,7 +2013,7 @@
         </a:bodyPr>
         <a:lstStyle/>
         <a:p>
-          <a:pPr marL="0" lvl="0" indent="0" algn="l" defTabSz="889000">
+          <a:pPr marL="0" lvl="0" indent="0" algn="l" defTabSz="755650">
             <a:lnSpc>
               <a:spcPct val="100000"/>
             </a:lnSpc>
@@ -2026,18 +2026,18 @@
             <a:buNone/>
           </a:pPr>
           <a:r>
-            <a:rPr lang="en-US" sz="2000" kern="1200">
+            <a:rPr lang="en-US" sz="1700" kern="1200">
               <a:solidFill>
                 <a:schemeClr val="bg1"/>
               </a:solidFill>
             </a:rPr>
-            <a:t>The browser's built-in autofill functionality needs your help to work properly. If you don't help it, it will cause data entry errors.</a:t>
+            <a:t>The browser's built-in autofill functionality needs your help to work properly. If you don't help it, it will instead cause data entry errors.</a:t>
           </a:r>
         </a:p>
       </dsp:txBody>
       <dsp:txXfrm>
         <a:off x="935289" y="3038251"/>
-        <a:ext cx="9123110" cy="809774"/>
+        <a:ext cx="7268910" cy="809774"/>
       </dsp:txXfrm>
     </dsp:sp>
   </dsp:spTree>
@@ -5249,42 +5249,26 @@
         </p:nvSpPr>
         <p:spPr/>
         <p:txBody>
-          <a:bodyPr/>
-          <a:lstStyle/>
+          <a:bodyPr>
+            <a:normAutofit/>
+          </a:bodyPr>
+          <a:lstStyle>
+            <a:lvl1pPr marL="0" indent="0">
+              <a:lnSpc>
+                <a:spcPct val="100000"/>
+              </a:lnSpc>
+              <a:spcBef>
+                <a:spcPts val="0"/>
+              </a:spcBef>
+              <a:spcAft>
+                <a:spcPts val="600"/>
+              </a:spcAft>
+              <a:buNone/>
+              <a:defRPr sz="1800"/>
+            </a:lvl1pPr>
+          </a:lstStyle>
           <a:p>
             <a:pPr lvl="0"/>
-            <a:r>
-              <a:rPr lang="en-US"/>
-              <a:t>Click to edit Master text styles</a:t>
-            </a:r>
-          </a:p>
-          <a:p>
-            <a:pPr lvl="1"/>
-            <a:r>
-              <a:rPr lang="en-US"/>
-              <a:t>Second level</a:t>
-            </a:r>
-          </a:p>
-          <a:p>
-            <a:pPr lvl="2"/>
-            <a:r>
-              <a:rPr lang="en-US"/>
-              <a:t>Third level</a:t>
-            </a:r>
-          </a:p>
-          <a:p>
-            <a:pPr lvl="3"/>
-            <a:r>
-              <a:rPr lang="en-US"/>
-              <a:t>Fourth level</a:t>
-            </a:r>
-          </a:p>
-          <a:p>
-            <a:pPr lvl="4"/>
-            <a:r>
-              <a:rPr lang="en-US"/>
-              <a:t>Fifth level</a:t>
-            </a:r>
             <a:endParaRPr lang="en-US" dirty="0"/>
           </a:p>
         </p:txBody>
@@ -5998,1817 +5982,6 @@
 </p:sldLayout>
 </file>
 
-<file path=ppt/slideLayouts/slideLayout4.xml><?xml version="1.0" encoding="utf-8"?>
-<p:sldLayout xmlns:a="http://schemas.openxmlformats.org/drawingml/2006/main" xmlns:r="http://schemas.openxmlformats.org/officeDocument/2006/relationships" xmlns:p="http://schemas.openxmlformats.org/presentationml/2006/main" type="twoObj" preserve="1">
-  <p:cSld name="Two Content">
-    <p:spTree>
-      <p:nvGrpSpPr>
-        <p:cNvPr id="1" name=""/>
-        <p:cNvGrpSpPr/>
-        <p:nvPr/>
-      </p:nvGrpSpPr>
-      <p:grpSpPr>
-        <a:xfrm>
-          <a:off x="0" y="0"/>
-          <a:ext cx="0" cy="0"/>
-          <a:chOff x="0" y="0"/>
-          <a:chExt cx="0" cy="0"/>
-        </a:xfrm>
-      </p:grpSpPr>
-      <p:sp>
-        <p:nvSpPr>
-          <p:cNvPr id="8" name="Title 7"/>
-          <p:cNvSpPr>
-            <a:spLocks noGrp="1"/>
-          </p:cNvSpPr>
-          <p:nvPr>
-            <p:ph type="title"/>
-          </p:nvPr>
-        </p:nvSpPr>
-        <p:spPr/>
-        <p:txBody>
-          <a:bodyPr/>
-          <a:lstStyle/>
-          <a:p>
-            <a:r>
-              <a:rPr lang="en-US"/>
-              <a:t>Click to edit Master title style</a:t>
-            </a:r>
-            <a:endParaRPr lang="en-US" dirty="0"/>
-          </a:p>
-        </p:txBody>
-      </p:sp>
-      <p:sp>
-        <p:nvSpPr>
-          <p:cNvPr id="3" name="Content Placeholder 2"/>
-          <p:cNvSpPr>
-            <a:spLocks noGrp="1"/>
-          </p:cNvSpPr>
-          <p:nvPr>
-            <p:ph sz="half" idx="1"/>
-          </p:nvPr>
-        </p:nvSpPr>
-        <p:spPr>
-          <a:xfrm>
-            <a:off x="1066800" y="2103120"/>
-            <a:ext cx="4663440" cy="3749040"/>
-          </a:xfrm>
-        </p:spPr>
-        <p:txBody>
-          <a:bodyPr/>
-          <a:lstStyle>
-            <a:lvl1pPr>
-              <a:defRPr sz="1800"/>
-            </a:lvl1pPr>
-            <a:lvl2pPr>
-              <a:defRPr sz="1600"/>
-            </a:lvl2pPr>
-            <a:lvl3pPr>
-              <a:defRPr sz="1400"/>
-            </a:lvl3pPr>
-            <a:lvl4pPr>
-              <a:defRPr sz="1400"/>
-            </a:lvl4pPr>
-            <a:lvl5pPr>
-              <a:defRPr sz="1400"/>
-            </a:lvl5pPr>
-            <a:lvl6pPr>
-              <a:defRPr sz="1400"/>
-            </a:lvl6pPr>
-            <a:lvl7pPr>
-              <a:defRPr sz="1400"/>
-            </a:lvl7pPr>
-            <a:lvl8pPr>
-              <a:defRPr sz="1400"/>
-            </a:lvl8pPr>
-            <a:lvl9pPr>
-              <a:defRPr sz="1400"/>
-            </a:lvl9pPr>
-          </a:lstStyle>
-          <a:p>
-            <a:pPr lvl="0"/>
-            <a:r>
-              <a:rPr lang="en-US"/>
-              <a:t>Click to edit Master text styles</a:t>
-            </a:r>
-          </a:p>
-          <a:p>
-            <a:pPr lvl="1"/>
-            <a:r>
-              <a:rPr lang="en-US"/>
-              <a:t>Second level</a:t>
-            </a:r>
-          </a:p>
-          <a:p>
-            <a:pPr lvl="2"/>
-            <a:r>
-              <a:rPr lang="en-US"/>
-              <a:t>Third level</a:t>
-            </a:r>
-          </a:p>
-          <a:p>
-            <a:pPr lvl="3"/>
-            <a:r>
-              <a:rPr lang="en-US"/>
-              <a:t>Fourth level</a:t>
-            </a:r>
-          </a:p>
-          <a:p>
-            <a:pPr lvl="4"/>
-            <a:r>
-              <a:rPr lang="en-US"/>
-              <a:t>Fifth level</a:t>
-            </a:r>
-            <a:endParaRPr lang="en-US" dirty="0"/>
-          </a:p>
-        </p:txBody>
-      </p:sp>
-      <p:sp>
-        <p:nvSpPr>
-          <p:cNvPr id="4" name="Content Placeholder 3"/>
-          <p:cNvSpPr>
-            <a:spLocks noGrp="1"/>
-          </p:cNvSpPr>
-          <p:nvPr>
-            <p:ph sz="half" idx="2"/>
-          </p:nvPr>
-        </p:nvSpPr>
-        <p:spPr>
-          <a:xfrm>
-            <a:off x="6461760" y="2103120"/>
-            <a:ext cx="4663440" cy="3749040"/>
-          </a:xfrm>
-        </p:spPr>
-        <p:txBody>
-          <a:bodyPr/>
-          <a:lstStyle>
-            <a:lvl1pPr>
-              <a:defRPr sz="1800"/>
-            </a:lvl1pPr>
-            <a:lvl2pPr>
-              <a:defRPr sz="1600"/>
-            </a:lvl2pPr>
-            <a:lvl3pPr>
-              <a:defRPr sz="1400"/>
-            </a:lvl3pPr>
-            <a:lvl4pPr>
-              <a:defRPr sz="1400"/>
-            </a:lvl4pPr>
-            <a:lvl5pPr>
-              <a:defRPr sz="1400"/>
-            </a:lvl5pPr>
-            <a:lvl6pPr>
-              <a:defRPr sz="1400"/>
-            </a:lvl6pPr>
-            <a:lvl7pPr>
-              <a:defRPr sz="1400"/>
-            </a:lvl7pPr>
-            <a:lvl8pPr>
-              <a:defRPr sz="1400"/>
-            </a:lvl8pPr>
-            <a:lvl9pPr>
-              <a:defRPr sz="1400"/>
-            </a:lvl9pPr>
-          </a:lstStyle>
-          <a:p>
-            <a:pPr lvl="0"/>
-            <a:r>
-              <a:rPr lang="en-US"/>
-              <a:t>Click to edit Master text styles</a:t>
-            </a:r>
-          </a:p>
-          <a:p>
-            <a:pPr lvl="1"/>
-            <a:r>
-              <a:rPr lang="en-US"/>
-              <a:t>Second level</a:t>
-            </a:r>
-          </a:p>
-          <a:p>
-            <a:pPr lvl="2"/>
-            <a:r>
-              <a:rPr lang="en-US"/>
-              <a:t>Third level</a:t>
-            </a:r>
-          </a:p>
-          <a:p>
-            <a:pPr lvl="3"/>
-            <a:r>
-              <a:rPr lang="en-US"/>
-              <a:t>Fourth level</a:t>
-            </a:r>
-          </a:p>
-          <a:p>
-            <a:pPr lvl="4"/>
-            <a:r>
-              <a:rPr lang="en-US"/>
-              <a:t>Fifth level</a:t>
-            </a:r>
-            <a:endParaRPr lang="en-US" dirty="0"/>
-          </a:p>
-        </p:txBody>
-      </p:sp>
-      <p:sp>
-        <p:nvSpPr>
-          <p:cNvPr id="5" name="Date Placeholder 4"/>
-          <p:cNvSpPr>
-            <a:spLocks noGrp="1"/>
-          </p:cNvSpPr>
-          <p:nvPr>
-            <p:ph type="dt" sz="half" idx="10"/>
-          </p:nvPr>
-        </p:nvSpPr>
-        <p:spPr/>
-        <p:txBody>
-          <a:bodyPr/>
-          <a:lstStyle/>
-          <a:p>
-            <a:fld id="{27E6D853-85C2-4120-A6B2-2EAC4467BF8B}" type="datetime1">
-              <a:rPr lang="en-US" smtClean="0"/>
-              <a:t>8/20/2020</a:t>
-            </a:fld>
-            <a:endParaRPr lang="en-US" dirty="0"/>
-          </a:p>
-        </p:txBody>
-      </p:sp>
-      <p:sp>
-        <p:nvSpPr>
-          <p:cNvPr id="6" name="Footer Placeholder 5"/>
-          <p:cNvSpPr>
-            <a:spLocks noGrp="1"/>
-          </p:cNvSpPr>
-          <p:nvPr>
-            <p:ph type="ftr" sz="quarter" idx="11"/>
-          </p:nvPr>
-        </p:nvSpPr>
-        <p:spPr/>
-        <p:txBody>
-          <a:bodyPr/>
-          <a:lstStyle/>
-          <a:p>
-            <a:endParaRPr lang="en-US" dirty="0"/>
-          </a:p>
-        </p:txBody>
-      </p:sp>
-      <p:sp>
-        <p:nvSpPr>
-          <p:cNvPr id="7" name="Slide Number Placeholder 6"/>
-          <p:cNvSpPr>
-            <a:spLocks noGrp="1"/>
-          </p:cNvSpPr>
-          <p:nvPr>
-            <p:ph type="sldNum" sz="quarter" idx="12"/>
-          </p:nvPr>
-        </p:nvSpPr>
-        <p:spPr/>
-        <p:txBody>
-          <a:bodyPr/>
-          <a:lstStyle/>
-          <a:p>
-            <a:fld id="{34B7E4EF-A1BD-40F4-AB7B-04F084DD991D}" type="slidenum">
-              <a:rPr lang="en-US" smtClean="0"/>
-              <a:t>‹#›</a:t>
-            </a:fld>
-            <a:endParaRPr lang="en-US" dirty="0"/>
-          </a:p>
-        </p:txBody>
-      </p:sp>
-    </p:spTree>
-    <p:extLst>
-      <p:ext uri="{BB962C8B-B14F-4D97-AF65-F5344CB8AC3E}">
-        <p14:creationId xmlns:p14="http://schemas.microsoft.com/office/powerpoint/2010/main" val="2744672162"/>
-      </p:ext>
-    </p:extLst>
-  </p:cSld>
-  <p:clrMapOvr>
-    <a:masterClrMapping/>
-  </p:clrMapOvr>
-</p:sldLayout>
-</file>
-
-<file path=ppt/slideLayouts/slideLayout5.xml><?xml version="1.0" encoding="utf-8"?>
-<p:sldLayout xmlns:a="http://schemas.openxmlformats.org/drawingml/2006/main" xmlns:r="http://schemas.openxmlformats.org/officeDocument/2006/relationships" xmlns:p="http://schemas.openxmlformats.org/presentationml/2006/main" type="twoTxTwoObj" preserve="1">
-  <p:cSld name="Comparison">
-    <p:spTree>
-      <p:nvGrpSpPr>
-        <p:cNvPr id="1" name=""/>
-        <p:cNvGrpSpPr/>
-        <p:nvPr/>
-      </p:nvGrpSpPr>
-      <p:grpSpPr>
-        <a:xfrm>
-          <a:off x="0" y="0"/>
-          <a:ext cx="0" cy="0"/>
-          <a:chOff x="0" y="0"/>
-          <a:chExt cx="0" cy="0"/>
-        </a:xfrm>
-      </p:grpSpPr>
-      <p:sp>
-        <p:nvSpPr>
-          <p:cNvPr id="2" name="Title 1"/>
-          <p:cNvSpPr>
-            <a:spLocks noGrp="1"/>
-          </p:cNvSpPr>
-          <p:nvPr>
-            <p:ph type="title"/>
-          </p:nvPr>
-        </p:nvSpPr>
-        <p:spPr/>
-        <p:txBody>
-          <a:bodyPr/>
-          <a:lstStyle/>
-          <a:p>
-            <a:r>
-              <a:rPr lang="en-US"/>
-              <a:t>Click to edit Master title style</a:t>
-            </a:r>
-            <a:endParaRPr lang="en-US" dirty="0"/>
-          </a:p>
-        </p:txBody>
-      </p:sp>
-      <p:sp>
-        <p:nvSpPr>
-          <p:cNvPr id="3" name="Text Placeholder 2"/>
-          <p:cNvSpPr>
-            <a:spLocks noGrp="1"/>
-          </p:cNvSpPr>
-          <p:nvPr>
-            <p:ph type="body" idx="1"/>
-          </p:nvPr>
-        </p:nvSpPr>
-        <p:spPr>
-          <a:xfrm>
-            <a:off x="1069848" y="2074334"/>
-            <a:ext cx="4663440" cy="640080"/>
-          </a:xfrm>
-        </p:spPr>
-        <p:txBody>
-          <a:bodyPr anchor="ctr">
-            <a:normAutofit/>
-          </a:bodyPr>
-          <a:lstStyle>
-            <a:lvl1pPr marL="0" indent="0" algn="l">
-              <a:spcBef>
-                <a:spcPts val="0"/>
-              </a:spcBef>
-              <a:buNone/>
-              <a:defRPr sz="1900" b="1" i="0">
-                <a:solidFill>
-                  <a:schemeClr val="tx1"/>
-                </a:solidFill>
-                <a:latin typeface="+mn-lt"/>
-              </a:defRPr>
-            </a:lvl1pPr>
-            <a:lvl2pPr marL="457200" indent="0">
-              <a:buNone/>
-              <a:defRPr sz="1800" b="1"/>
-            </a:lvl2pPr>
-            <a:lvl3pPr marL="914400" indent="0">
-              <a:buNone/>
-              <a:defRPr sz="1800" b="1"/>
-            </a:lvl3pPr>
-            <a:lvl4pPr marL="1371600" indent="0">
-              <a:buNone/>
-              <a:defRPr sz="1600" b="1"/>
-            </a:lvl4pPr>
-            <a:lvl5pPr marL="1828800" indent="0">
-              <a:buNone/>
-              <a:defRPr sz="1600" b="1"/>
-            </a:lvl5pPr>
-            <a:lvl6pPr marL="2286000" indent="0">
-              <a:buNone/>
-              <a:defRPr sz="1600" b="1"/>
-            </a:lvl6pPr>
-            <a:lvl7pPr marL="2743200" indent="0">
-              <a:buNone/>
-              <a:defRPr sz="1600" b="1"/>
-            </a:lvl7pPr>
-            <a:lvl8pPr marL="3200400" indent="0">
-              <a:buNone/>
-              <a:defRPr sz="1600" b="1"/>
-            </a:lvl8pPr>
-            <a:lvl9pPr marL="3657600" indent="0">
-              <a:buNone/>
-              <a:defRPr sz="1600" b="1"/>
-            </a:lvl9pPr>
-          </a:lstStyle>
-          <a:p>
-            <a:pPr lvl="0"/>
-            <a:r>
-              <a:rPr lang="en-US"/>
-              <a:t>Click to edit Master text styles</a:t>
-            </a:r>
-          </a:p>
-        </p:txBody>
-      </p:sp>
-      <p:sp>
-        <p:nvSpPr>
-          <p:cNvPr id="4" name="Content Placeholder 3"/>
-          <p:cNvSpPr>
-            <a:spLocks noGrp="1"/>
-          </p:cNvSpPr>
-          <p:nvPr>
-            <p:ph sz="half" idx="2"/>
-          </p:nvPr>
-        </p:nvSpPr>
-        <p:spPr>
-          <a:xfrm>
-            <a:off x="1069848" y="2792472"/>
-            <a:ext cx="4663440" cy="3163825"/>
-          </a:xfrm>
-        </p:spPr>
-        <p:txBody>
-          <a:bodyPr/>
-          <a:lstStyle>
-            <a:lvl1pPr>
-              <a:defRPr sz="1800"/>
-            </a:lvl1pPr>
-            <a:lvl2pPr>
-              <a:defRPr sz="1600"/>
-            </a:lvl2pPr>
-            <a:lvl3pPr>
-              <a:defRPr sz="1400"/>
-            </a:lvl3pPr>
-            <a:lvl4pPr>
-              <a:defRPr sz="1400"/>
-            </a:lvl4pPr>
-            <a:lvl5pPr>
-              <a:defRPr sz="1400"/>
-            </a:lvl5pPr>
-            <a:lvl6pPr>
-              <a:defRPr sz="1400"/>
-            </a:lvl6pPr>
-            <a:lvl7pPr>
-              <a:defRPr sz="1400"/>
-            </a:lvl7pPr>
-            <a:lvl8pPr>
-              <a:defRPr sz="1400"/>
-            </a:lvl8pPr>
-            <a:lvl9pPr>
-              <a:defRPr sz="1400"/>
-            </a:lvl9pPr>
-          </a:lstStyle>
-          <a:p>
-            <a:pPr lvl="0"/>
-            <a:r>
-              <a:rPr lang="en-US"/>
-              <a:t>Click to edit Master text styles</a:t>
-            </a:r>
-          </a:p>
-          <a:p>
-            <a:pPr lvl="1"/>
-            <a:r>
-              <a:rPr lang="en-US"/>
-              <a:t>Second level</a:t>
-            </a:r>
-          </a:p>
-          <a:p>
-            <a:pPr lvl="2"/>
-            <a:r>
-              <a:rPr lang="en-US"/>
-              <a:t>Third level</a:t>
-            </a:r>
-          </a:p>
-          <a:p>
-            <a:pPr lvl="3"/>
-            <a:r>
-              <a:rPr lang="en-US"/>
-              <a:t>Fourth level</a:t>
-            </a:r>
-          </a:p>
-          <a:p>
-            <a:pPr lvl="4"/>
-            <a:r>
-              <a:rPr lang="en-US"/>
-              <a:t>Fifth level</a:t>
-            </a:r>
-            <a:endParaRPr lang="en-US" dirty="0"/>
-          </a:p>
-        </p:txBody>
-      </p:sp>
-      <p:sp>
-        <p:nvSpPr>
-          <p:cNvPr id="5" name="Text Placeholder 4"/>
-          <p:cNvSpPr>
-            <a:spLocks noGrp="1"/>
-          </p:cNvSpPr>
-          <p:nvPr>
-            <p:ph type="body" sz="quarter" idx="3"/>
-          </p:nvPr>
-        </p:nvSpPr>
-        <p:spPr>
-          <a:xfrm>
-            <a:off x="6458712" y="2074334"/>
-            <a:ext cx="4663440" cy="640080"/>
-          </a:xfrm>
-        </p:spPr>
-        <p:txBody>
-          <a:bodyPr anchor="ctr">
-            <a:normAutofit/>
-          </a:bodyPr>
-          <a:lstStyle>
-            <a:lvl1pPr marL="0" indent="0" algn="l">
-              <a:spcBef>
-                <a:spcPts val="0"/>
-              </a:spcBef>
-              <a:buNone/>
-              <a:defRPr sz="1900" b="1">
-                <a:solidFill>
-                  <a:schemeClr val="tx1"/>
-                </a:solidFill>
-              </a:defRPr>
-            </a:lvl1pPr>
-            <a:lvl2pPr marL="457200" indent="0">
-              <a:buNone/>
-              <a:defRPr sz="1800" b="1"/>
-            </a:lvl2pPr>
-            <a:lvl3pPr marL="914400" indent="0">
-              <a:buNone/>
-              <a:defRPr sz="1800" b="1"/>
-            </a:lvl3pPr>
-            <a:lvl4pPr marL="1371600" indent="0">
-              <a:buNone/>
-              <a:defRPr sz="1600" b="1"/>
-            </a:lvl4pPr>
-            <a:lvl5pPr marL="1828800" indent="0">
-              <a:buNone/>
-              <a:defRPr sz="1600" b="1"/>
-            </a:lvl5pPr>
-            <a:lvl6pPr marL="2286000" indent="0">
-              <a:buNone/>
-              <a:defRPr sz="1600" b="1"/>
-            </a:lvl6pPr>
-            <a:lvl7pPr marL="2743200" indent="0">
-              <a:buNone/>
-              <a:defRPr sz="1600" b="1"/>
-            </a:lvl7pPr>
-            <a:lvl8pPr marL="3200400" indent="0">
-              <a:buNone/>
-              <a:defRPr sz="1600" b="1"/>
-            </a:lvl8pPr>
-            <a:lvl9pPr marL="3657600" indent="0">
-              <a:buNone/>
-              <a:defRPr sz="1600" b="1"/>
-            </a:lvl9pPr>
-          </a:lstStyle>
-          <a:p>
-            <a:pPr lvl="0"/>
-            <a:r>
-              <a:rPr lang="en-US"/>
-              <a:t>Click to edit Master text styles</a:t>
-            </a:r>
-          </a:p>
-        </p:txBody>
-      </p:sp>
-      <p:sp>
-        <p:nvSpPr>
-          <p:cNvPr id="6" name="Content Placeholder 5"/>
-          <p:cNvSpPr>
-            <a:spLocks noGrp="1"/>
-          </p:cNvSpPr>
-          <p:nvPr>
-            <p:ph sz="quarter" idx="4"/>
-          </p:nvPr>
-        </p:nvSpPr>
-        <p:spPr>
-          <a:xfrm>
-            <a:off x="6458712" y="2792471"/>
-            <a:ext cx="4663440" cy="3164509"/>
-          </a:xfrm>
-        </p:spPr>
-        <p:txBody>
-          <a:bodyPr/>
-          <a:lstStyle>
-            <a:lvl1pPr>
-              <a:defRPr sz="1800"/>
-            </a:lvl1pPr>
-            <a:lvl2pPr>
-              <a:defRPr sz="1600"/>
-            </a:lvl2pPr>
-            <a:lvl3pPr>
-              <a:defRPr sz="1400"/>
-            </a:lvl3pPr>
-            <a:lvl4pPr>
-              <a:defRPr sz="1400"/>
-            </a:lvl4pPr>
-            <a:lvl5pPr>
-              <a:defRPr sz="1400"/>
-            </a:lvl5pPr>
-            <a:lvl6pPr>
-              <a:defRPr sz="1400"/>
-            </a:lvl6pPr>
-            <a:lvl7pPr>
-              <a:defRPr sz="1400"/>
-            </a:lvl7pPr>
-            <a:lvl8pPr>
-              <a:defRPr sz="1400"/>
-            </a:lvl8pPr>
-            <a:lvl9pPr>
-              <a:defRPr sz="1400"/>
-            </a:lvl9pPr>
-          </a:lstStyle>
-          <a:p>
-            <a:pPr lvl="0"/>
-            <a:r>
-              <a:rPr lang="en-US"/>
-              <a:t>Click to edit Master text styles</a:t>
-            </a:r>
-          </a:p>
-          <a:p>
-            <a:pPr lvl="1"/>
-            <a:r>
-              <a:rPr lang="en-US"/>
-              <a:t>Second level</a:t>
-            </a:r>
-          </a:p>
-          <a:p>
-            <a:pPr lvl="2"/>
-            <a:r>
-              <a:rPr lang="en-US"/>
-              <a:t>Third level</a:t>
-            </a:r>
-          </a:p>
-          <a:p>
-            <a:pPr lvl="3"/>
-            <a:r>
-              <a:rPr lang="en-US"/>
-              <a:t>Fourth level</a:t>
-            </a:r>
-          </a:p>
-          <a:p>
-            <a:pPr lvl="4"/>
-            <a:r>
-              <a:rPr lang="en-US"/>
-              <a:t>Fifth level</a:t>
-            </a:r>
-            <a:endParaRPr lang="en-US" dirty="0"/>
-          </a:p>
-        </p:txBody>
-      </p:sp>
-      <p:sp>
-        <p:nvSpPr>
-          <p:cNvPr id="7" name="Date Placeholder 6"/>
-          <p:cNvSpPr>
-            <a:spLocks noGrp="1"/>
-          </p:cNvSpPr>
-          <p:nvPr>
-            <p:ph type="dt" sz="half" idx="10"/>
-          </p:nvPr>
-        </p:nvSpPr>
-        <p:spPr/>
-        <p:txBody>
-          <a:bodyPr/>
-          <a:lstStyle/>
-          <a:p>
-            <a:fld id="{CA3AECF5-4644-4878-B4B4-3AC946C4B252}" type="datetime1">
-              <a:rPr lang="en-US" smtClean="0"/>
-              <a:t>8/20/2020</a:t>
-            </a:fld>
-            <a:endParaRPr lang="en-US" dirty="0"/>
-          </a:p>
-        </p:txBody>
-      </p:sp>
-      <p:sp>
-        <p:nvSpPr>
-          <p:cNvPr id="8" name="Footer Placeholder 7"/>
-          <p:cNvSpPr>
-            <a:spLocks noGrp="1"/>
-          </p:cNvSpPr>
-          <p:nvPr>
-            <p:ph type="ftr" sz="quarter" idx="11"/>
-          </p:nvPr>
-        </p:nvSpPr>
-        <p:spPr/>
-        <p:txBody>
-          <a:bodyPr/>
-          <a:lstStyle/>
-          <a:p>
-            <a:endParaRPr lang="en-US" dirty="0"/>
-          </a:p>
-        </p:txBody>
-      </p:sp>
-      <p:sp>
-        <p:nvSpPr>
-          <p:cNvPr id="9" name="Slide Number Placeholder 8"/>
-          <p:cNvSpPr>
-            <a:spLocks noGrp="1"/>
-          </p:cNvSpPr>
-          <p:nvPr>
-            <p:ph type="sldNum" sz="quarter" idx="12"/>
-          </p:nvPr>
-        </p:nvSpPr>
-        <p:spPr/>
-        <p:txBody>
-          <a:bodyPr/>
-          <a:lstStyle/>
-          <a:p>
-            <a:fld id="{34B7E4EF-A1BD-40F4-AB7B-04F084DD991D}" type="slidenum">
-              <a:rPr lang="en-US" smtClean="0"/>
-              <a:t>‹#›</a:t>
-            </a:fld>
-            <a:endParaRPr lang="en-US" dirty="0"/>
-          </a:p>
-        </p:txBody>
-      </p:sp>
-    </p:spTree>
-    <p:extLst>
-      <p:ext uri="{BB962C8B-B14F-4D97-AF65-F5344CB8AC3E}">
-        <p14:creationId xmlns:p14="http://schemas.microsoft.com/office/powerpoint/2010/main" val="2929960713"/>
-      </p:ext>
-    </p:extLst>
-  </p:cSld>
-  <p:clrMapOvr>
-    <a:masterClrMapping/>
-  </p:clrMapOvr>
-</p:sldLayout>
-</file>
-
-<file path=ppt/slideLayouts/slideLayout6.xml><?xml version="1.0" encoding="utf-8"?>
-<p:sldLayout xmlns:a="http://schemas.openxmlformats.org/drawingml/2006/main" xmlns:r="http://schemas.openxmlformats.org/officeDocument/2006/relationships" xmlns:p="http://schemas.openxmlformats.org/presentationml/2006/main" type="titleOnly" preserve="1">
-  <p:cSld name="Title Only">
-    <p:spTree>
-      <p:nvGrpSpPr>
-        <p:cNvPr id="1" name=""/>
-        <p:cNvGrpSpPr/>
-        <p:nvPr/>
-      </p:nvGrpSpPr>
-      <p:grpSpPr>
-        <a:xfrm>
-          <a:off x="0" y="0"/>
-          <a:ext cx="0" cy="0"/>
-          <a:chOff x="0" y="0"/>
-          <a:chExt cx="0" cy="0"/>
-        </a:xfrm>
-      </p:grpSpPr>
-      <p:sp>
-        <p:nvSpPr>
-          <p:cNvPr id="2" name="Title 1"/>
-          <p:cNvSpPr>
-            <a:spLocks noGrp="1"/>
-          </p:cNvSpPr>
-          <p:nvPr>
-            <p:ph type="title"/>
-          </p:nvPr>
-        </p:nvSpPr>
-        <p:spPr/>
-        <p:txBody>
-          <a:bodyPr/>
-          <a:lstStyle/>
-          <a:p>
-            <a:r>
-              <a:rPr lang="en-US"/>
-              <a:t>Click to edit Master title style</a:t>
-            </a:r>
-            <a:endParaRPr lang="en-US" dirty="0"/>
-          </a:p>
-        </p:txBody>
-      </p:sp>
-      <p:sp>
-        <p:nvSpPr>
-          <p:cNvPr id="3" name="Date Placeholder 2"/>
-          <p:cNvSpPr>
-            <a:spLocks noGrp="1"/>
-          </p:cNvSpPr>
-          <p:nvPr>
-            <p:ph type="dt" sz="half" idx="10"/>
-          </p:nvPr>
-        </p:nvSpPr>
-        <p:spPr/>
-        <p:txBody>
-          <a:bodyPr/>
-          <a:lstStyle/>
-          <a:p>
-            <a:fld id="{B8E389F8-4EAE-4B22-8731-40270585493B}" type="datetime1">
-              <a:rPr lang="en-US" smtClean="0"/>
-              <a:t>8/20/2020</a:t>
-            </a:fld>
-            <a:endParaRPr lang="en-US" dirty="0"/>
-          </a:p>
-        </p:txBody>
-      </p:sp>
-      <p:sp>
-        <p:nvSpPr>
-          <p:cNvPr id="4" name="Footer Placeholder 3"/>
-          <p:cNvSpPr>
-            <a:spLocks noGrp="1"/>
-          </p:cNvSpPr>
-          <p:nvPr>
-            <p:ph type="ftr" sz="quarter" idx="11"/>
-          </p:nvPr>
-        </p:nvSpPr>
-        <p:spPr/>
-        <p:txBody>
-          <a:bodyPr/>
-          <a:lstStyle/>
-          <a:p>
-            <a:endParaRPr lang="en-US" dirty="0"/>
-          </a:p>
-        </p:txBody>
-      </p:sp>
-      <p:sp>
-        <p:nvSpPr>
-          <p:cNvPr id="5" name="Slide Number Placeholder 4"/>
-          <p:cNvSpPr>
-            <a:spLocks noGrp="1"/>
-          </p:cNvSpPr>
-          <p:nvPr>
-            <p:ph type="sldNum" sz="quarter" idx="12"/>
-          </p:nvPr>
-        </p:nvSpPr>
-        <p:spPr/>
-        <p:txBody>
-          <a:bodyPr/>
-          <a:lstStyle/>
-          <a:p>
-            <a:fld id="{34B7E4EF-A1BD-40F4-AB7B-04F084DD991D}" type="slidenum">
-              <a:rPr lang="en-US" smtClean="0"/>
-              <a:t>‹#›</a:t>
-            </a:fld>
-            <a:endParaRPr lang="en-US" dirty="0"/>
-          </a:p>
-        </p:txBody>
-      </p:sp>
-    </p:spTree>
-    <p:extLst>
-      <p:ext uri="{BB962C8B-B14F-4D97-AF65-F5344CB8AC3E}">
-        <p14:creationId xmlns:p14="http://schemas.microsoft.com/office/powerpoint/2010/main" val="2667413146"/>
-      </p:ext>
-    </p:extLst>
-  </p:cSld>
-  <p:clrMapOvr>
-    <a:masterClrMapping/>
-  </p:clrMapOvr>
-</p:sldLayout>
-</file>
-
-<file path=ppt/slideLayouts/slideLayout7.xml><?xml version="1.0" encoding="utf-8"?>
-<p:sldLayout xmlns:a="http://schemas.openxmlformats.org/drawingml/2006/main" xmlns:r="http://schemas.openxmlformats.org/officeDocument/2006/relationships" xmlns:p="http://schemas.openxmlformats.org/presentationml/2006/main" type="blank" preserve="1">
-  <p:cSld name="Blank">
-    <p:spTree>
-      <p:nvGrpSpPr>
-        <p:cNvPr id="1" name=""/>
-        <p:cNvGrpSpPr/>
-        <p:nvPr/>
-      </p:nvGrpSpPr>
-      <p:grpSpPr>
-        <a:xfrm>
-          <a:off x="0" y="0"/>
-          <a:ext cx="0" cy="0"/>
-          <a:chOff x="0" y="0"/>
-          <a:chExt cx="0" cy="0"/>
-        </a:xfrm>
-      </p:grpSpPr>
-      <p:sp>
-        <p:nvSpPr>
-          <p:cNvPr id="2" name="Date Placeholder 1"/>
-          <p:cNvSpPr>
-            <a:spLocks noGrp="1"/>
-          </p:cNvSpPr>
-          <p:nvPr>
-            <p:ph type="dt" sz="half" idx="10"/>
-          </p:nvPr>
-        </p:nvSpPr>
-        <p:spPr/>
-        <p:txBody>
-          <a:bodyPr/>
-          <a:lstStyle/>
-          <a:p>
-            <a:fld id="{772F4F3F-699B-4D10-AAB9-00C2579C25F8}" type="datetime1">
-              <a:rPr lang="en-US" smtClean="0"/>
-              <a:t>8/20/2020</a:t>
-            </a:fld>
-            <a:endParaRPr lang="en-US" dirty="0"/>
-          </a:p>
-        </p:txBody>
-      </p:sp>
-      <p:sp>
-        <p:nvSpPr>
-          <p:cNvPr id="3" name="Footer Placeholder 2"/>
-          <p:cNvSpPr>
-            <a:spLocks noGrp="1"/>
-          </p:cNvSpPr>
-          <p:nvPr>
-            <p:ph type="ftr" sz="quarter" idx="11"/>
-          </p:nvPr>
-        </p:nvSpPr>
-        <p:spPr/>
-        <p:txBody>
-          <a:bodyPr/>
-          <a:lstStyle/>
-          <a:p>
-            <a:endParaRPr lang="en-US" dirty="0"/>
-          </a:p>
-        </p:txBody>
-      </p:sp>
-      <p:sp>
-        <p:nvSpPr>
-          <p:cNvPr id="4" name="Slide Number Placeholder 3"/>
-          <p:cNvSpPr>
-            <a:spLocks noGrp="1"/>
-          </p:cNvSpPr>
-          <p:nvPr>
-            <p:ph type="sldNum" sz="quarter" idx="12"/>
-          </p:nvPr>
-        </p:nvSpPr>
-        <p:spPr/>
-        <p:txBody>
-          <a:bodyPr/>
-          <a:lstStyle/>
-          <a:p>
-            <a:fld id="{34B7E4EF-A1BD-40F4-AB7B-04F084DD991D}" type="slidenum">
-              <a:rPr lang="en-US" smtClean="0"/>
-              <a:t>‹#›</a:t>
-            </a:fld>
-            <a:endParaRPr lang="en-US" dirty="0"/>
-          </a:p>
-        </p:txBody>
-      </p:sp>
-    </p:spTree>
-    <p:extLst>
-      <p:ext uri="{BB962C8B-B14F-4D97-AF65-F5344CB8AC3E}">
-        <p14:creationId xmlns:p14="http://schemas.microsoft.com/office/powerpoint/2010/main" val="907247122"/>
-      </p:ext>
-    </p:extLst>
-  </p:cSld>
-  <p:clrMapOvr>
-    <a:masterClrMapping/>
-  </p:clrMapOvr>
-</p:sldLayout>
-</file>
-
-<file path=ppt/slideLayouts/slideLayout8.xml><?xml version="1.0" encoding="utf-8"?>
-<p:sldLayout xmlns:a="http://schemas.openxmlformats.org/drawingml/2006/main" xmlns:r="http://schemas.openxmlformats.org/officeDocument/2006/relationships" xmlns:p="http://schemas.openxmlformats.org/presentationml/2006/main" showMasterSp="0" type="objTx" preserve="1">
-  <p:cSld name="Content with Caption">
-    <p:spTree>
-      <p:nvGrpSpPr>
-        <p:cNvPr id="1" name=""/>
-        <p:cNvGrpSpPr/>
-        <p:nvPr/>
-      </p:nvGrpSpPr>
-      <p:grpSpPr>
-        <a:xfrm>
-          <a:off x="0" y="0"/>
-          <a:ext cx="0" cy="0"/>
-          <a:chOff x="0" y="0"/>
-          <a:chExt cx="0" cy="0"/>
-        </a:xfrm>
-      </p:grpSpPr>
-      <p:sp>
-        <p:nvSpPr>
-          <p:cNvPr id="10" name="Rectangle 9">
-            <a:extLst>
-              <a:ext uri="{FF2B5EF4-FFF2-40B4-BE49-F238E27FC236}">
-                <a16:creationId xmlns:a16="http://schemas.microsoft.com/office/drawing/2014/main" id="{D5E1BBF9-8BEF-4353-BA68-30AAF9EBD8D8}"/>
-              </a:ext>
-            </a:extLst>
-          </p:cNvPr>
-          <p:cNvSpPr/>
-          <p:nvPr/>
-        </p:nvSpPr>
-        <p:spPr>
-          <a:xfrm>
-            <a:off x="8119870" y="237744"/>
-            <a:ext cx="3826596" cy="6382512"/>
-          </a:xfrm>
-          <a:prstGeom prst="rect">
-            <a:avLst/>
-          </a:prstGeom>
-          <a:solidFill>
-            <a:schemeClr val="bg1">
-              <a:lumMod val="85000"/>
-              <a:alpha val="60000"/>
-            </a:schemeClr>
-          </a:solidFill>
-          <a:ln>
-            <a:noFill/>
-          </a:ln>
-        </p:spPr>
-        <p:style>
-          <a:lnRef idx="2">
-            <a:schemeClr val="accent1">
-              <a:shade val="50000"/>
-            </a:schemeClr>
-          </a:lnRef>
-          <a:fillRef idx="1">
-            <a:schemeClr val="accent1"/>
-          </a:fillRef>
-          <a:effectRef idx="0">
-            <a:schemeClr val="accent1"/>
-          </a:effectRef>
-          <a:fontRef idx="minor">
-            <a:schemeClr val="lt1"/>
-          </a:fontRef>
-        </p:style>
-      </p:sp>
-      <p:sp>
-        <p:nvSpPr>
-          <p:cNvPr id="13" name="Rectangle 12">
-            <a:extLst>
-              <a:ext uri="{FF2B5EF4-FFF2-40B4-BE49-F238E27FC236}">
-                <a16:creationId xmlns:a16="http://schemas.microsoft.com/office/drawing/2014/main" id="{5B941C21-2A5D-4912-AB06-1BB0C0EB6AE1}"/>
-              </a:ext>
-            </a:extLst>
-          </p:cNvPr>
-          <p:cNvSpPr/>
-          <p:nvPr/>
-        </p:nvSpPr>
-        <p:spPr>
-          <a:xfrm>
-            <a:off x="8254660" y="374904"/>
-            <a:ext cx="3557016" cy="6108192"/>
-          </a:xfrm>
-          <a:prstGeom prst="rect">
-            <a:avLst/>
-          </a:prstGeom>
-          <a:noFill/>
-          <a:ln w="6350" cap="sq">
-            <a:solidFill>
-              <a:schemeClr val="tx1">
-                <a:lumMod val="75000"/>
-                <a:lumOff val="25000"/>
-              </a:schemeClr>
-            </a:solidFill>
-            <a:miter lim="800000"/>
-          </a:ln>
-        </p:spPr>
-        <p:style>
-          <a:lnRef idx="2">
-            <a:schemeClr val="accent1">
-              <a:shade val="50000"/>
-            </a:schemeClr>
-          </a:lnRef>
-          <a:fillRef idx="1">
-            <a:schemeClr val="accent1"/>
-          </a:fillRef>
-          <a:effectRef idx="0">
-            <a:schemeClr val="accent1"/>
-          </a:effectRef>
-          <a:fontRef idx="minor">
-            <a:schemeClr val="lt1"/>
-          </a:fontRef>
-        </p:style>
-      </p:sp>
-      <p:sp>
-        <p:nvSpPr>
-          <p:cNvPr id="2" name="Title 1"/>
-          <p:cNvSpPr>
-            <a:spLocks noGrp="1"/>
-          </p:cNvSpPr>
-          <p:nvPr>
-            <p:ph type="title"/>
-          </p:nvPr>
-        </p:nvSpPr>
-        <p:spPr>
-          <a:xfrm>
-            <a:off x="8458200" y="607392"/>
-            <a:ext cx="3161963" cy="1645920"/>
-          </a:xfrm>
-        </p:spPr>
-        <p:txBody>
-          <a:bodyPr anchor="b">
-            <a:normAutofit/>
-          </a:bodyPr>
-          <a:lstStyle>
-            <a:lvl1pPr algn="l" defTabSz="914400" rtl="0" eaLnBrk="1" latinLnBrk="0" hangingPunct="1">
-              <a:lnSpc>
-                <a:spcPct val="100000"/>
-              </a:lnSpc>
-              <a:spcBef>
-                <a:spcPct val="0"/>
-              </a:spcBef>
-              <a:buNone/>
-              <a:defRPr lang="en-US" sz="3200" b="0" kern="1200" cap="none" spc="0" baseline="0" dirty="0">
-                <a:solidFill>
-                  <a:schemeClr val="tx1"/>
-                </a:solidFill>
-                <a:effectLst/>
-                <a:latin typeface="+mj-lt"/>
-                <a:ea typeface="+mn-ea"/>
-                <a:cs typeface="+mn-cs"/>
-              </a:defRPr>
-            </a:lvl1pPr>
-          </a:lstStyle>
-          <a:p>
-            <a:r>
-              <a:rPr lang="en-US"/>
-              <a:t>Click to edit Master title style</a:t>
-            </a:r>
-            <a:endParaRPr lang="en-US" dirty="0"/>
-          </a:p>
-        </p:txBody>
-      </p:sp>
-      <p:sp>
-        <p:nvSpPr>
-          <p:cNvPr id="3" name="Content Placeholder 2"/>
-          <p:cNvSpPr>
-            <a:spLocks noGrp="1"/>
-          </p:cNvSpPr>
-          <p:nvPr>
-            <p:ph idx="1"/>
-          </p:nvPr>
-        </p:nvSpPr>
-        <p:spPr>
-          <a:xfrm>
-            <a:off x="685800" y="609600"/>
-            <a:ext cx="6858000" cy="5334000"/>
-          </a:xfrm>
-        </p:spPr>
-        <p:txBody>
-          <a:bodyPr/>
-          <a:lstStyle>
-            <a:lvl1pPr>
-              <a:defRPr sz="1900"/>
-            </a:lvl1pPr>
-            <a:lvl2pPr>
-              <a:defRPr sz="1600"/>
-            </a:lvl2pPr>
-            <a:lvl3pPr>
-              <a:defRPr sz="1400"/>
-            </a:lvl3pPr>
-            <a:lvl4pPr>
-              <a:defRPr sz="1400"/>
-            </a:lvl4pPr>
-            <a:lvl5pPr>
-              <a:defRPr sz="1400"/>
-            </a:lvl5pPr>
-            <a:lvl6pPr>
-              <a:defRPr sz="1400"/>
-            </a:lvl6pPr>
-            <a:lvl7pPr>
-              <a:defRPr sz="1400"/>
-            </a:lvl7pPr>
-            <a:lvl8pPr>
-              <a:defRPr sz="1400"/>
-            </a:lvl8pPr>
-            <a:lvl9pPr>
-              <a:defRPr sz="1400"/>
-            </a:lvl9pPr>
-          </a:lstStyle>
-          <a:p>
-            <a:pPr lvl="0"/>
-            <a:r>
-              <a:rPr lang="en-US"/>
-              <a:t>Click to edit Master text styles</a:t>
-            </a:r>
-          </a:p>
-          <a:p>
-            <a:pPr lvl="1"/>
-            <a:r>
-              <a:rPr lang="en-US"/>
-              <a:t>Second level</a:t>
-            </a:r>
-          </a:p>
-          <a:p>
-            <a:pPr lvl="2"/>
-            <a:r>
-              <a:rPr lang="en-US"/>
-              <a:t>Third level</a:t>
-            </a:r>
-          </a:p>
-          <a:p>
-            <a:pPr lvl="3"/>
-            <a:r>
-              <a:rPr lang="en-US"/>
-              <a:t>Fourth level</a:t>
-            </a:r>
-          </a:p>
-          <a:p>
-            <a:pPr lvl="4"/>
-            <a:r>
-              <a:rPr lang="en-US"/>
-              <a:t>Fifth level</a:t>
-            </a:r>
-            <a:endParaRPr lang="en-US" dirty="0"/>
-          </a:p>
-        </p:txBody>
-      </p:sp>
-      <p:sp>
-        <p:nvSpPr>
-          <p:cNvPr id="4" name="Text Placeholder 3"/>
-          <p:cNvSpPr>
-            <a:spLocks noGrp="1"/>
-          </p:cNvSpPr>
-          <p:nvPr>
-            <p:ph type="body" sz="half" idx="2"/>
-          </p:nvPr>
-        </p:nvSpPr>
-        <p:spPr>
-          <a:xfrm>
-            <a:off x="8458200" y="2336800"/>
-            <a:ext cx="3161963" cy="3606800"/>
-          </a:xfrm>
-        </p:spPr>
-        <p:txBody>
-          <a:bodyPr>
-            <a:normAutofit/>
-          </a:bodyPr>
-          <a:lstStyle>
-            <a:lvl1pPr marL="0" indent="0">
-              <a:lnSpc>
-                <a:spcPct val="110000"/>
-              </a:lnSpc>
-              <a:spcBef>
-                <a:spcPts val="800"/>
-              </a:spcBef>
-              <a:buNone/>
-              <a:defRPr sz="1800">
-                <a:solidFill>
-                  <a:schemeClr val="tx1"/>
-                </a:solidFill>
-              </a:defRPr>
-            </a:lvl1pPr>
-            <a:lvl2pPr marL="457200" indent="0">
-              <a:buNone/>
-              <a:defRPr sz="1200"/>
-            </a:lvl2pPr>
-            <a:lvl3pPr marL="914400" indent="0">
-              <a:buNone/>
-              <a:defRPr sz="1000"/>
-            </a:lvl3pPr>
-            <a:lvl4pPr marL="1371600" indent="0">
-              <a:buNone/>
-              <a:defRPr sz="900"/>
-            </a:lvl4pPr>
-            <a:lvl5pPr marL="1828800" indent="0">
-              <a:buNone/>
-              <a:defRPr sz="900"/>
-            </a:lvl5pPr>
-            <a:lvl6pPr marL="2286000" indent="0">
-              <a:buNone/>
-              <a:defRPr sz="900"/>
-            </a:lvl6pPr>
-            <a:lvl7pPr marL="2743200" indent="0">
-              <a:buNone/>
-              <a:defRPr sz="900"/>
-            </a:lvl7pPr>
-            <a:lvl8pPr marL="3200400" indent="0">
-              <a:buNone/>
-              <a:defRPr sz="900"/>
-            </a:lvl8pPr>
-            <a:lvl9pPr marL="3657600" indent="0">
-              <a:buNone/>
-              <a:defRPr sz="900"/>
-            </a:lvl9pPr>
-          </a:lstStyle>
-          <a:p>
-            <a:pPr lvl="0"/>
-            <a:r>
-              <a:rPr lang="en-US"/>
-              <a:t>Click to edit Master text styles</a:t>
-            </a:r>
-          </a:p>
-        </p:txBody>
-      </p:sp>
-      <p:sp>
-        <p:nvSpPr>
-          <p:cNvPr id="8" name="Date Placeholder 7"/>
-          <p:cNvSpPr>
-            <a:spLocks noGrp="1"/>
-          </p:cNvSpPr>
-          <p:nvPr>
-            <p:ph type="dt" sz="half" idx="10"/>
-          </p:nvPr>
-        </p:nvSpPr>
-        <p:spPr>
-          <a:xfrm>
-            <a:off x="5588000" y="6035040"/>
-            <a:ext cx="1955800" cy="365760"/>
-          </a:xfrm>
-        </p:spPr>
-        <p:txBody>
-          <a:bodyPr/>
-          <a:lstStyle>
-            <a:lvl1pPr>
-              <a:defRPr>
-                <a:solidFill>
-                  <a:schemeClr val="tx1">
-                    <a:lumMod val="85000"/>
-                    <a:lumOff val="15000"/>
-                  </a:schemeClr>
-                </a:solidFill>
-              </a:defRPr>
-            </a:lvl1pPr>
-          </a:lstStyle>
-          <a:p>
-            <a:fld id="{E51BA90F-EE6C-42F5-8961-2F52EE18037D}" type="datetime1">
-              <a:rPr lang="en-US" smtClean="0"/>
-              <a:t>8/20/2020</a:t>
-            </a:fld>
-            <a:endParaRPr lang="en-US" dirty="0"/>
-          </a:p>
-        </p:txBody>
-      </p:sp>
-      <p:sp>
-        <p:nvSpPr>
-          <p:cNvPr id="9" name="Footer Placeholder 8"/>
-          <p:cNvSpPr>
-            <a:spLocks noGrp="1"/>
-          </p:cNvSpPr>
-          <p:nvPr>
-            <p:ph type="ftr" sz="quarter" idx="11"/>
-          </p:nvPr>
-        </p:nvSpPr>
-        <p:spPr>
-          <a:xfrm>
-            <a:off x="685801" y="6035040"/>
-            <a:ext cx="4584700" cy="365760"/>
-          </a:xfrm>
-        </p:spPr>
-        <p:txBody>
-          <a:bodyPr/>
-          <a:lstStyle>
-            <a:lvl1pPr algn="l">
-              <a:defRPr/>
-            </a:lvl1pPr>
-          </a:lstStyle>
-          <a:p>
-            <a:endParaRPr lang="en-US" dirty="0"/>
-          </a:p>
-        </p:txBody>
-      </p:sp>
-      <p:sp>
-        <p:nvSpPr>
-          <p:cNvPr id="11" name="Slide Number Placeholder 10"/>
-          <p:cNvSpPr>
-            <a:spLocks noGrp="1"/>
-          </p:cNvSpPr>
-          <p:nvPr>
-            <p:ph type="sldNum" sz="quarter" idx="12"/>
-          </p:nvPr>
-        </p:nvSpPr>
-        <p:spPr>
-          <a:xfrm>
-            <a:off x="10396728" y="6035040"/>
-            <a:ext cx="1223435" cy="365760"/>
-          </a:xfrm>
-        </p:spPr>
-        <p:txBody>
-          <a:bodyPr/>
-          <a:lstStyle>
-            <a:lvl1pPr>
-              <a:defRPr>
-                <a:solidFill>
-                  <a:schemeClr val="tx1">
-                    <a:lumMod val="85000"/>
-                    <a:lumOff val="15000"/>
-                  </a:schemeClr>
-                </a:solidFill>
-              </a:defRPr>
-            </a:lvl1pPr>
-          </a:lstStyle>
-          <a:p>
-            <a:fld id="{34B7E4EF-A1BD-40F4-AB7B-04F084DD991D}" type="slidenum">
-              <a:rPr lang="en-US" smtClean="0"/>
-              <a:t>‹#›</a:t>
-            </a:fld>
-            <a:endParaRPr lang="en-US" dirty="0"/>
-          </a:p>
-        </p:txBody>
-      </p:sp>
-    </p:spTree>
-    <p:extLst>
-      <p:ext uri="{BB962C8B-B14F-4D97-AF65-F5344CB8AC3E}">
-        <p14:creationId xmlns:p14="http://schemas.microsoft.com/office/powerpoint/2010/main" val="2488602163"/>
-      </p:ext>
-    </p:extLst>
-  </p:cSld>
-  <p:clrMapOvr>
-    <a:masterClrMapping/>
-  </p:clrMapOvr>
-</p:sldLayout>
-</file>
-
-<file path=ppt/slideLayouts/slideLayout9.xml><?xml version="1.0" encoding="utf-8"?>
-<p:sldLayout xmlns:a="http://schemas.openxmlformats.org/drawingml/2006/main" xmlns:r="http://schemas.openxmlformats.org/officeDocument/2006/relationships" xmlns:p="http://schemas.openxmlformats.org/presentationml/2006/main" showMasterSp="0" type="picTx" preserve="1">
-  <p:cSld name="Picture with Caption">
-    <p:spTree>
-      <p:nvGrpSpPr>
-        <p:cNvPr id="1" name=""/>
-        <p:cNvGrpSpPr/>
-        <p:nvPr/>
-      </p:nvGrpSpPr>
-      <p:grpSpPr>
-        <a:xfrm>
-          <a:off x="0" y="0"/>
-          <a:ext cx="0" cy="0"/>
-          <a:chOff x="0" y="0"/>
-          <a:chExt cx="0" cy="0"/>
-        </a:xfrm>
-      </p:grpSpPr>
-      <p:sp>
-        <p:nvSpPr>
-          <p:cNvPr id="11" name="Rectangle 10">
-            <a:extLst>
-              <a:ext uri="{FF2B5EF4-FFF2-40B4-BE49-F238E27FC236}">
-                <a16:creationId xmlns:a16="http://schemas.microsoft.com/office/drawing/2014/main" id="{E687CA98-D9C7-497F-A1DA-7D22F8753BCE}"/>
-              </a:ext>
-            </a:extLst>
-          </p:cNvPr>
-          <p:cNvSpPr/>
-          <p:nvPr/>
-        </p:nvSpPr>
-        <p:spPr>
-          <a:xfrm>
-            <a:off x="8119870" y="237744"/>
-            <a:ext cx="3826596" cy="6382512"/>
-          </a:xfrm>
-          <a:prstGeom prst="rect">
-            <a:avLst/>
-          </a:prstGeom>
-          <a:solidFill>
-            <a:schemeClr val="bg1">
-              <a:lumMod val="85000"/>
-              <a:alpha val="60000"/>
-            </a:schemeClr>
-          </a:solidFill>
-          <a:ln>
-            <a:noFill/>
-          </a:ln>
-        </p:spPr>
-        <p:style>
-          <a:lnRef idx="2">
-            <a:schemeClr val="accent1">
-              <a:shade val="50000"/>
-            </a:schemeClr>
-          </a:lnRef>
-          <a:fillRef idx="1">
-            <a:schemeClr val="accent1"/>
-          </a:fillRef>
-          <a:effectRef idx="0">
-            <a:schemeClr val="accent1"/>
-          </a:effectRef>
-          <a:fontRef idx="minor">
-            <a:schemeClr val="lt1"/>
-          </a:fontRef>
-        </p:style>
-      </p:sp>
-      <p:sp>
-        <p:nvSpPr>
-          <p:cNvPr id="3" name="Picture Placeholder 2"/>
-          <p:cNvSpPr>
-            <a:spLocks noGrp="1" noChangeAspect="1"/>
-          </p:cNvSpPr>
-          <p:nvPr>
-            <p:ph type="pic" idx="1"/>
-          </p:nvPr>
-        </p:nvSpPr>
-        <p:spPr>
-          <a:xfrm>
-            <a:off x="228599" y="237744"/>
-            <a:ext cx="7696201" cy="6382512"/>
-          </a:xfrm>
-          <a:solidFill>
-            <a:schemeClr val="accent1">
-              <a:lumMod val="60000"/>
-              <a:lumOff val="40000"/>
-            </a:schemeClr>
-          </a:solidFill>
-          <a:ln>
-            <a:noFill/>
-          </a:ln>
-        </p:spPr>
-        <p:txBody>
-          <a:bodyPr anchor="t"/>
-          <a:lstStyle>
-            <a:lvl1pPr marL="0" indent="0">
-              <a:buNone/>
-              <a:defRPr sz="3200"/>
-            </a:lvl1pPr>
-            <a:lvl2pPr marL="457200" indent="0">
-              <a:buNone/>
-              <a:defRPr sz="2800"/>
-            </a:lvl2pPr>
-            <a:lvl3pPr marL="914400" indent="0">
-              <a:buNone/>
-              <a:defRPr sz="2400"/>
-            </a:lvl3pPr>
-            <a:lvl4pPr marL="1371600" indent="0">
-              <a:buNone/>
-              <a:defRPr sz="2000"/>
-            </a:lvl4pPr>
-            <a:lvl5pPr marL="1828800" indent="0">
-              <a:buNone/>
-              <a:defRPr sz="2000"/>
-            </a:lvl5pPr>
-            <a:lvl6pPr marL="2286000" indent="0">
-              <a:buNone/>
-              <a:defRPr sz="2000"/>
-            </a:lvl6pPr>
-            <a:lvl7pPr marL="2743200" indent="0">
-              <a:buNone/>
-              <a:defRPr sz="2000"/>
-            </a:lvl7pPr>
-            <a:lvl8pPr marL="3200400" indent="0">
-              <a:buNone/>
-              <a:defRPr sz="2000"/>
-            </a:lvl8pPr>
-            <a:lvl9pPr marL="3657600" indent="0">
-              <a:buNone/>
-              <a:defRPr sz="2000"/>
-            </a:lvl9pPr>
-          </a:lstStyle>
-          <a:p>
-            <a:r>
-              <a:rPr lang="en-US" dirty="0"/>
-              <a:t>Click icon to add picture</a:t>
-            </a:r>
-          </a:p>
-        </p:txBody>
-      </p:sp>
-      <p:sp>
-        <p:nvSpPr>
-          <p:cNvPr id="5" name="Date Placeholder 4"/>
-          <p:cNvSpPr>
-            <a:spLocks noGrp="1"/>
-          </p:cNvSpPr>
-          <p:nvPr>
-            <p:ph type="dt" sz="half" idx="10"/>
-          </p:nvPr>
-        </p:nvSpPr>
-        <p:spPr>
-          <a:xfrm>
-            <a:off x="5662337" y="6035040"/>
-            <a:ext cx="2071963" cy="365760"/>
-          </a:xfrm>
-        </p:spPr>
-        <p:txBody>
-          <a:bodyPr/>
-          <a:lstStyle>
-            <a:lvl1pPr>
-              <a:defRPr b="1">
-                <a:solidFill>
-                  <a:srgbClr val="FFFFFF"/>
-                </a:solidFill>
-                <a:effectLst>
-                  <a:outerShdw blurRad="19050" dist="6350" dir="2700000" algn="tl" rotWithShape="0">
-                    <a:prstClr val="black">
-                      <a:alpha val="40000"/>
-                    </a:prstClr>
-                  </a:outerShdw>
-                </a:effectLst>
-              </a:defRPr>
-            </a:lvl1pPr>
-          </a:lstStyle>
-          <a:p>
-            <a:fld id="{FB6292F5-AD2B-47F4-B460-BF55BF34C27D}" type="datetime1">
-              <a:rPr lang="en-US" smtClean="0"/>
-              <a:t>8/20/2020</a:t>
-            </a:fld>
-            <a:endParaRPr lang="en-US" dirty="0"/>
-          </a:p>
-        </p:txBody>
-      </p:sp>
-      <p:sp>
-        <p:nvSpPr>
-          <p:cNvPr id="6" name="Footer Placeholder 5"/>
-          <p:cNvSpPr>
-            <a:spLocks noGrp="1"/>
-          </p:cNvSpPr>
-          <p:nvPr>
-            <p:ph type="ftr" sz="quarter" idx="11"/>
-          </p:nvPr>
-        </p:nvSpPr>
-        <p:spPr>
-          <a:xfrm>
-            <a:off x="612648" y="6035040"/>
-            <a:ext cx="4588002" cy="365760"/>
-          </a:xfrm>
-        </p:spPr>
-        <p:txBody>
-          <a:bodyPr/>
-          <a:lstStyle>
-            <a:lvl1pPr marL="0" algn="r" defTabSz="914400" rtl="0" eaLnBrk="1" latinLnBrk="0" hangingPunct="1">
-              <a:defRPr lang="en-US" sz="1000" b="1" kern="1200" dirty="0">
-                <a:solidFill>
-                  <a:srgbClr val="FFFFFF"/>
-                </a:solidFill>
-                <a:effectLst>
-                  <a:outerShdw blurRad="19050" dist="6350" dir="2700000" algn="tl" rotWithShape="0">
-                    <a:prstClr val="black">
-                      <a:alpha val="40000"/>
-                    </a:prstClr>
-                  </a:outerShdw>
-                </a:effectLst>
-                <a:latin typeface="+mn-lt"/>
-                <a:ea typeface="+mn-ea"/>
-                <a:cs typeface="+mn-cs"/>
-              </a:defRPr>
-            </a:lvl1pPr>
-          </a:lstStyle>
-          <a:p>
-            <a:pPr algn="l"/>
-            <a:endParaRPr lang="en-US" dirty="0"/>
-          </a:p>
-        </p:txBody>
-      </p:sp>
-      <p:sp>
-        <p:nvSpPr>
-          <p:cNvPr id="7" name="Slide Number Placeholder 6"/>
-          <p:cNvSpPr>
-            <a:spLocks noGrp="1"/>
-          </p:cNvSpPr>
-          <p:nvPr>
-            <p:ph type="sldNum" sz="quarter" idx="12"/>
-          </p:nvPr>
-        </p:nvSpPr>
-        <p:spPr>
-          <a:xfrm>
-            <a:off x="10396728" y="6035040"/>
-            <a:ext cx="1225296" cy="365760"/>
-          </a:xfrm>
-        </p:spPr>
-        <p:txBody>
-          <a:bodyPr/>
-          <a:lstStyle/>
-          <a:p>
-            <a:fld id="{34B7E4EF-A1BD-40F4-AB7B-04F084DD991D}" type="slidenum">
-              <a:rPr lang="en-US" smtClean="0"/>
-              <a:t>‹#›</a:t>
-            </a:fld>
-            <a:endParaRPr lang="en-US" dirty="0"/>
-          </a:p>
-        </p:txBody>
-      </p:sp>
-      <p:sp>
-        <p:nvSpPr>
-          <p:cNvPr id="12" name="Rectangle 11">
-            <a:extLst>
-              <a:ext uri="{FF2B5EF4-FFF2-40B4-BE49-F238E27FC236}">
-                <a16:creationId xmlns:a16="http://schemas.microsoft.com/office/drawing/2014/main" id="{F8B3D8CC-BB13-41A5-8F34-B8E84A4F9534}"/>
-              </a:ext>
-            </a:extLst>
-          </p:cNvPr>
-          <p:cNvSpPr/>
-          <p:nvPr/>
-        </p:nvSpPr>
-        <p:spPr>
-          <a:xfrm>
-            <a:off x="8254660" y="374904"/>
-            <a:ext cx="3557016" cy="6108192"/>
-          </a:xfrm>
-          <a:prstGeom prst="rect">
-            <a:avLst/>
-          </a:prstGeom>
-          <a:noFill/>
-          <a:ln w="6350" cap="sq">
-            <a:solidFill>
-              <a:schemeClr val="tx1">
-                <a:lumMod val="75000"/>
-                <a:lumOff val="25000"/>
-              </a:schemeClr>
-            </a:solidFill>
-            <a:miter lim="800000"/>
-          </a:ln>
-        </p:spPr>
-        <p:style>
-          <a:lnRef idx="2">
-            <a:schemeClr val="accent1">
-              <a:shade val="50000"/>
-            </a:schemeClr>
-          </a:lnRef>
-          <a:fillRef idx="1">
-            <a:schemeClr val="accent1"/>
-          </a:fillRef>
-          <a:effectRef idx="0">
-            <a:schemeClr val="accent1"/>
-          </a:effectRef>
-          <a:fontRef idx="minor">
-            <a:schemeClr val="lt1"/>
-          </a:fontRef>
-        </p:style>
-      </p:sp>
-      <p:sp>
-        <p:nvSpPr>
-          <p:cNvPr id="2" name="Title 1"/>
-          <p:cNvSpPr>
-            <a:spLocks noGrp="1"/>
-          </p:cNvSpPr>
-          <p:nvPr>
-            <p:ph type="title"/>
-          </p:nvPr>
-        </p:nvSpPr>
-        <p:spPr>
-          <a:xfrm>
-            <a:off x="8477250" y="603504"/>
-            <a:ext cx="3144774" cy="1645920"/>
-          </a:xfrm>
-        </p:spPr>
-        <p:txBody>
-          <a:bodyPr anchor="b">
-            <a:noAutofit/>
-          </a:bodyPr>
-          <a:lstStyle>
-            <a:lvl1pPr algn="l">
-              <a:lnSpc>
-                <a:spcPct val="100000"/>
-              </a:lnSpc>
-              <a:defRPr sz="3200" b="0">
-                <a:solidFill>
-                  <a:schemeClr val="tx1"/>
-                </a:solidFill>
-                <a:latin typeface="+mj-lt"/>
-              </a:defRPr>
-            </a:lvl1pPr>
-          </a:lstStyle>
-          <a:p>
-            <a:r>
-              <a:rPr lang="en-US"/>
-              <a:t>Click to edit Master title style</a:t>
-            </a:r>
-            <a:endParaRPr lang="en-US" dirty="0"/>
-          </a:p>
-        </p:txBody>
-      </p:sp>
-      <p:sp>
-        <p:nvSpPr>
-          <p:cNvPr id="4" name="Text Placeholder 3"/>
-          <p:cNvSpPr>
-            <a:spLocks noGrp="1"/>
-          </p:cNvSpPr>
-          <p:nvPr>
-            <p:ph type="body" sz="half" idx="2"/>
-          </p:nvPr>
-        </p:nvSpPr>
-        <p:spPr>
-          <a:xfrm>
-            <a:off x="8477250" y="2386584"/>
-            <a:ext cx="3144774" cy="3511296"/>
-          </a:xfrm>
-        </p:spPr>
-        <p:txBody>
-          <a:bodyPr>
-            <a:normAutofit/>
-          </a:bodyPr>
-          <a:lstStyle>
-            <a:lvl1pPr marL="0" indent="0" algn="l">
-              <a:lnSpc>
-                <a:spcPct val="110000"/>
-              </a:lnSpc>
-              <a:spcBef>
-                <a:spcPts val="800"/>
-              </a:spcBef>
-              <a:buNone/>
-              <a:defRPr sz="1800">
-                <a:solidFill>
-                  <a:schemeClr val="tx1"/>
-                </a:solidFill>
-              </a:defRPr>
-            </a:lvl1pPr>
-            <a:lvl2pPr marL="457200" indent="0">
-              <a:buNone/>
-              <a:defRPr sz="1200"/>
-            </a:lvl2pPr>
-            <a:lvl3pPr marL="914400" indent="0">
-              <a:buNone/>
-              <a:defRPr sz="1000"/>
-            </a:lvl3pPr>
-            <a:lvl4pPr marL="1371600" indent="0">
-              <a:buNone/>
-              <a:defRPr sz="900"/>
-            </a:lvl4pPr>
-            <a:lvl5pPr marL="1828800" indent="0">
-              <a:buNone/>
-              <a:defRPr sz="900"/>
-            </a:lvl5pPr>
-            <a:lvl6pPr marL="2286000" indent="0">
-              <a:buNone/>
-              <a:defRPr sz="900"/>
-            </a:lvl6pPr>
-            <a:lvl7pPr marL="2743200" indent="0">
-              <a:buNone/>
-              <a:defRPr sz="900"/>
-            </a:lvl7pPr>
-            <a:lvl8pPr marL="3200400" indent="0">
-              <a:buNone/>
-              <a:defRPr sz="900"/>
-            </a:lvl8pPr>
-            <a:lvl9pPr marL="3657600" indent="0">
-              <a:buNone/>
-              <a:defRPr sz="900"/>
-            </a:lvl9pPr>
-          </a:lstStyle>
-          <a:p>
-            <a:pPr lvl="0"/>
-            <a:r>
-              <a:rPr lang="en-US"/>
-              <a:t>Click to edit Master text styles</a:t>
-            </a:r>
-          </a:p>
-        </p:txBody>
-      </p:sp>
-    </p:spTree>
-    <p:extLst>
-      <p:ext uri="{BB962C8B-B14F-4D97-AF65-F5344CB8AC3E}">
-        <p14:creationId xmlns:p14="http://schemas.microsoft.com/office/powerpoint/2010/main" val="2678223080"/>
-      </p:ext>
-    </p:extLst>
-  </p:cSld>
-  <p:clrMapOvr>
-    <a:masterClrMapping/>
-  </p:clrMapOvr>
-</p:sldLayout>
-</file>
-
 <file path=ppt/slideMasters/slideMaster1.xml><?xml version="1.0" encoding="utf-8"?>
 <p:sldMaster xmlns:a="http://schemas.openxmlformats.org/drawingml/2006/main" xmlns:r="http://schemas.openxmlformats.org/officeDocument/2006/relationships" xmlns:p="http://schemas.openxmlformats.org/presentationml/2006/main">
   <p:cSld>
@@ -8166,12 +6339,6 @@
     <p:sldLayoutId id="2147483667" r:id="rId1"/>
     <p:sldLayoutId id="2147483668" r:id="rId2"/>
     <p:sldLayoutId id="2147483669" r:id="rId3"/>
-    <p:sldLayoutId id="2147483670" r:id="rId4"/>
-    <p:sldLayoutId id="2147483665" r:id="rId5"/>
-    <p:sldLayoutId id="2147483671" r:id="rId6"/>
-    <p:sldLayoutId id="2147483672" r:id="rId7"/>
-    <p:sldLayoutId id="2147483662" r:id="rId8"/>
-    <p:sldLayoutId id="2147483663" r:id="rId9"/>
   </p:sldLayoutIdLst>
   <p:hf hdr="0" ftr="0" dt="0"/>
   <p:txStyles>
@@ -9115,8 +7282,8 @@
         </p:nvSpPr>
         <p:spPr>
           <a:xfrm>
-            <a:off x="1066800" y="5754469"/>
-            <a:ext cx="10058400" cy="646331"/>
+            <a:off x="520700" y="6035040"/>
+            <a:ext cx="10058400" cy="307777"/>
           </a:xfrm>
           <a:prstGeom prst="rect">
             <a:avLst/>
@@ -9130,18 +7297,12 @@
           <a:lstStyle/>
           <a:p>
             <a:r>
-              <a:rPr lang="en-US" b="1"/>
-              <a:t>Source</a:t>
-            </a:r>
-          </a:p>
-          <a:p>
-            <a:r>
-              <a:rPr lang="en-US">
+              <a:rPr lang="en-US" sz="1400">
                 <a:hlinkClick r:id="rId2"/>
               </a:rPr>
               <a:t>https://developer.mozilla.org/en-US/docs/Web/HTML/Element/input</a:t>
             </a:r>
-            <a:endParaRPr lang="en-US"/>
+            <a:endParaRPr lang="en-US" sz="1400"/>
           </a:p>
         </p:txBody>
       </p:sp>
@@ -9513,8 +7674,8 @@
         </p:nvSpPr>
         <p:spPr>
           <a:xfrm>
-            <a:off x="1066800" y="5754469"/>
-            <a:ext cx="10058400" cy="646331"/>
+            <a:off x="431800" y="6035040"/>
+            <a:ext cx="10058400" cy="307777"/>
           </a:xfrm>
           <a:prstGeom prst="rect">
             <a:avLst/>
@@ -9528,18 +7689,12 @@
           <a:lstStyle/>
           <a:p>
             <a:r>
-              <a:rPr lang="en-US" b="1"/>
-              <a:t>Source</a:t>
-            </a:r>
-          </a:p>
-          <a:p>
-            <a:r>
-              <a:rPr lang="en-US">
+              <a:rPr lang="en-US" sz="1400">
                 <a:hlinkClick r:id="rId2"/>
               </a:rPr>
               <a:t>https://developer.mozilla.org/en-US/docs/Web/HTML/Element/input</a:t>
             </a:r>
-            <a:endParaRPr lang="en-US"/>
+            <a:endParaRPr lang="en-US" sz="1400"/>
           </a:p>
         </p:txBody>
       </p:sp>
@@ -9591,8 +7746,8 @@
         </p:nvSpPr>
         <p:spPr>
           <a:xfrm>
-            <a:off x="1066800" y="365758"/>
-            <a:ext cx="10058400" cy="1371600"/>
+            <a:off x="597529" y="365758"/>
+            <a:ext cx="9316017" cy="1371600"/>
           </a:xfrm>
         </p:spPr>
         <p:txBody>
@@ -9627,8 +7782,8 @@
         </p:nvSpPr>
         <p:spPr>
           <a:xfrm>
-            <a:off x="1066800" y="1504187"/>
-            <a:ext cx="10058400" cy="4250281"/>
+            <a:off x="597530" y="1504187"/>
+            <a:ext cx="9316016" cy="4250281"/>
           </a:xfrm>
         </p:spPr>
         <p:txBody>
@@ -9647,30 +7802,30 @@
               <a:buNone/>
             </a:pPr>
             <a:r>
-              <a:rPr lang="en-US" sz="1800" b="1" u="sng" dirty="0">
+              <a:rPr lang="en-US" sz="1400" b="1" u="sng" dirty="0">
                 <a:cs typeface="Arial" panose="020B0604020202020204" pitchFamily="34" charset="0"/>
               </a:rPr>
               <a:t>Attribute</a:t>
             </a:r>
             <a:r>
-              <a:rPr lang="en-US" sz="1800" b="1" u="sng">
-                <a:cs typeface="Arial" panose="020B0604020202020204" pitchFamily="34" charset="0"/>
-              </a:rPr>
-              <a:t>	Description</a:t>
-            </a:r>
-            <a:r>
-              <a:rPr lang="en-US" sz="1800" b="1" u="sng" dirty="0">
+              <a:rPr lang="en-US" sz="1400" b="1" u="sng">
+                <a:cs typeface="Arial" panose="020B0604020202020204" pitchFamily="34" charset="0"/>
+              </a:rPr>
+              <a:t>		Description</a:t>
+            </a:r>
+            <a:r>
+              <a:rPr lang="en-US" sz="1400" b="1" u="sng" dirty="0">
                 <a:cs typeface="Arial" panose="020B0604020202020204" pitchFamily="34" charset="0"/>
               </a:rPr>
               <a:t>		</a:t>
             </a:r>
             <a:r>
-              <a:rPr lang="en-US" sz="1800" b="1" u="sng">
+              <a:rPr lang="en-US" sz="1400" b="1" u="sng">
                 <a:cs typeface="Arial" panose="020B0604020202020204" pitchFamily="34" charset="0"/>
               </a:rPr>
               <a:t>	</a:t>
             </a:r>
-            <a:endParaRPr lang="en-US" sz="1800" dirty="0">
+            <a:endParaRPr lang="en-US" sz="1400" dirty="0">
               <a:cs typeface="Arial" panose="020B0604020202020204" pitchFamily="34" charset="0"/>
             </a:endParaRPr>
           </a:p>
@@ -9685,31 +7840,31 @@
               <a:buNone/>
             </a:pPr>
             <a:r>
-              <a:rPr lang="en-US" sz="1800" b="1" dirty="0">
+              <a:rPr lang="en-US" sz="1400" b="1" dirty="0">
                 <a:cs typeface="Arial" panose="020B0604020202020204" pitchFamily="34" charset="0"/>
               </a:rPr>
               <a:t>size</a:t>
             </a:r>
             <a:r>
-              <a:rPr lang="en-US" sz="1800" dirty="0">
+              <a:rPr lang="en-US" sz="1400" dirty="0">
                 <a:cs typeface="Arial" panose="020B0604020202020204" pitchFamily="34" charset="0"/>
               </a:rPr>
               <a:t>	</a:t>
             </a:r>
             <a:r>
-              <a:rPr lang="en-US" sz="1800">
+              <a:rPr lang="en-US" sz="1400">
                 <a:cs typeface="Arial" panose="020B0604020202020204" pitchFamily="34" charset="0"/>
               </a:rPr>
               <a:t>	Default width </a:t>
             </a:r>
             <a:r>
-              <a:rPr lang="en-US" sz="1800" dirty="0">
+              <a:rPr lang="en-US" sz="1400" dirty="0">
                 <a:cs typeface="Arial" panose="020B0604020202020204" pitchFamily="34" charset="0"/>
               </a:rPr>
               <a:t>of </a:t>
             </a:r>
             <a:r>
-              <a:rPr lang="en-US" sz="1800">
+              <a:rPr lang="en-US" sz="1400">
                 <a:cs typeface="Arial" panose="020B0604020202020204" pitchFamily="34" charset="0"/>
               </a:rPr>
               <a:t>text-input control (in characters)</a:t>
@@ -9726,18 +7881,18 @@
               <a:buNone/>
             </a:pPr>
             <a:r>
-              <a:rPr lang="en-US" sz="1800" b="1">
-                <a:cs typeface="Arial" panose="020B0604020202020204" pitchFamily="34" charset="0"/>
-              </a:rPr>
-              <a:t>minlength</a:t>
-            </a:r>
-            <a:r>
-              <a:rPr lang="en-US" sz="1800">
-                <a:cs typeface="Arial" panose="020B0604020202020204" pitchFamily="34" charset="0"/>
-              </a:rPr>
-              <a:t>	Min number of user input characters.</a:t>
-            </a:r>
-            <a:endParaRPr lang="en-US" sz="1800" dirty="0">
+              <a:rPr lang="en-US" sz="1400" b="1">
+                <a:cs typeface="Arial" panose="020B0604020202020204" pitchFamily="34" charset="0"/>
+              </a:rPr>
+              <a:t>minlength		</a:t>
+            </a:r>
+            <a:r>
+              <a:rPr lang="en-US" sz="1400">
+                <a:cs typeface="Arial" panose="020B0604020202020204" pitchFamily="34" charset="0"/>
+              </a:rPr>
+              <a:t>Min number of user input characters.</a:t>
+            </a:r>
+            <a:endParaRPr lang="en-US" sz="1400" dirty="0">
               <a:cs typeface="Arial" panose="020B0604020202020204" pitchFamily="34" charset="0"/>
             </a:endParaRPr>
           </a:p>
@@ -9752,25 +7907,25 @@
               <a:buNone/>
             </a:pPr>
             <a:r>
-              <a:rPr lang="en-US" sz="1800" b="1" dirty="0">
+              <a:rPr lang="en-US" sz="1400" b="1" dirty="0">
                 <a:cs typeface="Arial" panose="020B0604020202020204" pitchFamily="34" charset="0"/>
               </a:rPr>
               <a:t>maxlength</a:t>
             </a:r>
             <a:r>
-              <a:rPr lang="en-US" sz="1800">
+              <a:rPr lang="en-US" sz="1400">
                 <a:cs typeface="Arial" panose="020B0604020202020204" pitchFamily="34" charset="0"/>
               </a:rPr>
               <a:t>	Max </a:t>
             </a:r>
             <a:r>
-              <a:rPr lang="en-US" sz="1800" dirty="0">
+              <a:rPr lang="en-US" sz="1400" dirty="0">
                 <a:cs typeface="Arial" panose="020B0604020202020204" pitchFamily="34" charset="0"/>
               </a:rPr>
               <a:t>number </a:t>
             </a:r>
             <a:r>
-              <a:rPr lang="en-US" sz="1800">
+              <a:rPr lang="en-US" sz="1400">
                 <a:cs typeface="Arial" panose="020B0604020202020204" pitchFamily="34" charset="0"/>
               </a:rPr>
               <a:t>of user input characters</a:t>
@@ -9787,13 +7942,13 @@
               <a:buNone/>
             </a:pPr>
             <a:r>
-              <a:rPr lang="en-US" sz="1800" b="1">
+              <a:rPr lang="en-US" sz="1400" b="1">
                 <a:cs typeface="Arial" panose="020B0604020202020204" pitchFamily="34" charset="0"/>
               </a:rPr>
               <a:t>pattern</a:t>
             </a:r>
             <a:r>
-              <a:rPr lang="en-US" sz="1800">
+              <a:rPr lang="en-US" sz="1400">
                 <a:cs typeface="Arial" panose="020B0604020202020204" pitchFamily="34" charset="0"/>
               </a:rPr>
               <a:t>		Regular expression that the input must match</a:t>
@@ -9810,13 +7965,13 @@
               <a:buNone/>
             </a:pPr>
             <a:r>
-              <a:rPr lang="en-US" sz="1800" b="1">
+              <a:rPr lang="en-US" sz="1400" b="1">
                 <a:cs typeface="Arial" panose="020B0604020202020204" pitchFamily="34" charset="0"/>
               </a:rPr>
               <a:t>min</a:t>
             </a:r>
             <a:r>
-              <a:rPr lang="en-US" sz="1800">
+              <a:rPr lang="en-US" sz="1400">
                 <a:cs typeface="Arial" panose="020B0604020202020204" pitchFamily="34" charset="0"/>
               </a:rPr>
               <a:t>		Minimum value (used for numbers and dates)</a:t>
@@ -9833,13 +7988,13 @@
               <a:buNone/>
             </a:pPr>
             <a:r>
-              <a:rPr lang="en-US" sz="1800" b="1">
+              <a:rPr lang="en-US" sz="1400" b="1">
                 <a:cs typeface="Arial" panose="020B0604020202020204" pitchFamily="34" charset="0"/>
               </a:rPr>
               <a:t>max</a:t>
             </a:r>
             <a:r>
-              <a:rPr lang="en-US" sz="1800">
+              <a:rPr lang="en-US" sz="1400">
                 <a:cs typeface="Arial" panose="020B0604020202020204" pitchFamily="34" charset="0"/>
               </a:rPr>
               <a:t>		Maximum value (used for numbers and dates)</a:t>
@@ -9856,13 +8011,13 @@
               <a:buNone/>
             </a:pPr>
             <a:r>
-              <a:rPr lang="en-US" sz="1800" b="1">
+              <a:rPr lang="en-US" sz="1400" b="1">
                 <a:cs typeface="Arial" panose="020B0604020202020204" pitchFamily="34" charset="0"/>
               </a:rPr>
               <a:t>step</a:t>
             </a:r>
             <a:r>
-              <a:rPr lang="en-US" sz="1800">
+              <a:rPr lang="en-US" sz="1400">
                 <a:cs typeface="Arial" panose="020B0604020202020204" pitchFamily="34" charset="0"/>
               </a:rPr>
               <a:t>		Increment for valid values (used for numbers)</a:t>
@@ -9879,16 +8034,16 @@
               <a:buNone/>
             </a:pPr>
             <a:r>
-              <a:rPr lang="en-US" sz="1800" b="1">
-                <a:cs typeface="Arial" panose="020B0604020202020204" pitchFamily="34" charset="0"/>
-              </a:rPr>
-              <a:t>required</a:t>
-            </a:r>
-            <a:r>
-              <a:rPr lang="en-US" sz="1800">
-                <a:cs typeface="Arial" panose="020B0604020202020204" pitchFamily="34" charset="0"/>
-              </a:rPr>
-              <a:t>	The value is required</a:t>
+              <a:rPr lang="en-US" sz="1400" b="1">
+                <a:cs typeface="Arial" panose="020B0604020202020204" pitchFamily="34" charset="0"/>
+              </a:rPr>
+              <a:t>required		</a:t>
+            </a:r>
+            <a:r>
+              <a:rPr lang="en-US" sz="1400">
+                <a:cs typeface="Arial" panose="020B0604020202020204" pitchFamily="34" charset="0"/>
+              </a:rPr>
+              <a:t>The value is required</a:t>
             </a:r>
           </a:p>
           <a:p>
@@ -9902,16 +8057,16 @@
               <a:buNone/>
             </a:pPr>
             <a:r>
-              <a:rPr lang="en-US" sz="1800" b="1">
-                <a:cs typeface="Arial" panose="020B0604020202020204" pitchFamily="34" charset="0"/>
-              </a:rPr>
-              <a:t>readonly</a:t>
-            </a:r>
-            <a:r>
-              <a:rPr lang="en-US" sz="1800">
-                <a:cs typeface="Arial" panose="020B0604020202020204" pitchFamily="34" charset="0"/>
-              </a:rPr>
-              <a:t>	The value is not editable (not greyed out, in tab order)</a:t>
+              <a:rPr lang="en-US" sz="1400" b="1">
+                <a:cs typeface="Arial" panose="020B0604020202020204" pitchFamily="34" charset="0"/>
+              </a:rPr>
+              <a:t>readonly		</a:t>
+            </a:r>
+            <a:r>
+              <a:rPr lang="en-US" sz="1400">
+                <a:cs typeface="Arial" panose="020B0604020202020204" pitchFamily="34" charset="0"/>
+              </a:rPr>
+              <a:t>The value is not editable (not greyed out, kept in tab order)</a:t>
             </a:r>
           </a:p>
           <a:p>
@@ -9925,16 +8080,16 @@
               <a:buNone/>
             </a:pPr>
             <a:r>
-              <a:rPr lang="en-US" sz="1800" b="1">
-                <a:cs typeface="Arial" panose="020B0604020202020204" pitchFamily="34" charset="0"/>
-              </a:rPr>
-              <a:t>disabled</a:t>
-            </a:r>
-            <a:r>
-              <a:rPr lang="en-US" sz="1800">
-                <a:cs typeface="Arial" panose="020B0604020202020204" pitchFamily="34" charset="0"/>
-              </a:rPr>
-              <a:t>	The form control is disabled (greyed out, removed from tab order)</a:t>
+              <a:rPr lang="en-US" sz="1400" b="1">
+                <a:cs typeface="Arial" panose="020B0604020202020204" pitchFamily="34" charset="0"/>
+              </a:rPr>
+              <a:t>disabled		</a:t>
+            </a:r>
+            <a:r>
+              <a:rPr lang="en-US" sz="1400">
+                <a:cs typeface="Arial" panose="020B0604020202020204" pitchFamily="34" charset="0"/>
+              </a:rPr>
+              <a:t>The form control is disabled (greyed out, removed from tab order)</a:t>
             </a:r>
           </a:p>
           <a:p>
@@ -9948,16 +8103,16 @@
               <a:buNone/>
             </a:pPr>
             <a:r>
-              <a:rPr lang="en-US" sz="1800" b="1">
-                <a:cs typeface="Arial" panose="020B0604020202020204" pitchFamily="34" charset="0"/>
-              </a:rPr>
-              <a:t>autofocus</a:t>
-            </a:r>
-            <a:r>
-              <a:rPr lang="en-US" sz="1800">
-                <a:cs typeface="Arial" panose="020B0604020202020204" pitchFamily="34" charset="0"/>
-              </a:rPr>
-              <a:t>	The form control recieves focus when the page loads.</a:t>
+              <a:rPr lang="en-US" sz="1400" b="1">
+                <a:cs typeface="Arial" panose="020B0604020202020204" pitchFamily="34" charset="0"/>
+              </a:rPr>
+              <a:t>autofocus		</a:t>
+            </a:r>
+            <a:r>
+              <a:rPr lang="en-US" sz="1400">
+                <a:cs typeface="Arial" panose="020B0604020202020204" pitchFamily="34" charset="0"/>
+              </a:rPr>
+              <a:t>The form control recieves focus when the page loads.</a:t>
             </a:r>
           </a:p>
         </p:txBody>
@@ -9999,8 +8154,8 @@
         </p:nvSpPr>
         <p:spPr>
           <a:xfrm>
-            <a:off x="1066800" y="5754469"/>
-            <a:ext cx="10058400" cy="646331"/>
+            <a:off x="597528" y="6093023"/>
+            <a:ext cx="9316017" cy="307777"/>
           </a:xfrm>
           <a:prstGeom prst="rect">
             <a:avLst/>
@@ -10014,18 +8169,12 @@
           <a:lstStyle/>
           <a:p>
             <a:r>
-              <a:rPr lang="en-US" b="1"/>
-              <a:t>Source</a:t>
-            </a:r>
-          </a:p>
-          <a:p>
-            <a:r>
-              <a:rPr lang="en-US">
+              <a:rPr lang="en-US" sz="1400">
                 <a:hlinkClick r:id="rId2"/>
               </a:rPr>
               <a:t>https://developer.mozilla.org/en-US/docs/Web/HTML/Element/input</a:t>
             </a:r>
-            <a:endParaRPr lang="en-US"/>
+            <a:endParaRPr lang="en-US" sz="1400"/>
           </a:p>
         </p:txBody>
       </p:sp>
@@ -10105,7 +8254,9 @@
         </p:nvSpPr>
         <p:spPr/>
         <p:txBody>
-          <a:bodyPr/>
+          <a:bodyPr>
+            <a:normAutofit/>
+          </a:bodyPr>
           <a:lstStyle/>
           <a:p>
             <a:pPr indent="0">
@@ -10118,13 +8269,13 @@
               <a:buNone/>
             </a:pPr>
             <a:r>
-              <a:rPr lang="en-US" sz="1600">
+              <a:rPr lang="en-US">
                 <a:cs typeface="Arial" panose="020B0604020202020204" pitchFamily="34" charset="0"/>
               </a:rPr>
               <a:t>The HTML </a:t>
             </a:r>
             <a:r>
-              <a:rPr lang="en-US" sz="1600" b="1">
+              <a:rPr lang="en-US" b="1">
                 <a:solidFill>
                   <a:srgbClr val="00B0F0"/>
                 </a:solidFill>
@@ -10141,10 +8292,10 @@
               <a:t>&lt;output&gt;</a:t>
             </a:r>
             <a:r>
-              <a:rPr lang="en-US" sz="1600">
-                <a:cs typeface="Arial" panose="020B0604020202020204" pitchFamily="34" charset="0"/>
-              </a:rPr>
-              <a:t> element is used to display the results of a calculation (like one performed by a script).</a:t>
+              <a:rPr lang="en-US">
+                <a:cs typeface="Arial" panose="020B0604020202020204" pitchFamily="34" charset="0"/>
+              </a:rPr>
+              <a:t> element is used to display the results of a calculation </a:t>
             </a:r>
           </a:p>
           <a:p>
@@ -10157,10 +8308,12 @@
               </a:spcBef>
               <a:buNone/>
             </a:pPr>
-            <a:endParaRPr lang="en-US" sz="1600">
-              <a:latin typeface="Arial" panose="020B0604020202020204" pitchFamily="34" charset="0"/>
-              <a:cs typeface="Arial" panose="020B0604020202020204" pitchFamily="34" charset="0"/>
-            </a:endParaRPr>
+            <a:r>
+              <a:rPr lang="en-US">
+                <a:cs typeface="Arial" panose="020B0604020202020204" pitchFamily="34" charset="0"/>
+              </a:rPr>
+              <a:t>(like one performed by a script).</a:t>
+            </a:r>
           </a:p>
           <a:p>
             <a:pPr indent="0">
@@ -10172,15 +8325,8 @@
               </a:spcBef>
               <a:buNone/>
             </a:pPr>
-            <a:r>
-              <a:rPr lang="en-US" sz="1600" b="1" u="sng">
-                <a:latin typeface="Arial" panose="020B0604020202020204" pitchFamily="34" charset="0"/>
-                <a:cs typeface="Arial" panose="020B0604020202020204" pitchFamily="34" charset="0"/>
-              </a:rPr>
-              <a:t>Example</a:t>
-            </a:r>
-            <a:endParaRPr lang="en-US" sz="1600">
-              <a:latin typeface="Consolas" panose="020B0609020204030204" pitchFamily="49" charset="0"/>
+            <a:endParaRPr lang="en-US">
+              <a:latin typeface="Arial" panose="020B0604020202020204" pitchFamily="34" charset="0"/>
               <a:cs typeface="Arial" panose="020B0604020202020204" pitchFamily="34" charset="0"/>
             </a:endParaRPr>
           </a:p>
@@ -10195,7 +8341,29 @@
               <a:buNone/>
             </a:pPr>
             <a:r>
-              <a:rPr lang="en-US" sz="1600">
+              <a:rPr lang="en-US" b="1" u="sng">
+                <a:latin typeface="Arial" panose="020B0604020202020204" pitchFamily="34" charset="0"/>
+                <a:cs typeface="Arial" panose="020B0604020202020204" pitchFamily="34" charset="0"/>
+              </a:rPr>
+              <a:t>Example</a:t>
+            </a:r>
+            <a:endParaRPr lang="en-US">
+              <a:latin typeface="Consolas" panose="020B0609020204030204" pitchFamily="49" charset="0"/>
+              <a:cs typeface="Arial" panose="020B0604020202020204" pitchFamily="34" charset="0"/>
+            </a:endParaRPr>
+          </a:p>
+          <a:p>
+            <a:pPr indent="0">
+              <a:lnSpc>
+                <a:spcPct val="100000"/>
+              </a:lnSpc>
+              <a:spcBef>
+                <a:spcPts val="0"/>
+              </a:spcBef>
+              <a:buNone/>
+            </a:pPr>
+            <a:r>
+              <a:rPr lang="en-US">
                 <a:latin typeface="Consolas" panose="020B0609020204030204" pitchFamily="49" charset="0"/>
                 <a:cs typeface="Arial" panose="020B0604020202020204" pitchFamily="34" charset="0"/>
               </a:rPr>
@@ -10248,8 +8416,8 @@
         </p:nvSpPr>
         <p:spPr>
           <a:xfrm>
-            <a:off x="1066800" y="5754469"/>
-            <a:ext cx="10058400" cy="646331"/>
+            <a:off x="469900" y="6093023"/>
+            <a:ext cx="10058400" cy="307777"/>
           </a:xfrm>
           <a:prstGeom prst="rect">
             <a:avLst/>
@@ -10263,13 +8431,7 @@
           <a:lstStyle/>
           <a:p>
             <a:r>
-              <a:rPr lang="en-US" b="1"/>
-              <a:t>Source</a:t>
-            </a:r>
-          </a:p>
-          <a:p>
-            <a:r>
-              <a:rPr lang="en-US">
+              <a:rPr lang="en-US" sz="1400">
                 <a:solidFill>
                   <a:srgbClr val="00B0F0"/>
                 </a:solidFill>
@@ -10283,7 +8445,7 @@
               </a:rPr>
               <a:t>https://developer.mozilla.org/en-US/docs/Web/HTML/Element/output</a:t>
             </a:r>
-            <a:endParaRPr lang="en-US">
+            <a:endParaRPr lang="en-US" sz="1400">
               <a:solidFill>
                 <a:srgbClr val="00B0F0"/>
               </a:solidFill>
@@ -10339,7 +8501,7 @@
         </p:nvSpPr>
         <p:spPr>
           <a:xfrm>
-            <a:off x="1066800" y="382536"/>
+            <a:off x="1066800" y="248824"/>
             <a:ext cx="10058400" cy="1371600"/>
           </a:xfrm>
         </p:spPr>
@@ -10374,8 +8536,8 @@
         </p:nvSpPr>
         <p:spPr>
           <a:xfrm>
-            <a:off x="1066800" y="1359017"/>
-            <a:ext cx="10058400" cy="4454553"/>
+            <a:off x="1066800" y="1219199"/>
+            <a:ext cx="10058400" cy="4594371"/>
           </a:xfrm>
         </p:spPr>
         <p:txBody>
@@ -10391,39 +8553,41 @@
               <a:spcBef>
                 <a:spcPts val="0"/>
               </a:spcBef>
-            </a:pPr>
-            <a:r>
-              <a:rPr lang="en-US" sz="1800" dirty="0">
+              <a:buFont typeface="Arial" panose="020B0604020202020204" pitchFamily="34" charset="0"/>
+              <a:buChar char="•"/>
+            </a:pPr>
+            <a:r>
+              <a:rPr lang="en-US" sz="1600" dirty="0">
                 <a:cs typeface="Arial" panose="020B0604020202020204" pitchFamily="34" charset="0"/>
               </a:rPr>
               <a:t>This control </a:t>
             </a:r>
             <a:r>
-              <a:rPr lang="en-US" sz="1800">
+              <a:rPr lang="en-US" sz="1600">
                 <a:cs typeface="Arial" panose="020B0604020202020204" pitchFamily="34" charset="0"/>
               </a:rPr>
               <a:t>is used </a:t>
             </a:r>
             <a:r>
-              <a:rPr lang="en-US" sz="1800" dirty="0">
+              <a:rPr lang="en-US" sz="1600" dirty="0">
                 <a:cs typeface="Arial" panose="020B0604020202020204" pitchFamily="34" charset="0"/>
               </a:rPr>
               <a:t>as a </a:t>
             </a:r>
             <a:r>
-              <a:rPr lang="en-US" sz="1800" i="1" dirty="0">
+              <a:rPr lang="en-US" sz="1600" i="1" dirty="0">
                 <a:cs typeface="Arial" panose="020B0604020202020204" pitchFamily="34" charset="0"/>
               </a:rPr>
               <a:t>heading</a:t>
             </a:r>
             <a:r>
-              <a:rPr lang="en-US" sz="1800" dirty="0">
+              <a:rPr lang="en-US" sz="1600" dirty="0">
                 <a:cs typeface="Arial" panose="020B0604020202020204" pitchFamily="34" charset="0"/>
               </a:rPr>
               <a:t> </a:t>
             </a:r>
             <a:r>
-              <a:rPr lang="en-US" sz="1800">
+              <a:rPr lang="en-US" sz="1600">
                 <a:cs typeface="Arial" panose="020B0604020202020204" pitchFamily="34" charset="0"/>
               </a:rPr>
               <a:t>for input/output controls.</a:t>
@@ -10437,21 +8601,23 @@
               <a:spcBef>
                 <a:spcPts val="0"/>
               </a:spcBef>
-            </a:pPr>
-            <a:r>
-              <a:rPr lang="en-US" sz="1800">
+              <a:buFont typeface="Arial" panose="020B0604020202020204" pitchFamily="34" charset="0"/>
+              <a:buChar char="•"/>
+            </a:pPr>
+            <a:r>
+              <a:rPr lang="en-US" sz="1600">
                 <a:cs typeface="Arial" panose="020B0604020202020204" pitchFamily="34" charset="0"/>
               </a:rPr>
               <a:t>This control is </a:t>
             </a:r>
             <a:r>
-              <a:rPr lang="en-US" sz="1800" b="1">
+              <a:rPr lang="en-US" sz="1600" b="1">
                 <a:cs typeface="Arial" panose="020B0604020202020204" pitchFamily="34" charset="0"/>
               </a:rPr>
               <a:t>required for accessibility.</a:t>
             </a:r>
             <a:r>
-              <a:rPr lang="en-US" sz="1800">
+              <a:rPr lang="en-US" sz="1600">
                 <a:cs typeface="Arial" panose="020B0604020202020204" pitchFamily="34" charset="0"/>
               </a:rPr>
               <a:t> (screen readers)</a:t>
@@ -10465,25 +8631,27 @@
               <a:spcBef>
                 <a:spcPts val="0"/>
               </a:spcBef>
-            </a:pPr>
-            <a:r>
-              <a:rPr lang="en-US" sz="1800">
+              <a:buFont typeface="Arial" panose="020B0604020202020204" pitchFamily="34" charset="0"/>
+              <a:buChar char="•"/>
+            </a:pPr>
+            <a:r>
+              <a:rPr lang="en-US" sz="1600">
                 <a:cs typeface="Arial" panose="020B0604020202020204" pitchFamily="34" charset="0"/>
               </a:rPr>
               <a:t>The </a:t>
             </a:r>
             <a:r>
-              <a:rPr lang="en-US" sz="1800" b="1">
+              <a:rPr lang="en-US" sz="1600" b="1">
                 <a:latin typeface="Consolas" panose="020B0609020204030204" pitchFamily="49" charset="0"/>
                 <a:cs typeface="Arial" panose="020B0604020202020204" pitchFamily="34" charset="0"/>
               </a:rPr>
               <a:t>for</a:t>
             </a:r>
             <a:r>
-              <a:rPr lang="en-US" sz="1800">
-                <a:cs typeface="Arial" panose="020B0604020202020204" pitchFamily="34" charset="0"/>
-              </a:rPr>
-              <a:t> attribute is required, unless the control is nested inside the label.</a:t>
+              <a:rPr lang="en-US" sz="1600">
+                <a:cs typeface="Arial" panose="020B0604020202020204" pitchFamily="34" charset="0"/>
+              </a:rPr>
+              <a:t> attribute is required, unless the control is nested inside the label. (see below)</a:t>
             </a:r>
           </a:p>
           <a:p>
@@ -10494,14 +8662,16 @@
               <a:spcBef>
                 <a:spcPts val="0"/>
               </a:spcBef>
-            </a:pPr>
-            <a:r>
-              <a:rPr lang="en-US" sz="1800">
+              <a:buFont typeface="Arial" panose="020B0604020202020204" pitchFamily="34" charset="0"/>
+              <a:buChar char="•"/>
+            </a:pPr>
+            <a:r>
+              <a:rPr lang="en-US" sz="1600">
                 <a:cs typeface="Arial" panose="020B0604020202020204" pitchFamily="34" charset="0"/>
               </a:rPr>
               <a:t>Clicking on a label, triggers a click event on the control.</a:t>
             </a:r>
-            <a:endParaRPr lang="en-US" sz="1800">
+            <a:endParaRPr lang="en-US" sz="1600">
               <a:latin typeface="Consolas" panose="020B0609020204030204" pitchFamily="49" charset="0"/>
               <a:cs typeface="Arial" panose="020B0604020202020204" pitchFamily="34" charset="0"/>
             </a:endParaRPr>
@@ -10516,7 +8686,7 @@
               </a:spcBef>
               <a:buNone/>
             </a:pPr>
-            <a:endParaRPr lang="en-US" sz="1800">
+            <a:endParaRPr lang="en-US" sz="1600">
               <a:latin typeface="Consolas" panose="020B0609020204030204" pitchFamily="49" charset="0"/>
               <a:cs typeface="Arial" panose="020B0604020202020204" pitchFamily="34" charset="0"/>
             </a:endParaRPr>
@@ -10532,21 +8702,35 @@
               <a:buNone/>
             </a:pPr>
             <a:r>
-              <a:rPr lang="en-US" sz="1800">
+              <a:rPr lang="en-US" sz="1600">
                 <a:latin typeface="Consolas" panose="020B0609020204030204" pitchFamily="49" charset="0"/>
                 <a:cs typeface="Arial" panose="020B0604020202020204" pitchFamily="34" charset="0"/>
               </a:rPr>
               <a:t>  &lt;</a:t>
             </a:r>
             <a:r>
-              <a:rPr lang="en-US" sz="1800" dirty="0">
+              <a:rPr lang="en-US" sz="1600" dirty="0">
                 <a:latin typeface="Consolas" panose="020B0609020204030204" pitchFamily="49" charset="0"/>
                 <a:cs typeface="Arial" panose="020B0604020202020204" pitchFamily="34" charset="0"/>
               </a:rPr>
-              <a:t>label for="fname"&gt;First Name&lt;/</a:t>
-            </a:r>
-            <a:r>
-              <a:rPr lang="en-US" sz="1800">
+              <a:t>label </a:t>
+            </a:r>
+            <a:r>
+              <a:rPr lang="en-US" sz="1600" b="1" dirty="0">
+                <a:latin typeface="Consolas" panose="020B0609020204030204" pitchFamily="49" charset="0"/>
+                <a:cs typeface="Arial" panose="020B0604020202020204" pitchFamily="34" charset="0"/>
+              </a:rPr>
+              <a:t>for="fname"</a:t>
+            </a:r>
+            <a:r>
+              <a:rPr lang="en-US" sz="1600" dirty="0">
+                <a:latin typeface="Consolas" panose="020B0609020204030204" pitchFamily="49" charset="0"/>
+                <a:cs typeface="Arial" panose="020B0604020202020204" pitchFamily="34" charset="0"/>
+              </a:rPr>
+              <a:t>&gt;First Name&lt;/</a:t>
+            </a:r>
+            <a:r>
+              <a:rPr lang="en-US" sz="1600">
                 <a:latin typeface="Consolas" panose="020B0609020204030204" pitchFamily="49" charset="0"/>
                 <a:cs typeface="Arial" panose="020B0604020202020204" pitchFamily="34" charset="0"/>
               </a:rPr>
@@ -10564,11 +8748,25 @@
               <a:buNone/>
             </a:pPr>
             <a:r>
-              <a:rPr lang="en-US" sz="1800">
+              <a:rPr lang="en-US" sz="1600">
                 <a:latin typeface="Consolas" panose="020B0609020204030204" pitchFamily="49" charset="0"/>
                 <a:cs typeface="Arial" panose="020B0604020202020204" pitchFamily="34" charset="0"/>
               </a:rPr>
-              <a:t>  &lt;input id="fname" name="fname" type="text"&gt;</a:t>
+              <a:t>  &lt;input </a:t>
+            </a:r>
+            <a:r>
+              <a:rPr lang="en-US" sz="1600" b="1">
+                <a:latin typeface="Consolas" panose="020B0609020204030204" pitchFamily="49" charset="0"/>
+                <a:cs typeface="Arial" panose="020B0604020202020204" pitchFamily="34" charset="0"/>
+              </a:rPr>
+              <a:t>id="fname"</a:t>
+            </a:r>
+            <a:r>
+              <a:rPr lang="en-US" sz="1600">
+                <a:latin typeface="Consolas" panose="020B0609020204030204" pitchFamily="49" charset="0"/>
+                <a:cs typeface="Arial" panose="020B0604020202020204" pitchFamily="34" charset="0"/>
+              </a:rPr>
+              <a:t> name="fname" type="text"&gt;</a:t>
             </a:r>
           </a:p>
           <a:p>
@@ -10581,7 +8779,7 @@
               </a:spcBef>
               <a:buNone/>
             </a:pPr>
-            <a:endParaRPr lang="en-US" sz="1800">
+            <a:endParaRPr lang="en-US" sz="1600">
               <a:latin typeface="Consolas" panose="020B0609020204030204" pitchFamily="49" charset="0"/>
               <a:cs typeface="Arial" panose="020B0604020202020204" pitchFamily="34" charset="0"/>
             </a:endParaRPr>
@@ -10597,7 +8795,7 @@
               <a:buNone/>
             </a:pPr>
             <a:r>
-              <a:rPr lang="en-US" sz="1800">
+              <a:rPr lang="en-US" sz="1600">
                 <a:latin typeface="Consolas" panose="020B0609020204030204" pitchFamily="49" charset="0"/>
                 <a:cs typeface="Arial" panose="020B0604020202020204" pitchFamily="34" charset="0"/>
               </a:rPr>
@@ -10614,7 +8812,7 @@
               </a:spcBef>
               <a:buNone/>
             </a:pPr>
-            <a:endParaRPr lang="en-US" sz="1800">
+            <a:endParaRPr lang="en-US" sz="1600">
               <a:latin typeface="Consolas" panose="020B0609020204030204" pitchFamily="49" charset="0"/>
               <a:cs typeface="Arial" panose="020B0604020202020204" pitchFamily="34" charset="0"/>
             </a:endParaRPr>
@@ -10630,7 +8828,7 @@
               <a:buNone/>
             </a:pPr>
             <a:r>
-              <a:rPr lang="en-US" sz="1800">
+              <a:rPr lang="en-US" sz="1600">
                 <a:latin typeface="Consolas" panose="020B0609020204030204" pitchFamily="49" charset="0"/>
                 <a:cs typeface="Arial" panose="020B0604020202020204" pitchFamily="34" charset="0"/>
               </a:rPr>
@@ -10648,7 +8846,7 @@
               <a:buNone/>
             </a:pPr>
             <a:r>
-              <a:rPr lang="en-US" sz="1800">
+              <a:rPr lang="en-US" sz="1600">
                 <a:latin typeface="Consolas" panose="020B0609020204030204" pitchFamily="49" charset="0"/>
                 <a:cs typeface="Arial" panose="020B0604020202020204" pitchFamily="34" charset="0"/>
               </a:rPr>
@@ -10666,7 +8864,7 @@
               <a:buNone/>
             </a:pPr>
             <a:r>
-              <a:rPr lang="en-US" sz="1800">
+              <a:rPr lang="en-US" sz="1600">
                 <a:latin typeface="Consolas" panose="020B0609020204030204" pitchFamily="49" charset="0"/>
                 <a:cs typeface="Arial" panose="020B0604020202020204" pitchFamily="34" charset="0"/>
               </a:rPr>
@@ -10684,7 +8882,7 @@
               <a:buNone/>
             </a:pPr>
             <a:r>
-              <a:rPr lang="en-US" sz="1800">
+              <a:rPr lang="en-US" sz="1600">
                 <a:latin typeface="Consolas" panose="020B0609020204030204" pitchFamily="49" charset="0"/>
                 <a:cs typeface="Arial" panose="020B0604020202020204" pitchFamily="34" charset="0"/>
               </a:rPr>
@@ -10730,8 +8928,8 @@
         </p:nvSpPr>
         <p:spPr>
           <a:xfrm>
-            <a:off x="1066800" y="5754469"/>
-            <a:ext cx="10058400" cy="646331"/>
+            <a:off x="492659" y="6093023"/>
+            <a:ext cx="9794341" cy="307777"/>
           </a:xfrm>
           <a:prstGeom prst="rect">
             <a:avLst/>
@@ -10745,13 +8943,7 @@
           <a:lstStyle/>
           <a:p>
             <a:r>
-              <a:rPr lang="en-US" b="1"/>
-              <a:t>Source</a:t>
-            </a:r>
-          </a:p>
-          <a:p>
-            <a:r>
-              <a:rPr lang="en-US">
+              <a:rPr lang="en-US" sz="1400">
                 <a:solidFill>
                   <a:srgbClr val="00B0F0"/>
                 </a:solidFill>
@@ -10765,7 +8957,7 @@
               </a:rPr>
               <a:t>https://developer.mozilla.org/en-US/docs/Web/HTML/Element/label</a:t>
             </a:r>
-            <a:endParaRPr lang="en-US">
+            <a:endParaRPr lang="en-US" sz="1400">
               <a:solidFill>
                 <a:srgbClr val="00B0F0"/>
               </a:solidFill>
@@ -10968,14 +9160,28 @@
             <p:ph idx="1"/>
           </p:nvPr>
         </p:nvSpPr>
-        <p:spPr/>
+        <p:spPr>
+          <a:xfrm>
+            <a:off x="1066800" y="1837733"/>
+            <a:ext cx="10058400" cy="3849624"/>
+          </a:xfrm>
+        </p:spPr>
         <p:txBody>
           <a:bodyPr>
             <a:noAutofit/>
           </a:bodyPr>
           <a:lstStyle/>
           <a:p>
-            <a:pPr indent="0">
+            <a:pPr marL="0" indent="0">
+              <a:lnSpc>
+                <a:spcPct val="100000"/>
+              </a:lnSpc>
+              <a:spcBef>
+                <a:spcPts val="0"/>
+              </a:spcBef>
+              <a:spcAft>
+                <a:spcPts val="1200"/>
+              </a:spcAft>
               <a:buNone/>
             </a:pPr>
             <a:r>
@@ -10992,7 +9198,13 @@
             </a:r>
           </a:p>
           <a:p>
-            <a:pPr indent="0">
+            <a:pPr marL="0" indent="0">
+              <a:lnSpc>
+                <a:spcPct val="100000"/>
+              </a:lnSpc>
+              <a:spcBef>
+                <a:spcPts val="0"/>
+              </a:spcBef>
               <a:buNone/>
             </a:pPr>
             <a:r>
@@ -11067,7 +9279,16 @@
             </a:endParaRPr>
           </a:p>
           <a:p>
-            <a:pPr indent="0">
+            <a:pPr marL="0" indent="0">
+              <a:lnSpc>
+                <a:spcPct val="100000"/>
+              </a:lnSpc>
+              <a:spcBef>
+                <a:spcPts val="0"/>
+              </a:spcBef>
+              <a:spcAft>
+                <a:spcPts val="1200"/>
+              </a:spcAft>
               <a:buNone/>
             </a:pPr>
             <a:endParaRPr lang="en-US" sz="1800" b="1" u="sng">
@@ -11075,18 +9296,36 @@
             </a:endParaRPr>
           </a:p>
           <a:p>
-            <a:pPr indent="0">
+            <a:pPr marL="0" indent="0">
+              <a:lnSpc>
+                <a:spcPct val="100000"/>
+              </a:lnSpc>
+              <a:spcBef>
+                <a:spcPts val="0"/>
+              </a:spcBef>
+              <a:spcAft>
+                <a:spcPts val="1200"/>
+              </a:spcAft>
               <a:buNone/>
             </a:pPr>
             <a:r>
               <a:rPr lang="en-US" sz="1800" b="1" u="sng">
                 <a:cs typeface="Arial" panose="020B0604020202020204" pitchFamily="34" charset="0"/>
               </a:rPr>
-              <a:t>Example</a:t>
-            </a:r>
-          </a:p>
-          <a:p>
-            <a:pPr indent="0">
+              <a:t>Example HTML</a:t>
+            </a:r>
+          </a:p>
+          <a:p>
+            <a:pPr marL="0" indent="0">
+              <a:lnSpc>
+                <a:spcPct val="100000"/>
+              </a:lnSpc>
+              <a:spcBef>
+                <a:spcPts val="0"/>
+              </a:spcBef>
+              <a:spcAft>
+                <a:spcPts val="1200"/>
+              </a:spcAft>
               <a:buNone/>
             </a:pPr>
             <a:r>
@@ -11096,6 +9335,40 @@
               </a:rPr>
               <a:t>&lt;input id="fname" name="fname" type="text"&gt;</a:t>
             </a:r>
+          </a:p>
+          <a:p>
+            <a:pPr marL="0" indent="0">
+              <a:lnSpc>
+                <a:spcPct val="100000"/>
+              </a:lnSpc>
+              <a:spcBef>
+                <a:spcPts val="0"/>
+              </a:spcBef>
+              <a:spcAft>
+                <a:spcPts val="1200"/>
+              </a:spcAft>
+              <a:buNone/>
+            </a:pPr>
+            <a:r>
+              <a:rPr lang="en-US" sz="1800" b="1" u="sng">
+                <a:cs typeface="Arial" panose="020B0604020202020204" pitchFamily="34" charset="0"/>
+              </a:rPr>
+              <a:t>Example UI</a:t>
+            </a:r>
+          </a:p>
+          <a:p>
+            <a:pPr marL="0" indent="0">
+              <a:lnSpc>
+                <a:spcPct val="100000"/>
+              </a:lnSpc>
+              <a:spcBef>
+                <a:spcPts val="0"/>
+              </a:spcBef>
+              <a:spcAft>
+                <a:spcPts val="1200"/>
+              </a:spcAft>
+              <a:buNone/>
+            </a:pPr>
             <a:endParaRPr lang="en-US" sz="1800" dirty="0">
               <a:latin typeface="Consolas" panose="020B0609020204030204" pitchFamily="49" charset="0"/>
               <a:cs typeface="Arial" panose="020B0604020202020204" pitchFamily="34" charset="0"/>
@@ -11140,8 +9413,8 @@
         </p:nvSpPr>
         <p:spPr>
           <a:xfrm>
-            <a:off x="1066800" y="5687357"/>
-            <a:ext cx="10058400" cy="861774"/>
+            <a:off x="482600" y="5877580"/>
+            <a:ext cx="10058400" cy="523220"/>
           </a:xfrm>
           <a:prstGeom prst="rect">
             <a:avLst/>
@@ -11155,27 +9428,21 @@
           <a:lstStyle/>
           <a:p>
             <a:r>
-              <a:rPr lang="en-US" sz="1600" b="1"/>
-              <a:t>Source</a:t>
-            </a:r>
-          </a:p>
-          <a:p>
-            <a:r>
-              <a:rPr lang="en-US" sz="1600">
+              <a:rPr lang="en-US" sz="1400">
                 <a:hlinkClick r:id="rId2"/>
               </a:rPr>
               <a:t>https://developer.mozilla.org/en-US/docs/Web/HTML/Element/input</a:t>
             </a:r>
-            <a:endParaRPr lang="en-US" sz="1600"/>
-          </a:p>
-          <a:p>
-            <a:r>
-              <a:rPr lang="en-US" sz="1600">
+            <a:endParaRPr lang="en-US" sz="1400"/>
+          </a:p>
+          <a:p>
+            <a:r>
+              <a:rPr lang="en-US" sz="1400">
                 <a:hlinkClick r:id="rId4"/>
               </a:rPr>
               <a:t>https://balsamiq.com/learn/resources/ui-control-guidelines/text-input/</a:t>
             </a:r>
-            <a:endParaRPr lang="en-US" sz="1600"/>
+            <a:endParaRPr lang="en-US" sz="1400"/>
           </a:p>
         </p:txBody>
       </p:sp>
@@ -11201,7 +9468,7 @@
         </p:blipFill>
         <p:spPr>
           <a:xfrm>
-            <a:off x="8668929" y="4395893"/>
+            <a:off x="1193549" y="4920553"/>
             <a:ext cx="1800225" cy="342900"/>
           </a:xfrm>
           <a:prstGeom prst="rect">
@@ -11257,8 +9524,8 @@
         </p:nvSpPr>
         <p:spPr>
           <a:xfrm>
-            <a:off x="1066800" y="406864"/>
-            <a:ext cx="10058400" cy="1371600"/>
+            <a:off x="787401" y="406864"/>
+            <a:ext cx="10337799" cy="1371600"/>
           </a:xfrm>
         </p:spPr>
         <p:txBody>
@@ -11267,7 +9534,7 @@
           <a:p>
             <a:r>
               <a:rPr lang="en-US" u="sng"/>
-              <a:t>Types of Single-Line Inputs cont.</a:t>
+              <a:t>Types of Single-Line Inputs</a:t>
             </a:r>
           </a:p>
         </p:txBody>
@@ -11290,8 +9557,8 @@
         </p:nvSpPr>
         <p:spPr>
           <a:xfrm>
-            <a:off x="3204594" y="1574612"/>
-            <a:ext cx="8623882" cy="4087955"/>
+            <a:off x="787401" y="1574612"/>
+            <a:ext cx="11041076" cy="4087955"/>
           </a:xfrm>
         </p:spPr>
         <p:txBody>
@@ -11299,12 +9566,12 @@
           <a:lstStyle/>
           <a:p>
             <a:pPr marL="0" indent="0">
-              <a:lnSpc>
-                <a:spcPct val="120000"/>
-              </a:lnSpc>
               <a:spcBef>
                 <a:spcPts val="0"/>
               </a:spcBef>
+              <a:spcAft>
+                <a:spcPts val="0"/>
+              </a:spcAft>
               <a:buNone/>
             </a:pPr>
             <a:r>
@@ -11317,116 +9584,215 @@
           </a:p>
           <a:p>
             <a:pPr marL="0" indent="0">
-              <a:lnSpc>
-                <a:spcPct val="120000"/>
-              </a:lnSpc>
               <a:spcBef>
                 <a:spcPts val="0"/>
               </a:spcBef>
+              <a:spcAft>
+                <a:spcPts val="0"/>
+              </a:spcAft>
               <a:buNone/>
             </a:pPr>
             <a:r>
               <a:rPr lang="en-US" b="1"/>
-              <a:t>password</a:t>
+              <a:t>text</a:t>
             </a:r>
             <a:r>
               <a:rPr lang="en-US"/>
-              <a:t>		A single-line text field whose value is obscured.</a:t>
+              <a:t>		The default value. A single-line text field.</a:t>
             </a:r>
           </a:p>
           <a:p>
             <a:pPr marL="0" indent="0">
-              <a:lnSpc>
-                <a:spcPct val="120000"/>
-              </a:lnSpc>
               <a:spcBef>
                 <a:spcPts val="0"/>
               </a:spcBef>
-              <a:buNone/>
-            </a:pPr>
-            <a:r>
-              <a:rPr lang="en-US" b="1"/>
-              <a:t>number</a:t>
-            </a:r>
-            <a:r>
-              <a:rPr lang="en-US"/>
-              <a:t>		A control for entering a number.</a:t>
-            </a:r>
+              <a:spcAft>
+                <a:spcPts val="0"/>
+              </a:spcAft>
+              <a:buNone/>
+            </a:pPr>
+            <a:endParaRPr lang="en-US"/>
           </a:p>
           <a:p>
             <a:pPr marL="0" indent="0">
-              <a:lnSpc>
-                <a:spcPct val="120000"/>
-              </a:lnSpc>
               <a:spcBef>
                 <a:spcPts val="0"/>
               </a:spcBef>
+              <a:spcAft>
+                <a:spcPts val="0"/>
+              </a:spcAft>
               <a:buNone/>
             </a:pPr>
             <a:r>
               <a:rPr lang="en-US" b="1"/>
-              <a:t>date</a:t>
+              <a:t>email</a:t>
             </a:r>
             <a:r>
               <a:rPr lang="en-US"/>
-              <a:t>		A control for entering a date.</a:t>
+              <a:t>		A field for entering an email address. </a:t>
+            </a:r>
+            <a:r>
+              <a:rPr lang="en-US">
+                <a:highlight>
+                  <a:srgbClr val="FCF7F1"/>
+                </a:highlight>
+              </a:rPr>
+              <a:t>Looks like a text input, </a:t>
             </a:r>
           </a:p>
           <a:p>
             <a:pPr marL="0" indent="0">
-              <a:lnSpc>
-                <a:spcPct val="120000"/>
-              </a:lnSpc>
               <a:spcBef>
                 <a:spcPts val="0"/>
               </a:spcBef>
-              <a:buNone/>
-            </a:pPr>
-            <a:r>
-              <a:rPr lang="en-US" b="1"/>
-              <a:t>time</a:t>
-            </a:r>
+              <a:spcAft>
+                <a:spcPts val="0"/>
+              </a:spcAft>
+              <a:buNone/>
+            </a:pPr>
             <a:r>
               <a:rPr lang="en-US"/>
-              <a:t>		A control for entering a time value with no time zone.</a:t>
+              <a:t>		</a:t>
+            </a:r>
+            <a:r>
+              <a:rPr lang="en-US">
+                <a:highlight>
+                  <a:srgbClr val="FCF7F1"/>
+                </a:highlight>
+              </a:rPr>
+              <a:t>but has validation parameters and relevant keyboard on touch screens.</a:t>
             </a:r>
           </a:p>
           <a:p>
             <a:pPr marL="0" indent="0">
-              <a:lnSpc>
-                <a:spcPct val="120000"/>
-              </a:lnSpc>
               <a:spcBef>
                 <a:spcPts val="0"/>
               </a:spcBef>
-              <a:buNone/>
-            </a:pPr>
-            <a:r>
-              <a:rPr lang="en-US" b="1"/>
-              <a:t>datetime</a:t>
-            </a:r>
-            <a:r>
-              <a:rPr lang="en-US"/>
-              <a:t>		A control for entering a date and time based on UTC time zone.</a:t>
-            </a:r>
+              <a:spcAft>
+                <a:spcPts val="0"/>
+              </a:spcAft>
+              <a:buNone/>
+            </a:pPr>
+            <a:endParaRPr lang="en-US"/>
           </a:p>
           <a:p>
             <a:pPr marL="0" indent="0">
-              <a:lnSpc>
-                <a:spcPct val="120000"/>
-              </a:lnSpc>
               <a:spcBef>
                 <a:spcPts val="0"/>
               </a:spcBef>
+              <a:spcAft>
+                <a:spcPts val="0"/>
+              </a:spcAft>
               <a:buNone/>
             </a:pPr>
             <a:r>
               <a:rPr lang="en-US" b="1"/>
-              <a:t>datetime-local</a:t>
+              <a:t>tel</a:t>
             </a:r>
             <a:r>
               <a:rPr lang="en-US"/>
-              <a:t>	A control for entering a date and time, with no time zone.</a:t>
+              <a:t>		A field for entering a telephone number. </a:t>
+            </a:r>
+            <a:r>
+              <a:rPr lang="en-US">
+                <a:highlight>
+                  <a:srgbClr val="FCF7F1"/>
+                </a:highlight>
+              </a:rPr>
+              <a:t>Displays a telephone keypad.</a:t>
+            </a:r>
+          </a:p>
+          <a:p>
+            <a:pPr marL="0" indent="0">
+              <a:spcBef>
+                <a:spcPts val="0"/>
+              </a:spcBef>
+              <a:spcAft>
+                <a:spcPts val="0"/>
+              </a:spcAft>
+              <a:buNone/>
+            </a:pPr>
+            <a:endParaRPr lang="en-US"/>
+          </a:p>
+          <a:p>
+            <a:pPr marL="0" indent="0">
+              <a:spcBef>
+                <a:spcPts val="0"/>
+              </a:spcBef>
+              <a:spcAft>
+                <a:spcPts val="0"/>
+              </a:spcAft>
+              <a:buNone/>
+            </a:pPr>
+            <a:r>
+              <a:rPr lang="en-US" b="1"/>
+              <a:t>url</a:t>
+            </a:r>
+            <a:r>
+              <a:rPr lang="en-US"/>
+              <a:t>		A field for entering a URL. </a:t>
+            </a:r>
+            <a:r>
+              <a:rPr lang="en-US">
+                <a:highlight>
+                  <a:srgbClr val="FCF7F1"/>
+                </a:highlight>
+              </a:rPr>
+              <a:t>Displays a URL keyboard.</a:t>
+            </a:r>
+          </a:p>
+          <a:p>
+            <a:pPr marL="0" indent="0">
+              <a:spcBef>
+                <a:spcPts val="0"/>
+              </a:spcBef>
+              <a:spcAft>
+                <a:spcPts val="0"/>
+              </a:spcAft>
+              <a:buNone/>
+            </a:pPr>
+            <a:endParaRPr lang="en-US"/>
+          </a:p>
+          <a:p>
+            <a:pPr marL="0" indent="0">
+              <a:spcBef>
+                <a:spcPts val="0"/>
+              </a:spcBef>
+              <a:spcAft>
+                <a:spcPts val="0"/>
+              </a:spcAft>
+              <a:buNone/>
+            </a:pPr>
+            <a:r>
+              <a:rPr lang="en-US" b="1"/>
+              <a:t>search</a:t>
+            </a:r>
+            <a:r>
+              <a:rPr lang="en-US"/>
+              <a:t>		A single-line text field for entering search strings. </a:t>
+            </a:r>
+          </a:p>
+          <a:p>
+            <a:pPr marL="0" indent="0">
+              <a:spcBef>
+                <a:spcPts val="0"/>
+              </a:spcBef>
+              <a:spcAft>
+                <a:spcPts val="0"/>
+              </a:spcAft>
+              <a:buNone/>
+            </a:pPr>
+            <a:r>
+              <a:rPr lang="en-US"/>
+              <a:t>		</a:t>
+            </a:r>
+            <a:r>
+              <a:rPr lang="en-US">
+                <a:highlight>
+                  <a:srgbClr val="FCF7F1"/>
+                </a:highlight>
+              </a:rPr>
+              <a:t>Displays a search icon instead of enter key on touch screens.</a:t>
             </a:r>
           </a:p>
         </p:txBody>
@@ -11474,8 +9840,8 @@
         </p:nvSpPr>
         <p:spPr>
           <a:xfrm>
-            <a:off x="1066800" y="5687357"/>
-            <a:ext cx="10058400" cy="861774"/>
+            <a:off x="495301" y="5877580"/>
+            <a:ext cx="10337799" cy="523220"/>
           </a:xfrm>
           <a:prstGeom prst="rect">
             <a:avLst/>
@@ -11489,27 +9855,300 @@
           <a:lstStyle/>
           <a:p>
             <a:r>
+              <a:rPr lang="en-US" sz="1400">
+                <a:hlinkClick r:id="rId2"/>
+              </a:rPr>
+              <a:t>https://developer.mozilla.org/en-US/docs/Web/HTML/Element/input</a:t>
+            </a:r>
+            <a:endParaRPr lang="en-US" sz="1400"/>
+          </a:p>
+          <a:p>
+            <a:r>
+              <a:rPr lang="en-US" sz="1400">
+                <a:hlinkClick r:id="rId3"/>
+              </a:rPr>
+              <a:t>https://balsamiq.com/learn/resources/ui-control-guidelines/text-input/</a:t>
+            </a:r>
+            <a:endParaRPr lang="en-US" sz="1400"/>
+          </a:p>
+        </p:txBody>
+      </p:sp>
+    </p:spTree>
+    <p:extLst>
+      <p:ext uri="{BB962C8B-B14F-4D97-AF65-F5344CB8AC3E}">
+        <p14:creationId xmlns:p14="http://schemas.microsoft.com/office/powerpoint/2010/main" val="2813753185"/>
+      </p:ext>
+    </p:extLst>
+  </p:cSld>
+  <p:clrMapOvr>
+    <a:masterClrMapping/>
+  </p:clrMapOvr>
+</p:sld>
+</file>
+
+<file path=ppt/slides/slide19.xml><?xml version="1.0" encoding="utf-8"?>
+<p:sld xmlns:a="http://schemas.openxmlformats.org/drawingml/2006/main" xmlns:r="http://schemas.openxmlformats.org/officeDocument/2006/relationships" xmlns:p="http://schemas.openxmlformats.org/presentationml/2006/main">
+  <p:cSld>
+    <p:spTree>
+      <p:nvGrpSpPr>
+        <p:cNvPr id="1" name=""/>
+        <p:cNvGrpSpPr/>
+        <p:nvPr/>
+      </p:nvGrpSpPr>
+      <p:grpSpPr>
+        <a:xfrm>
+          <a:off x="0" y="0"/>
+          <a:ext cx="0" cy="0"/>
+          <a:chOff x="0" y="0"/>
+          <a:chExt cx="0" cy="0"/>
+        </a:xfrm>
+      </p:grpSpPr>
+      <p:sp>
+        <p:nvSpPr>
+          <p:cNvPr id="2" name="Title 1">
+            <a:extLst>
+              <a:ext uri="{FF2B5EF4-FFF2-40B4-BE49-F238E27FC236}">
+                <a16:creationId xmlns:a16="http://schemas.microsoft.com/office/drawing/2014/main" id="{445FF4AD-20AD-46CF-B63A-5B4461267FAA}"/>
+              </a:ext>
+            </a:extLst>
+          </p:cNvPr>
+          <p:cNvSpPr>
+            <a:spLocks noGrp="1"/>
+          </p:cNvSpPr>
+          <p:nvPr>
+            <p:ph type="title"/>
+          </p:nvPr>
+        </p:nvSpPr>
+        <p:spPr>
+          <a:xfrm>
+            <a:off x="1066800" y="406864"/>
+            <a:ext cx="10058400" cy="1371600"/>
+          </a:xfrm>
+        </p:spPr>
+        <p:txBody>
+          <a:bodyPr/>
+          <a:lstStyle/>
+          <a:p>
+            <a:r>
+              <a:rPr lang="en-US" u="sng"/>
+              <a:t>Types of Single-Line Inputs cont.</a:t>
+            </a:r>
+          </a:p>
+        </p:txBody>
+      </p:sp>
+      <p:sp>
+        <p:nvSpPr>
+          <p:cNvPr id="3" name="Content Placeholder 2">
+            <a:extLst>
+              <a:ext uri="{FF2B5EF4-FFF2-40B4-BE49-F238E27FC236}">
+                <a16:creationId xmlns:a16="http://schemas.microsoft.com/office/drawing/2014/main" id="{F8F625A6-60F1-4F61-9045-E342AD83353C}"/>
+              </a:ext>
+            </a:extLst>
+          </p:cNvPr>
+          <p:cNvSpPr>
+            <a:spLocks noGrp="1"/>
+          </p:cNvSpPr>
+          <p:nvPr>
+            <p:ph idx="1"/>
+          </p:nvPr>
+        </p:nvSpPr>
+        <p:spPr>
+          <a:xfrm>
+            <a:off x="3204594" y="1574612"/>
+            <a:ext cx="8623882" cy="4087955"/>
+          </a:xfrm>
+        </p:spPr>
+        <p:txBody>
+          <a:bodyPr>
+            <a:normAutofit/>
+          </a:bodyPr>
+          <a:lstStyle/>
+          <a:p>
+            <a:pPr marL="0" indent="0">
+              <a:spcBef>
+                <a:spcPts val="0"/>
+              </a:spcBef>
+              <a:buNone/>
+            </a:pPr>
+            <a:r>
+              <a:rPr lang="en-US" sz="1600" b="1" u="sng">
+                <a:cs typeface="Arial" panose="020B0604020202020204" pitchFamily="34" charset="0"/>
+              </a:rPr>
+              <a:t>Type		Description			</a:t>
+            </a:r>
+            <a:endParaRPr lang="en-US" sz="1600"/>
+          </a:p>
+          <a:p>
+            <a:pPr marL="0" indent="0">
+              <a:spcBef>
+                <a:spcPts val="0"/>
+              </a:spcBef>
+              <a:buNone/>
+            </a:pPr>
+            <a:r>
               <a:rPr lang="en-US" sz="1600" b="1"/>
-              <a:t>Source</a:t>
-            </a:r>
-          </a:p>
-          <a:p>
-            <a:r>
-              <a:rPr lang="en-US" sz="1600">
+              <a:t>password</a:t>
+            </a:r>
+            <a:r>
+              <a:rPr lang="en-US" sz="1600"/>
+              <a:t>	A single-line text field whose value is obscured.</a:t>
+            </a:r>
+          </a:p>
+          <a:p>
+            <a:pPr marL="0" indent="0">
+              <a:spcBef>
+                <a:spcPts val="0"/>
+              </a:spcBef>
+              <a:buNone/>
+            </a:pPr>
+            <a:r>
+              <a:rPr lang="en-US" sz="1600" b="1"/>
+              <a:t>number</a:t>
+            </a:r>
+            <a:r>
+              <a:rPr lang="en-US" sz="1600"/>
+              <a:t>		A control for entering a number.</a:t>
+            </a:r>
+          </a:p>
+          <a:p>
+            <a:pPr marL="0" indent="0">
+              <a:spcBef>
+                <a:spcPts val="0"/>
+              </a:spcBef>
+              <a:buNone/>
+            </a:pPr>
+            <a:r>
+              <a:rPr lang="en-US" sz="1600" b="1"/>
+              <a:t>date</a:t>
+            </a:r>
+            <a:r>
+              <a:rPr lang="en-US" sz="1600"/>
+              <a:t>		A control for entering a date.</a:t>
+            </a:r>
+          </a:p>
+          <a:p>
+            <a:pPr marL="0" indent="0">
+              <a:spcBef>
+                <a:spcPts val="0"/>
+              </a:spcBef>
+              <a:buNone/>
+            </a:pPr>
+            <a:r>
+              <a:rPr lang="en-US" sz="1600" b="1"/>
+              <a:t>time</a:t>
+            </a:r>
+            <a:r>
+              <a:rPr lang="en-US" sz="1600"/>
+              <a:t>		A control for entering a time value with no time zone.</a:t>
+            </a:r>
+          </a:p>
+          <a:p>
+            <a:pPr marL="0" indent="0">
+              <a:spcBef>
+                <a:spcPts val="0"/>
+              </a:spcBef>
+              <a:buNone/>
+            </a:pPr>
+            <a:r>
+              <a:rPr lang="en-US" sz="1600" b="1"/>
+              <a:t>datetime		</a:t>
+            </a:r>
+            <a:r>
+              <a:rPr lang="en-US" sz="1600"/>
+              <a:t>A control for entering a date and time based on UTC time zone.</a:t>
+            </a:r>
+          </a:p>
+          <a:p>
+            <a:pPr marL="0" indent="0">
+              <a:spcBef>
+                <a:spcPts val="0"/>
+              </a:spcBef>
+              <a:buNone/>
+            </a:pPr>
+            <a:r>
+              <a:rPr lang="en-US" sz="1600" b="1"/>
+              <a:t>datetime-local</a:t>
+            </a:r>
+            <a:r>
+              <a:rPr lang="en-US" sz="1600"/>
+              <a:t>	A control for entering a date and time, with no time zone.</a:t>
+            </a:r>
+          </a:p>
+        </p:txBody>
+      </p:sp>
+      <p:sp>
+        <p:nvSpPr>
+          <p:cNvPr id="4" name="Slide Number Placeholder 3">
+            <a:extLst>
+              <a:ext uri="{FF2B5EF4-FFF2-40B4-BE49-F238E27FC236}">
+                <a16:creationId xmlns:a16="http://schemas.microsoft.com/office/drawing/2014/main" id="{EF71A34A-B6A1-49CE-89F2-D46942908977}"/>
+              </a:ext>
+            </a:extLst>
+          </p:cNvPr>
+          <p:cNvSpPr>
+            <a:spLocks noGrp="1"/>
+          </p:cNvSpPr>
+          <p:nvPr>
+            <p:ph type="sldNum" sz="quarter" idx="12"/>
+          </p:nvPr>
+        </p:nvSpPr>
+        <p:spPr/>
+        <p:txBody>
+          <a:bodyPr/>
+          <a:lstStyle/>
+          <a:p>
+            <a:fld id="{34B7E4EF-A1BD-40F4-AB7B-04F084DD991D}" type="slidenum">
+              <a:rPr lang="en-US" smtClean="0"/>
+              <a:t>19</a:t>
+            </a:fld>
+            <a:endParaRPr lang="en-US" dirty="0"/>
+          </a:p>
+        </p:txBody>
+      </p:sp>
+      <p:sp>
+        <p:nvSpPr>
+          <p:cNvPr id="6" name="TextBox 5">
+            <a:extLst>
+              <a:ext uri="{FF2B5EF4-FFF2-40B4-BE49-F238E27FC236}">
+                <a16:creationId xmlns:a16="http://schemas.microsoft.com/office/drawing/2014/main" id="{2767D263-2589-44C7-BFF9-73442C5A7831}"/>
+              </a:ext>
+            </a:extLst>
+          </p:cNvPr>
+          <p:cNvSpPr txBox="1"/>
+          <p:nvPr/>
+        </p:nvSpPr>
+        <p:spPr>
+          <a:xfrm>
+            <a:off x="520700" y="5863247"/>
+            <a:ext cx="10058400" cy="523220"/>
+          </a:xfrm>
+          <a:prstGeom prst="rect">
+            <a:avLst/>
+          </a:prstGeom>
+          <a:noFill/>
+        </p:spPr>
+        <p:txBody>
+          <a:bodyPr wrap="square" rtlCol="0">
+            <a:spAutoFit/>
+          </a:bodyPr>
+          <a:lstStyle/>
+          <a:p>
+            <a:r>
+              <a:rPr lang="en-US" sz="1400">
                 <a:hlinkClick r:id="rId2"/>
               </a:rPr>
               <a:t>https://developer.mozilla.org/en-US/docs/Web/HTML/Element/input</a:t>
             </a:r>
-            <a:endParaRPr lang="en-US" sz="1600"/>
-          </a:p>
-          <a:p>
-            <a:r>
-              <a:rPr lang="en-US" sz="1600">
+            <a:endParaRPr lang="en-US" sz="1400"/>
+          </a:p>
+          <a:p>
+            <a:r>
+              <a:rPr lang="en-US" sz="1400">
                 <a:hlinkClick r:id="rId3"/>
               </a:rPr>
               <a:t>https://balsamiq.com/learn/resources/ui-control-guidelines/text-input/</a:t>
             </a:r>
-            <a:endParaRPr lang="en-US" sz="1600"/>
+            <a:endParaRPr lang="en-US" sz="1400"/>
           </a:p>
         </p:txBody>
       </p:sp>
@@ -11535,7 +10174,7 @@
         </p:blipFill>
         <p:spPr>
           <a:xfrm>
-            <a:off x="1402272" y="1879844"/>
+            <a:off x="1402272" y="1886794"/>
             <a:ext cx="1800225" cy="323850"/>
           </a:xfrm>
           <a:prstGeom prst="rect">
@@ -11565,7 +10204,7 @@
         </p:blipFill>
         <p:spPr>
           <a:xfrm>
-            <a:off x="1735647" y="2419818"/>
+            <a:off x="1735647" y="2527544"/>
             <a:ext cx="1466850" cy="352425"/>
           </a:xfrm>
           <a:prstGeom prst="rect">
@@ -11595,7 +10234,7 @@
         </p:blipFill>
         <p:spPr>
           <a:xfrm>
-            <a:off x="1421322" y="2152422"/>
+            <a:off x="1421322" y="2203694"/>
             <a:ext cx="1781175" cy="314325"/>
           </a:xfrm>
           <a:prstGeom prst="rect">
@@ -11625,7 +10264,7 @@
         </p:blipFill>
         <p:spPr>
           <a:xfrm>
-            <a:off x="2204469" y="2707755"/>
+            <a:off x="2202372" y="2875266"/>
             <a:ext cx="1000125" cy="304800"/>
           </a:xfrm>
           <a:prstGeom prst="rect">
@@ -11655,7 +10294,7 @@
         </p:blipFill>
         <p:spPr>
           <a:xfrm>
-            <a:off x="1066800" y="3263315"/>
+            <a:off x="1069946" y="3525535"/>
             <a:ext cx="2133600" cy="304800"/>
           </a:xfrm>
           <a:prstGeom prst="rect">
@@ -11667,409 +10306,6 @@
     <p:extLst>
       <p:ext uri="{BB962C8B-B14F-4D97-AF65-F5344CB8AC3E}">
         <p14:creationId xmlns:p14="http://schemas.microsoft.com/office/powerpoint/2010/main" val="2742507744"/>
-      </p:ext>
-    </p:extLst>
-  </p:cSld>
-  <p:clrMapOvr>
-    <a:masterClrMapping/>
-  </p:clrMapOvr>
-</p:sld>
-</file>
-
-<file path=ppt/slides/slide19.xml><?xml version="1.0" encoding="utf-8"?>
-<p:sld xmlns:a="http://schemas.openxmlformats.org/drawingml/2006/main" xmlns:r="http://schemas.openxmlformats.org/officeDocument/2006/relationships" xmlns:p="http://schemas.openxmlformats.org/presentationml/2006/main">
-  <p:cSld>
-    <p:spTree>
-      <p:nvGrpSpPr>
-        <p:cNvPr id="1" name=""/>
-        <p:cNvGrpSpPr/>
-        <p:nvPr/>
-      </p:nvGrpSpPr>
-      <p:grpSpPr>
-        <a:xfrm>
-          <a:off x="0" y="0"/>
-          <a:ext cx="0" cy="0"/>
-          <a:chOff x="0" y="0"/>
-          <a:chExt cx="0" cy="0"/>
-        </a:xfrm>
-      </p:grpSpPr>
-      <p:sp>
-        <p:nvSpPr>
-          <p:cNvPr id="2" name="Title 1">
-            <a:extLst>
-              <a:ext uri="{FF2B5EF4-FFF2-40B4-BE49-F238E27FC236}">
-                <a16:creationId xmlns:a16="http://schemas.microsoft.com/office/drawing/2014/main" id="{445FF4AD-20AD-46CF-B63A-5B4461267FAA}"/>
-              </a:ext>
-            </a:extLst>
-          </p:cNvPr>
-          <p:cNvSpPr>
-            <a:spLocks noGrp="1"/>
-          </p:cNvSpPr>
-          <p:nvPr>
-            <p:ph type="title"/>
-          </p:nvPr>
-        </p:nvSpPr>
-        <p:spPr>
-          <a:xfrm>
-            <a:off x="1066800" y="406864"/>
-            <a:ext cx="10058400" cy="1371600"/>
-          </a:xfrm>
-        </p:spPr>
-        <p:txBody>
-          <a:bodyPr/>
-          <a:lstStyle/>
-          <a:p>
-            <a:r>
-              <a:rPr lang="en-US" u="sng"/>
-              <a:t>Types of Single-Line Inputs</a:t>
-            </a:r>
-          </a:p>
-        </p:txBody>
-      </p:sp>
-      <p:sp>
-        <p:nvSpPr>
-          <p:cNvPr id="3" name="Content Placeholder 2">
-            <a:extLst>
-              <a:ext uri="{FF2B5EF4-FFF2-40B4-BE49-F238E27FC236}">
-                <a16:creationId xmlns:a16="http://schemas.microsoft.com/office/drawing/2014/main" id="{F8F625A6-60F1-4F61-9045-E342AD83353C}"/>
-              </a:ext>
-            </a:extLst>
-          </p:cNvPr>
-          <p:cNvSpPr>
-            <a:spLocks noGrp="1"/>
-          </p:cNvSpPr>
-          <p:nvPr>
-            <p:ph idx="1"/>
-          </p:nvPr>
-        </p:nvSpPr>
-        <p:spPr>
-          <a:xfrm>
-            <a:off x="1066799" y="1574612"/>
-            <a:ext cx="10761677" cy="4087955"/>
-          </a:xfrm>
-        </p:spPr>
-        <p:txBody>
-          <a:bodyPr/>
-          <a:lstStyle/>
-          <a:p>
-            <a:pPr marL="0" indent="0">
-              <a:lnSpc>
-                <a:spcPct val="120000"/>
-              </a:lnSpc>
-              <a:spcBef>
-                <a:spcPts val="0"/>
-              </a:spcBef>
-              <a:buNone/>
-            </a:pPr>
-            <a:r>
-              <a:rPr lang="en-US" sz="1600" b="1" u="sng">
-                <a:cs typeface="Arial" panose="020B0604020202020204" pitchFamily="34" charset="0"/>
-              </a:rPr>
-              <a:t>Type		Description			</a:t>
-            </a:r>
-            <a:endParaRPr lang="en-US"/>
-          </a:p>
-          <a:p>
-            <a:pPr marL="0" indent="0">
-              <a:lnSpc>
-                <a:spcPct val="120000"/>
-              </a:lnSpc>
-              <a:spcBef>
-                <a:spcPts val="0"/>
-              </a:spcBef>
-              <a:buNone/>
-            </a:pPr>
-            <a:r>
-              <a:rPr lang="en-US" b="1"/>
-              <a:t>text</a:t>
-            </a:r>
-            <a:r>
-              <a:rPr lang="en-US"/>
-              <a:t>		The default value. A single-line text field.</a:t>
-            </a:r>
-          </a:p>
-          <a:p>
-            <a:pPr marL="0" indent="0">
-              <a:lnSpc>
-                <a:spcPct val="120000"/>
-              </a:lnSpc>
-              <a:spcBef>
-                <a:spcPts val="0"/>
-              </a:spcBef>
-              <a:buNone/>
-            </a:pPr>
-            <a:endParaRPr lang="en-US"/>
-          </a:p>
-          <a:p>
-            <a:pPr marL="0" indent="0">
-              <a:lnSpc>
-                <a:spcPct val="120000"/>
-              </a:lnSpc>
-              <a:spcBef>
-                <a:spcPts val="0"/>
-              </a:spcBef>
-              <a:buNone/>
-            </a:pPr>
-            <a:r>
-              <a:rPr lang="en-US" b="1"/>
-              <a:t>email</a:t>
-            </a:r>
-            <a:r>
-              <a:rPr lang="en-US"/>
-              <a:t>		A field for entering an email address. </a:t>
-            </a:r>
-            <a:r>
-              <a:rPr lang="en-US">
-                <a:highlight>
-                  <a:srgbClr val="FCF7F1"/>
-                </a:highlight>
-              </a:rPr>
-              <a:t>Looks like a text input, </a:t>
-            </a:r>
-          </a:p>
-          <a:p>
-            <a:pPr marL="0" indent="0">
-              <a:lnSpc>
-                <a:spcPct val="120000"/>
-              </a:lnSpc>
-              <a:spcBef>
-                <a:spcPts val="0"/>
-              </a:spcBef>
-              <a:buNone/>
-            </a:pPr>
-            <a:r>
-              <a:rPr lang="en-US"/>
-              <a:t>		</a:t>
-            </a:r>
-            <a:r>
-              <a:rPr lang="en-US">
-                <a:highlight>
-                  <a:srgbClr val="FCF7F1"/>
-                </a:highlight>
-              </a:rPr>
-              <a:t>but has validation parameters and relevant keyboard on touch screens.</a:t>
-            </a:r>
-          </a:p>
-          <a:p>
-            <a:pPr marL="0" indent="0">
-              <a:lnSpc>
-                <a:spcPct val="120000"/>
-              </a:lnSpc>
-              <a:spcBef>
-                <a:spcPts val="0"/>
-              </a:spcBef>
-              <a:buNone/>
-            </a:pPr>
-            <a:endParaRPr lang="en-US"/>
-          </a:p>
-          <a:p>
-            <a:pPr marL="0" indent="0">
-              <a:lnSpc>
-                <a:spcPct val="120000"/>
-              </a:lnSpc>
-              <a:spcBef>
-                <a:spcPts val="0"/>
-              </a:spcBef>
-              <a:buNone/>
-            </a:pPr>
-            <a:r>
-              <a:rPr lang="en-US" b="1"/>
-              <a:t>tel</a:t>
-            </a:r>
-            <a:r>
-              <a:rPr lang="en-US"/>
-              <a:t>		A field for entering a telephone number. </a:t>
-            </a:r>
-            <a:r>
-              <a:rPr lang="en-US">
-                <a:highlight>
-                  <a:srgbClr val="FCF7F1"/>
-                </a:highlight>
-              </a:rPr>
-              <a:t>Displays a telephone keypad.</a:t>
-            </a:r>
-          </a:p>
-          <a:p>
-            <a:pPr marL="0" indent="0">
-              <a:lnSpc>
-                <a:spcPct val="120000"/>
-              </a:lnSpc>
-              <a:spcBef>
-                <a:spcPts val="0"/>
-              </a:spcBef>
-              <a:buNone/>
-            </a:pPr>
-            <a:endParaRPr lang="en-US"/>
-          </a:p>
-          <a:p>
-            <a:pPr marL="0" indent="0">
-              <a:lnSpc>
-                <a:spcPct val="120000"/>
-              </a:lnSpc>
-              <a:spcBef>
-                <a:spcPts val="0"/>
-              </a:spcBef>
-              <a:buNone/>
-            </a:pPr>
-            <a:r>
-              <a:rPr lang="en-US" b="1"/>
-              <a:t>url</a:t>
-            </a:r>
-            <a:r>
-              <a:rPr lang="en-US"/>
-              <a:t>		A field for entering a URL. </a:t>
-            </a:r>
-            <a:r>
-              <a:rPr lang="en-US">
-                <a:highlight>
-                  <a:srgbClr val="FCF7F1"/>
-                </a:highlight>
-              </a:rPr>
-              <a:t>Displays a URL keyboard.</a:t>
-            </a:r>
-          </a:p>
-          <a:p>
-            <a:pPr marL="0" indent="0">
-              <a:lnSpc>
-                <a:spcPct val="120000"/>
-              </a:lnSpc>
-              <a:spcBef>
-                <a:spcPts val="0"/>
-              </a:spcBef>
-              <a:buNone/>
-            </a:pPr>
-            <a:endParaRPr lang="en-US"/>
-          </a:p>
-          <a:p>
-            <a:pPr marL="0" indent="0">
-              <a:lnSpc>
-                <a:spcPct val="120000"/>
-              </a:lnSpc>
-              <a:spcBef>
-                <a:spcPts val="0"/>
-              </a:spcBef>
-              <a:buNone/>
-            </a:pPr>
-            <a:r>
-              <a:rPr lang="en-US" b="1"/>
-              <a:t>search</a:t>
-            </a:r>
-            <a:r>
-              <a:rPr lang="en-US"/>
-              <a:t>		A single-line text field for entering search strings. </a:t>
-            </a:r>
-          </a:p>
-          <a:p>
-            <a:pPr marL="0" indent="0">
-              <a:lnSpc>
-                <a:spcPct val="120000"/>
-              </a:lnSpc>
-              <a:spcBef>
-                <a:spcPts val="0"/>
-              </a:spcBef>
-              <a:buNone/>
-            </a:pPr>
-            <a:r>
-              <a:rPr lang="en-US"/>
-              <a:t>		</a:t>
-            </a:r>
-            <a:r>
-              <a:rPr lang="en-US">
-                <a:highlight>
-                  <a:srgbClr val="FCF7F1"/>
-                </a:highlight>
-              </a:rPr>
-              <a:t>Displays a search icon instead of enter key on touch screens.</a:t>
-            </a:r>
-          </a:p>
-        </p:txBody>
-      </p:sp>
-      <p:sp>
-        <p:nvSpPr>
-          <p:cNvPr id="4" name="Slide Number Placeholder 3">
-            <a:extLst>
-              <a:ext uri="{FF2B5EF4-FFF2-40B4-BE49-F238E27FC236}">
-                <a16:creationId xmlns:a16="http://schemas.microsoft.com/office/drawing/2014/main" id="{EF71A34A-B6A1-49CE-89F2-D46942908977}"/>
-              </a:ext>
-            </a:extLst>
-          </p:cNvPr>
-          <p:cNvSpPr>
-            <a:spLocks noGrp="1"/>
-          </p:cNvSpPr>
-          <p:nvPr>
-            <p:ph type="sldNum" sz="quarter" idx="12"/>
-          </p:nvPr>
-        </p:nvSpPr>
-        <p:spPr/>
-        <p:txBody>
-          <a:bodyPr/>
-          <a:lstStyle/>
-          <a:p>
-            <a:fld id="{34B7E4EF-A1BD-40F4-AB7B-04F084DD991D}" type="slidenum">
-              <a:rPr lang="en-US" smtClean="0"/>
-              <a:t>19</a:t>
-            </a:fld>
-            <a:endParaRPr lang="en-US" dirty="0"/>
-          </a:p>
-        </p:txBody>
-      </p:sp>
-      <p:sp>
-        <p:nvSpPr>
-          <p:cNvPr id="6" name="TextBox 5">
-            <a:extLst>
-              <a:ext uri="{FF2B5EF4-FFF2-40B4-BE49-F238E27FC236}">
-                <a16:creationId xmlns:a16="http://schemas.microsoft.com/office/drawing/2014/main" id="{2767D263-2589-44C7-BFF9-73442C5A7831}"/>
-              </a:ext>
-            </a:extLst>
-          </p:cNvPr>
-          <p:cNvSpPr txBox="1"/>
-          <p:nvPr/>
-        </p:nvSpPr>
-        <p:spPr>
-          <a:xfrm>
-            <a:off x="1066800" y="5687357"/>
-            <a:ext cx="10058400" cy="861774"/>
-          </a:xfrm>
-          <a:prstGeom prst="rect">
-            <a:avLst/>
-          </a:prstGeom>
-          <a:noFill/>
-        </p:spPr>
-        <p:txBody>
-          <a:bodyPr wrap="square" rtlCol="0">
-            <a:spAutoFit/>
-          </a:bodyPr>
-          <a:lstStyle/>
-          <a:p>
-            <a:r>
-              <a:rPr lang="en-US" sz="1600" b="1"/>
-              <a:t>Source</a:t>
-            </a:r>
-          </a:p>
-          <a:p>
-            <a:r>
-              <a:rPr lang="en-US" sz="1600">
-                <a:hlinkClick r:id="rId2"/>
-              </a:rPr>
-              <a:t>https://developer.mozilla.org/en-US/docs/Web/HTML/Element/input</a:t>
-            </a:r>
-            <a:endParaRPr lang="en-US" sz="1600"/>
-          </a:p>
-          <a:p>
-            <a:r>
-              <a:rPr lang="en-US" sz="1600">
-                <a:hlinkClick r:id="rId3"/>
-              </a:rPr>
-              <a:t>https://balsamiq.com/learn/resources/ui-control-guidelines/text-input/</a:t>
-            </a:r>
-            <a:endParaRPr lang="en-US" sz="1600"/>
-          </a:p>
-        </p:txBody>
-      </p:sp>
-    </p:spTree>
-    <p:extLst>
-      <p:ext uri="{BB962C8B-B14F-4D97-AF65-F5344CB8AC3E}">
-        <p14:creationId xmlns:p14="http://schemas.microsoft.com/office/powerpoint/2010/main" val="2813753185"/>
       </p:ext>
     </p:extLst>
   </p:cSld>
@@ -12149,6 +10385,10 @@
           </a:bodyPr>
           <a:lstStyle/>
           <a:p>
+            <a:pPr marL="342900" indent="-342900">
+              <a:buFont typeface="Arial" panose="020B0604020202020204" pitchFamily="34" charset="0"/>
+              <a:buChar char="•"/>
+            </a:pPr>
             <a:r>
               <a:rPr lang="en-US" sz="2400">
                 <a:cs typeface="Arial" panose="020B0604020202020204" pitchFamily="34" charset="0"/>
@@ -12163,6 +10403,10 @@
             </a:r>
           </a:p>
           <a:p>
+            <a:pPr marL="342900" indent="-342900">
+              <a:buFont typeface="Arial" panose="020B0604020202020204" pitchFamily="34" charset="0"/>
+              <a:buChar char="•"/>
+            </a:pPr>
             <a:r>
               <a:rPr lang="en-US" sz="2400" dirty="0">
                 <a:cs typeface="Arial" panose="020B0604020202020204" pitchFamily="34" charset="0"/>
@@ -12171,6 +10415,10 @@
             </a:r>
           </a:p>
           <a:p>
+            <a:pPr marL="342900" indent="-342900">
+              <a:buFont typeface="Arial" panose="020B0604020202020204" pitchFamily="34" charset="0"/>
+              <a:buChar char="•"/>
+            </a:pPr>
             <a:r>
               <a:rPr lang="en-US" sz="2400" dirty="0">
                 <a:cs typeface="Arial" panose="020B0604020202020204" pitchFamily="34" charset="0"/>
@@ -12179,6 +10427,10 @@
             </a:r>
           </a:p>
           <a:p>
+            <a:pPr marL="342900" indent="-342900">
+              <a:buFont typeface="Arial" panose="020B0604020202020204" pitchFamily="34" charset="0"/>
+              <a:buChar char="•"/>
+            </a:pPr>
             <a:r>
               <a:rPr lang="en-US" sz="2400" dirty="0">
                 <a:cs typeface="Arial" panose="020B0604020202020204" pitchFamily="34" charset="0"/>
@@ -12187,6 +10439,10 @@
             </a:r>
           </a:p>
           <a:p>
+            <a:pPr marL="342900" indent="-342900">
+              <a:buFont typeface="Arial" panose="020B0604020202020204" pitchFamily="34" charset="0"/>
+              <a:buChar char="•"/>
+            </a:pPr>
             <a:r>
               <a:rPr lang="en-US" sz="2400" dirty="0">
                 <a:cs typeface="Arial" panose="020B0604020202020204" pitchFamily="34" charset="0"/>
@@ -12195,6 +10451,10 @@
             </a:r>
           </a:p>
           <a:p>
+            <a:pPr marL="342900" indent="-342900">
+              <a:buFont typeface="Arial" panose="020B0604020202020204" pitchFamily="34" charset="0"/>
+              <a:buChar char="•"/>
+            </a:pPr>
             <a:r>
               <a:rPr lang="en-US" sz="2400" dirty="0">
                 <a:cs typeface="Arial" panose="020B0604020202020204" pitchFamily="34" charset="0"/>
@@ -12304,31 +10564,66 @@
             <p:ph idx="1"/>
           </p:nvPr>
         </p:nvSpPr>
-        <p:spPr/>
+        <p:spPr>
+          <a:xfrm>
+            <a:off x="1066800" y="2103120"/>
+            <a:ext cx="10058400" cy="3849624"/>
+          </a:xfrm>
+        </p:spPr>
         <p:txBody>
           <a:bodyPr>
             <a:noAutofit/>
           </a:bodyPr>
           <a:lstStyle/>
           <a:p>
-            <a:pPr indent="0">
+            <a:pPr marL="0" indent="0">
+              <a:lnSpc>
+                <a:spcPct val="100000"/>
+              </a:lnSpc>
+              <a:spcBef>
+                <a:spcPts val="0"/>
+              </a:spcBef>
+              <a:spcAft>
+                <a:spcPts val="1200"/>
+              </a:spcAft>
               <a:buNone/>
             </a:pPr>
             <a:r>
               <a:rPr lang="en-US" sz="1800" dirty="0">
                 <a:cs typeface="Arial" panose="020B0604020202020204" pitchFamily="34" charset="0"/>
               </a:rPr>
-              <a:t>This control is used for items that require several lines of user input, such as a comment area</a:t>
+              <a:t>This control is used for items that require several lines of user input</a:t>
             </a:r>
             <a:r>
               <a:rPr lang="en-US" sz="1800">
                 <a:cs typeface="Arial" panose="020B0604020202020204" pitchFamily="34" charset="0"/>
               </a:rPr>
+              <a:t>, such </a:t>
+            </a:r>
+            <a:r>
+              <a:rPr lang="en-US" sz="1800" dirty="0">
+                <a:cs typeface="Arial" panose="020B0604020202020204" pitchFamily="34" charset="0"/>
+              </a:rPr>
+              <a:t>as a comment area</a:t>
+            </a:r>
+            <a:r>
+              <a:rPr lang="en-US" sz="1800">
+                <a:cs typeface="Arial" panose="020B0604020202020204" pitchFamily="34" charset="0"/>
+              </a:rPr>
               <a:t>. </a:t>
             </a:r>
           </a:p>
           <a:p>
-            <a:pPr indent="0">
+            <a:pPr marL="0" indent="0">
+              <a:lnSpc>
+                <a:spcPct val="100000"/>
+              </a:lnSpc>
+              <a:spcBef>
+                <a:spcPts val="0"/>
+              </a:spcBef>
+              <a:spcAft>
+                <a:spcPts val="1200"/>
+              </a:spcAft>
               <a:buNone/>
             </a:pPr>
             <a:r>
@@ -12388,12 +10683,18 @@
               </a:rPr>
               <a:t> tag.</a:t>
             </a:r>
-            <a:endParaRPr lang="en-US" sz="1800" dirty="0">
-              <a:cs typeface="Arial" panose="020B0604020202020204" pitchFamily="34" charset="0"/>
-            </a:endParaRPr>
-          </a:p>
-          <a:p>
-            <a:pPr indent="0">
+          </a:p>
+          <a:p>
+            <a:pPr marL="0" indent="0">
+              <a:lnSpc>
+                <a:spcPct val="100000"/>
+              </a:lnSpc>
+              <a:spcBef>
+                <a:spcPts val="0"/>
+              </a:spcBef>
+              <a:spcAft>
+                <a:spcPts val="1200"/>
+              </a:spcAft>
               <a:buNone/>
             </a:pPr>
             <a:endParaRPr lang="en-US" sz="1800">
@@ -12401,7 +10702,16 @@
             </a:endParaRPr>
           </a:p>
           <a:p>
-            <a:pPr indent="0">
+            <a:pPr marL="0" indent="0">
+              <a:lnSpc>
+                <a:spcPct val="100000"/>
+              </a:lnSpc>
+              <a:spcBef>
+                <a:spcPts val="0"/>
+              </a:spcBef>
+              <a:spcAft>
+                <a:spcPts val="1200"/>
+              </a:spcAft>
               <a:buNone/>
             </a:pPr>
             <a:r>
@@ -12415,7 +10725,16 @@
             </a:endParaRPr>
           </a:p>
           <a:p>
-            <a:pPr indent="0">
+            <a:pPr marL="0" indent="0">
+              <a:lnSpc>
+                <a:spcPct val="100000"/>
+              </a:lnSpc>
+              <a:spcBef>
+                <a:spcPts val="0"/>
+              </a:spcBef>
+              <a:spcAft>
+                <a:spcPts val="1200"/>
+              </a:spcAft>
               <a:buNone/>
             </a:pPr>
             <a:r>
@@ -12500,8 +10819,8 @@
         </p:nvSpPr>
         <p:spPr>
           <a:xfrm>
-            <a:off x="1066800" y="5673412"/>
-            <a:ext cx="10058400" cy="861774"/>
+            <a:off x="457200" y="5952744"/>
+            <a:ext cx="10058400" cy="523220"/>
           </a:xfrm>
           <a:prstGeom prst="rect">
             <a:avLst/>
@@ -12515,27 +10834,21 @@
           <a:lstStyle/>
           <a:p>
             <a:r>
-              <a:rPr lang="en-US" sz="1600" b="1"/>
-              <a:t>Source</a:t>
-            </a:r>
-          </a:p>
-          <a:p>
-            <a:r>
-              <a:rPr lang="en-US" sz="1600">
+              <a:rPr lang="en-US" sz="1400">
                 <a:hlinkClick r:id="rId2"/>
               </a:rPr>
               <a:t>https://developer.mozilla.org/en-US/docs/Web/HTML/Element/textarea</a:t>
             </a:r>
-            <a:endParaRPr lang="en-US" sz="1600"/>
-          </a:p>
-          <a:p>
-            <a:r>
-              <a:rPr lang="en-US" sz="1600">
+            <a:endParaRPr lang="en-US" sz="1400"/>
+          </a:p>
+          <a:p>
+            <a:r>
+              <a:rPr lang="en-US" sz="1400">
                 <a:hlinkClick r:id="rId3"/>
               </a:rPr>
               <a:t>https://balsamiq.com/learn/resources/ui-control-guidelines/text-input/</a:t>
             </a:r>
-            <a:endParaRPr lang="en-US" sz="1600"/>
+            <a:endParaRPr lang="en-US" sz="1400"/>
           </a:p>
         </p:txBody>
       </p:sp>
@@ -12561,8 +10874,8 @@
         </p:blipFill>
         <p:spPr>
           <a:xfrm>
-            <a:off x="8297563" y="4572995"/>
-            <a:ext cx="2653722" cy="1191750"/>
+            <a:off x="1679479" y="4525377"/>
+            <a:ext cx="2358365" cy="1059109"/>
           </a:xfrm>
           <a:prstGeom prst="rect">
             <a:avLst/>
@@ -12825,8 +11138,8 @@
         </p:nvSpPr>
         <p:spPr>
           <a:xfrm>
-            <a:off x="1066800" y="5604153"/>
-            <a:ext cx="10058400" cy="861774"/>
+            <a:off x="469900" y="5877580"/>
+            <a:ext cx="10058400" cy="523220"/>
           </a:xfrm>
           <a:prstGeom prst="rect">
             <a:avLst/>
@@ -12840,27 +11153,21 @@
           <a:lstStyle/>
           <a:p>
             <a:r>
-              <a:rPr lang="en-US" sz="1600" b="1"/>
-              <a:t>Source</a:t>
-            </a:r>
-          </a:p>
-          <a:p>
-            <a:r>
-              <a:rPr lang="en-US" sz="1600">
+              <a:rPr lang="en-US" sz="1400">
                 <a:hlinkClick r:id="rId2"/>
               </a:rPr>
               <a:t>https://developer.mozilla.org/en-US/docs/Web/HTML/Element/input/radio</a:t>
             </a:r>
-            <a:endParaRPr lang="en-US" sz="1600"/>
-          </a:p>
-          <a:p>
-            <a:r>
-              <a:rPr lang="en-US" sz="1600">
+            <a:endParaRPr lang="en-US" sz="1400"/>
+          </a:p>
+          <a:p>
+            <a:r>
+              <a:rPr lang="en-US" sz="1400">
                 <a:hlinkClick r:id="rId3"/>
               </a:rPr>
               <a:t>https://balsamiq.com/learn/resources/ui-control-guidelines/radio-buttons-checkboxes/</a:t>
             </a:r>
-            <a:endParaRPr lang="en-US" sz="1600"/>
+            <a:endParaRPr lang="en-US" sz="1400"/>
           </a:p>
         </p:txBody>
       </p:sp>
@@ -13158,8 +11465,8 @@
         </p:nvSpPr>
         <p:spPr>
           <a:xfrm>
-            <a:off x="1066800" y="5610783"/>
-            <a:ext cx="10058400" cy="861774"/>
+            <a:off x="457200" y="5877580"/>
+            <a:ext cx="10058400" cy="523220"/>
           </a:xfrm>
           <a:prstGeom prst="rect">
             <a:avLst/>
@@ -13173,27 +11480,21 @@
           <a:lstStyle/>
           <a:p>
             <a:r>
-              <a:rPr lang="en-US" sz="1600" b="1"/>
-              <a:t>Source</a:t>
-            </a:r>
-          </a:p>
-          <a:p>
-            <a:r>
-              <a:rPr lang="en-US" sz="1600">
+              <a:rPr lang="en-US" sz="1400">
                 <a:hlinkClick r:id="rId2"/>
               </a:rPr>
               <a:t>https://developer.mozilla.org/en-US/docs/Web/HTML/Element/input/checkbox</a:t>
             </a:r>
-            <a:endParaRPr lang="en-US" sz="1600"/>
-          </a:p>
-          <a:p>
-            <a:r>
-              <a:rPr lang="en-US" sz="1600">
+            <a:endParaRPr lang="en-US" sz="1400"/>
+          </a:p>
+          <a:p>
+            <a:r>
+              <a:rPr lang="en-US" sz="1400">
                 <a:hlinkClick r:id="rId3"/>
               </a:rPr>
               <a:t>https://balsamiq.com/learn/resources/ui-control-guidelines/radio-buttons-checkboxes/</a:t>
             </a:r>
-            <a:endParaRPr lang="en-US" sz="1600"/>
+            <a:endParaRPr lang="en-US" sz="1400"/>
           </a:p>
         </p:txBody>
       </p:sp>
@@ -13460,8 +11761,8 @@
         </p:nvSpPr>
         <p:spPr>
           <a:xfrm>
-            <a:off x="1066800" y="5816025"/>
-            <a:ext cx="10058400" cy="584775"/>
+            <a:off x="444500" y="6093023"/>
+            <a:ext cx="10058400" cy="307777"/>
           </a:xfrm>
           <a:prstGeom prst="rect">
             <a:avLst/>
@@ -13475,18 +11776,12 @@
           <a:lstStyle/>
           <a:p>
             <a:r>
-              <a:rPr lang="en-US" sz="1600" b="1"/>
-              <a:t>Source</a:t>
-            </a:r>
-          </a:p>
-          <a:p>
-            <a:r>
-              <a:rPr lang="en-US" sz="1600">
+              <a:rPr lang="en-US" sz="1400">
                 <a:hlinkClick r:id="rId2"/>
               </a:rPr>
               <a:t>https://developer.mozilla.org/en-US/docs/Web/HTML/Element/input/file</a:t>
             </a:r>
-            <a:endParaRPr lang="en-US" sz="1600"/>
+            <a:endParaRPr lang="en-US" sz="1400"/>
           </a:p>
         </p:txBody>
       </p:sp>
@@ -13602,6 +11897,15 @@
           <a:lstStyle/>
           <a:p>
             <a:pPr marL="0" indent="0">
+              <a:lnSpc>
+                <a:spcPct val="100000"/>
+              </a:lnSpc>
+              <a:spcBef>
+                <a:spcPts val="0"/>
+              </a:spcBef>
+              <a:spcAft>
+                <a:spcPts val="600"/>
+              </a:spcAft>
               <a:buNone/>
             </a:pPr>
             <a:r>
@@ -13611,6 +11915,15 @@
           </a:p>
           <a:p>
             <a:pPr marL="0" indent="0">
+              <a:lnSpc>
+                <a:spcPct val="100000"/>
+              </a:lnSpc>
+              <a:spcBef>
+                <a:spcPts val="0"/>
+              </a:spcBef>
+              <a:spcAft>
+                <a:spcPts val="600"/>
+              </a:spcAft>
               <a:buNone/>
             </a:pPr>
             <a:r>
@@ -13640,12 +11953,30 @@
           </a:p>
           <a:p>
             <a:pPr marL="0" indent="0">
+              <a:lnSpc>
+                <a:spcPct val="100000"/>
+              </a:lnSpc>
+              <a:spcBef>
+                <a:spcPts val="0"/>
+              </a:spcBef>
+              <a:spcAft>
+                <a:spcPts val="600"/>
+              </a:spcAft>
               <a:buNone/>
             </a:pPr>
             <a:endParaRPr lang="en-US" sz="1800"/>
           </a:p>
           <a:p>
             <a:pPr marL="0" indent="0">
+              <a:lnSpc>
+                <a:spcPct val="100000"/>
+              </a:lnSpc>
+              <a:spcBef>
+                <a:spcPts val="0"/>
+              </a:spcBef>
+              <a:spcAft>
+                <a:spcPts val="600"/>
+              </a:spcAft>
               <a:buNone/>
             </a:pPr>
             <a:r>
@@ -13655,6 +11986,15 @@
           </a:p>
           <a:p>
             <a:pPr marL="0" indent="0">
+              <a:lnSpc>
+                <a:spcPct val="100000"/>
+              </a:lnSpc>
+              <a:spcBef>
+                <a:spcPts val="0"/>
+              </a:spcBef>
+              <a:spcAft>
+                <a:spcPts val="600"/>
+              </a:spcAft>
               <a:buNone/>
             </a:pPr>
             <a:r>
@@ -13717,7 +12057,7 @@
         </p:blipFill>
         <p:spPr>
           <a:xfrm>
-            <a:off x="1577975" y="4673600"/>
+            <a:off x="1514601" y="4148499"/>
             <a:ext cx="2085975" cy="571500"/>
           </a:xfrm>
           <a:prstGeom prst="rect">
@@ -13739,8 +12079,8 @@
         </p:nvSpPr>
         <p:spPr>
           <a:xfrm>
-            <a:off x="1066800" y="5816025"/>
-            <a:ext cx="10058400" cy="584775"/>
+            <a:off x="431800" y="6107451"/>
+            <a:ext cx="10058400" cy="307777"/>
           </a:xfrm>
           <a:prstGeom prst="rect">
             <a:avLst/>
@@ -13754,13 +12094,7 @@
           <a:lstStyle/>
           <a:p>
             <a:r>
-              <a:rPr lang="en-US" sz="1600" b="1"/>
-              <a:t>Source</a:t>
-            </a:r>
-          </a:p>
-          <a:p>
-            <a:r>
-              <a:rPr lang="en-US" sz="1600">
+              <a:rPr lang="en-US" sz="1400">
                 <a:solidFill>
                   <a:srgbClr val="00B0F0"/>
                 </a:solidFill>
@@ -13774,7 +12108,7 @@
               </a:rPr>
               <a:t>https://developer.mozilla.org/en-US/docs/Web/HTML/Element/input/range</a:t>
             </a:r>
-            <a:endParaRPr lang="en-US" sz="1600">
+            <a:endParaRPr lang="en-US" sz="1400">
               <a:solidFill>
                 <a:srgbClr val="00B0F0"/>
               </a:solidFill>
@@ -13865,20 +12199,29 @@
           </a:bodyPr>
           <a:lstStyle/>
           <a:p>
-            <a:pPr indent="0">
+            <a:pPr marL="0" indent="0">
+              <a:lnSpc>
+                <a:spcPct val="100000"/>
+              </a:lnSpc>
+              <a:spcBef>
+                <a:spcPts val="0"/>
+              </a:spcBef>
+              <a:spcAft>
+                <a:spcPts val="600"/>
+              </a:spcAft>
               <a:buNone/>
             </a:pPr>
             <a:r>
               <a:rPr lang="en-US" sz="1800">
                 <a:cs typeface="Arial" panose="020B0604020202020204" pitchFamily="34" charset="0"/>
               </a:rPr>
-              <a:t>Used for necessary form fields that are not displayed to the user, </a:t>
+              <a:t>Used for necessary form fields that are not displayed to the user, e</a:t>
             </a:r>
             <a:r>
               <a:rPr lang="en-US" sz="1800" dirty="0">
                 <a:cs typeface="Arial" panose="020B0604020202020204" pitchFamily="34" charset="0"/>
               </a:rPr>
-              <a:t>e.g</a:t>
+              <a:t>.g</a:t>
             </a:r>
             <a:r>
               <a:rPr lang="en-US" sz="1800">
@@ -13888,7 +12231,16 @@
             </a:r>
           </a:p>
           <a:p>
-            <a:pPr indent="0">
+            <a:pPr marL="0" indent="0">
+              <a:lnSpc>
+                <a:spcPct val="100000"/>
+              </a:lnSpc>
+              <a:spcBef>
+                <a:spcPts val="0"/>
+              </a:spcBef>
+              <a:spcAft>
+                <a:spcPts val="600"/>
+              </a:spcAft>
               <a:buNone/>
             </a:pPr>
             <a:r>
@@ -13925,7 +12277,16 @@
             </a:r>
           </a:p>
           <a:p>
-            <a:pPr indent="0">
+            <a:pPr marL="0" indent="0">
+              <a:lnSpc>
+                <a:spcPct val="100000"/>
+              </a:lnSpc>
+              <a:spcBef>
+                <a:spcPts val="0"/>
+              </a:spcBef>
+              <a:spcAft>
+                <a:spcPts val="600"/>
+              </a:spcAft>
               <a:buNone/>
             </a:pPr>
             <a:r>
@@ -13952,7 +12313,16 @@
             </a:endParaRPr>
           </a:p>
           <a:p>
-            <a:pPr indent="0">
+            <a:pPr marL="0" indent="0">
+              <a:lnSpc>
+                <a:spcPct val="100000"/>
+              </a:lnSpc>
+              <a:spcBef>
+                <a:spcPts val="0"/>
+              </a:spcBef>
+              <a:spcAft>
+                <a:spcPts val="600"/>
+              </a:spcAft>
               <a:buNone/>
             </a:pPr>
             <a:endParaRPr lang="en-US" sz="1800">
@@ -13960,7 +12330,16 @@
             </a:endParaRPr>
           </a:p>
           <a:p>
-            <a:pPr indent="0">
+            <a:pPr marL="0" indent="0">
+              <a:lnSpc>
+                <a:spcPct val="100000"/>
+              </a:lnSpc>
+              <a:spcBef>
+                <a:spcPts val="0"/>
+              </a:spcBef>
+              <a:spcAft>
+                <a:spcPts val="600"/>
+              </a:spcAft>
               <a:buNone/>
             </a:pPr>
             <a:r>
@@ -13974,7 +12353,16 @@
             </a:endParaRPr>
           </a:p>
           <a:p>
-            <a:pPr indent="0">
+            <a:pPr marL="0" indent="0">
+              <a:lnSpc>
+                <a:spcPct val="100000"/>
+              </a:lnSpc>
+              <a:spcBef>
+                <a:spcPts val="0"/>
+              </a:spcBef>
+              <a:spcAft>
+                <a:spcPts val="600"/>
+              </a:spcAft>
               <a:buNone/>
             </a:pPr>
             <a:r>
@@ -14042,8 +12430,8 @@
         </p:nvSpPr>
         <p:spPr>
           <a:xfrm>
-            <a:off x="1066800" y="5816025"/>
-            <a:ext cx="10058400" cy="584775"/>
+            <a:off x="431800" y="6093023"/>
+            <a:ext cx="10058400" cy="307777"/>
           </a:xfrm>
           <a:prstGeom prst="rect">
             <a:avLst/>
@@ -14057,18 +12445,12 @@
           <a:lstStyle/>
           <a:p>
             <a:r>
-              <a:rPr lang="en-US" sz="1600" b="1"/>
-              <a:t>Source</a:t>
-            </a:r>
-          </a:p>
-          <a:p>
-            <a:r>
-              <a:rPr lang="en-US" sz="1600">
+              <a:rPr lang="en-US" sz="1400">
                 <a:hlinkClick r:id="rId2"/>
               </a:rPr>
               <a:t>https://developer.mozilla.org/en-US/docs/Web/HTML/Element/input/hidden</a:t>
             </a:r>
-            <a:endParaRPr lang="en-US" sz="1600"/>
+            <a:endParaRPr lang="en-US" sz="1400"/>
           </a:p>
         </p:txBody>
       </p:sp>
@@ -14166,7 +12548,16 @@
           </a:bodyPr>
           <a:lstStyle/>
           <a:p>
-            <a:pPr indent="0">
+            <a:pPr marL="0" indent="0">
+              <a:lnSpc>
+                <a:spcPct val="100000"/>
+              </a:lnSpc>
+              <a:spcBef>
+                <a:spcPts val="0"/>
+              </a:spcBef>
+              <a:spcAft>
+                <a:spcPts val="600"/>
+              </a:spcAft>
               <a:buNone/>
             </a:pPr>
             <a:r>
@@ -14189,7 +12580,16 @@
             </a:r>
           </a:p>
           <a:p>
-            <a:pPr indent="0">
+            <a:pPr marL="0" indent="0">
+              <a:lnSpc>
+                <a:spcPct val="100000"/>
+              </a:lnSpc>
+              <a:spcBef>
+                <a:spcPts val="0"/>
+              </a:spcBef>
+              <a:spcAft>
+                <a:spcPts val="600"/>
+              </a:spcAft>
               <a:buNone/>
             </a:pPr>
             <a:r>
@@ -14252,7 +12652,16 @@
             </a:r>
           </a:p>
           <a:p>
-            <a:pPr indent="0">
+            <a:pPr marL="0" indent="0">
+              <a:lnSpc>
+                <a:spcPct val="100000"/>
+              </a:lnSpc>
+              <a:spcBef>
+                <a:spcPts val="0"/>
+              </a:spcBef>
+              <a:spcAft>
+                <a:spcPts val="600"/>
+              </a:spcAft>
               <a:buNone/>
             </a:pPr>
             <a:endParaRPr lang="en-US" sz="1800" dirty="0">
@@ -14260,7 +12669,16 @@
             </a:endParaRPr>
           </a:p>
           <a:p>
-            <a:pPr indent="0">
+            <a:pPr marL="0" indent="0">
+              <a:lnSpc>
+                <a:spcPct val="100000"/>
+              </a:lnSpc>
+              <a:spcBef>
+                <a:spcPts val="0"/>
+              </a:spcBef>
+              <a:spcAft>
+                <a:spcPts val="600"/>
+              </a:spcAft>
               <a:buNone/>
             </a:pPr>
             <a:r>
@@ -14274,7 +12692,16 @@
             </a:endParaRPr>
           </a:p>
           <a:p>
-            <a:pPr indent="0">
+            <a:pPr marL="0" indent="0">
+              <a:lnSpc>
+                <a:spcPct val="100000"/>
+              </a:lnSpc>
+              <a:spcBef>
+                <a:spcPts val="0"/>
+              </a:spcBef>
+              <a:spcAft>
+                <a:spcPts val="600"/>
+              </a:spcAft>
               <a:buNone/>
             </a:pPr>
             <a:r>
@@ -14286,7 +12713,16 @@
             </a:r>
           </a:p>
           <a:p>
-            <a:pPr indent="0">
+            <a:pPr marL="0" indent="0">
+              <a:lnSpc>
+                <a:spcPct val="100000"/>
+              </a:lnSpc>
+              <a:spcBef>
+                <a:spcPts val="0"/>
+              </a:spcBef>
+              <a:spcAft>
+                <a:spcPts val="600"/>
+              </a:spcAft>
               <a:buNone/>
             </a:pPr>
             <a:r>
@@ -14302,7 +12738,16 @@
             </a:endParaRPr>
           </a:p>
           <a:p>
-            <a:pPr indent="0">
+            <a:pPr marL="0" indent="0">
+              <a:lnSpc>
+                <a:spcPct val="100000"/>
+              </a:lnSpc>
+              <a:spcBef>
+                <a:spcPts val="0"/>
+              </a:spcBef>
+              <a:spcAft>
+                <a:spcPts val="600"/>
+              </a:spcAft>
               <a:buNone/>
             </a:pPr>
             <a:r>
@@ -14321,7 +12766,16 @@
             </a:r>
           </a:p>
           <a:p>
-            <a:pPr indent="0">
+            <a:pPr marL="0" indent="0">
+              <a:lnSpc>
+                <a:spcPct val="100000"/>
+              </a:lnSpc>
+              <a:spcBef>
+                <a:spcPts val="0"/>
+              </a:spcBef>
+              <a:spcAft>
+                <a:spcPts val="600"/>
+              </a:spcAft>
               <a:buNone/>
             </a:pPr>
             <a:r>
@@ -14333,7 +12787,16 @@
             </a:r>
           </a:p>
           <a:p>
-            <a:pPr indent="0">
+            <a:pPr marL="0" indent="0">
+              <a:lnSpc>
+                <a:spcPct val="100000"/>
+              </a:lnSpc>
+              <a:spcBef>
+                <a:spcPts val="0"/>
+              </a:spcBef>
+              <a:spcAft>
+                <a:spcPts val="600"/>
+              </a:spcAft>
               <a:buNone/>
             </a:pPr>
             <a:r>
@@ -14349,7 +12812,16 @@
             </a:endParaRPr>
           </a:p>
           <a:p>
-            <a:pPr indent="0">
+            <a:pPr marL="0" indent="0">
+              <a:lnSpc>
+                <a:spcPct val="100000"/>
+              </a:lnSpc>
+              <a:spcBef>
+                <a:spcPts val="0"/>
+              </a:spcBef>
+              <a:spcAft>
+                <a:spcPts val="600"/>
+              </a:spcAft>
               <a:buNone/>
             </a:pPr>
             <a:r>
@@ -14399,8 +12871,8 @@
         </p:nvSpPr>
         <p:spPr>
           <a:xfrm>
-            <a:off x="1066800" y="5708749"/>
-            <a:ext cx="10058400" cy="861774"/>
+            <a:off x="406400" y="5877580"/>
+            <a:ext cx="10058400" cy="523220"/>
           </a:xfrm>
           <a:prstGeom prst="rect">
             <a:avLst/>
@@ -14414,13 +12886,7 @@
           <a:lstStyle/>
           <a:p>
             <a:r>
-              <a:rPr lang="en-US" sz="1600" b="1"/>
-              <a:t>Source</a:t>
-            </a:r>
-          </a:p>
-          <a:p>
-            <a:r>
-              <a:rPr lang="en-US" sz="1600">
+              <a:rPr lang="en-US" sz="1400">
                 <a:solidFill>
                   <a:srgbClr val="00B0F0"/>
                 </a:solidFill>
@@ -14434,7 +12900,7 @@
               </a:rPr>
               <a:t>https://developer.mozilla.org/en-US/docs/Web/HTML/Element/select</a:t>
             </a:r>
-            <a:endParaRPr lang="en-US" sz="1600">
+            <a:endParaRPr lang="en-US" sz="1400">
               <a:solidFill>
                 <a:srgbClr val="00B0F0"/>
               </a:solidFill>
@@ -14442,7 +12908,7 @@
           </a:p>
           <a:p>
             <a:r>
-              <a:rPr lang="en-US" sz="1600">
+              <a:rPr lang="en-US" sz="1400">
                 <a:solidFill>
                   <a:srgbClr val="00B0F0"/>
                 </a:solidFill>
@@ -14456,7 +12922,7 @@
               </a:rPr>
               <a:t>https://balsamiq.com/learn/resources/ui-control-guidelines/dropdown-menus/</a:t>
             </a:r>
-            <a:endParaRPr lang="en-US" sz="1600">
+            <a:endParaRPr lang="en-US" sz="1400">
               <a:solidFill>
                 <a:srgbClr val="00B0F0"/>
               </a:solidFill>
@@ -14628,7 +13094,7 @@
               <a:t>&lt;select id="toppings" name="toppings" </a:t>
             </a:r>
             <a:r>
-              <a:rPr lang="en-US">
+              <a:rPr lang="en-US" b="1">
                 <a:highlight>
                   <a:srgbClr val="FCF7F1"/>
                 </a:highlight>
@@ -14784,8 +13250,8 @@
         </p:nvSpPr>
         <p:spPr>
           <a:xfrm>
-            <a:off x="1066800" y="5925532"/>
-            <a:ext cx="10058400" cy="584775"/>
+            <a:off x="457200" y="6098540"/>
+            <a:ext cx="10058400" cy="338554"/>
           </a:xfrm>
           <a:prstGeom prst="rect">
             <a:avLst/>
@@ -14797,12 +13263,6 @@
             <a:spAutoFit/>
           </a:bodyPr>
           <a:lstStyle/>
-          <a:p>
-            <a:r>
-              <a:rPr lang="en-US" sz="1600" b="1"/>
-              <a:t>Source</a:t>
-            </a:r>
-          </a:p>
           <a:p>
             <a:r>
               <a:rPr lang="en-US" sz="1600">
@@ -16112,7 +14572,12 @@
             <p:ph type="title"/>
           </p:nvPr>
         </p:nvSpPr>
-        <p:spPr/>
+        <p:spPr>
+          <a:xfrm>
+            <a:off x="1066800" y="372202"/>
+            <a:ext cx="10058400" cy="1371600"/>
+          </a:xfrm>
+        </p:spPr>
         <p:txBody>
           <a:bodyPr/>
           <a:lstStyle/>
@@ -16142,8 +14607,8 @@
         </p:nvSpPr>
         <p:spPr>
           <a:xfrm>
-            <a:off x="1066800" y="1743802"/>
-            <a:ext cx="10058400" cy="4471604"/>
+            <a:off x="1066800" y="1426302"/>
+            <a:ext cx="10058400" cy="5059496"/>
           </a:xfrm>
         </p:spPr>
         <p:txBody>
@@ -16417,8 +14882,8 @@
         </p:blipFill>
         <p:spPr>
           <a:xfrm>
-            <a:off x="7000065" y="3053066"/>
-            <a:ext cx="4514850" cy="3067050"/>
+            <a:off x="5260165" y="3115402"/>
+            <a:ext cx="4277535" cy="2905836"/>
           </a:xfrm>
           <a:prstGeom prst="rect">
             <a:avLst/>
@@ -16669,14 +15134,14 @@
             <p:ph idx="1"/>
             <p:extLst>
               <p:ext uri="{D42A27DB-BD31-4B8C-83A1-F6EECF244321}">
-                <p14:modId xmlns:p14="http://schemas.microsoft.com/office/powerpoint/2010/main" val="2993607727"/>
+                <p14:modId xmlns:p14="http://schemas.microsoft.com/office/powerpoint/2010/main" val="1531903913"/>
               </p:ext>
             </p:extLst>
           </p:nvPr>
         </p:nvGraphicFramePr>
         <p:xfrm>
           <a:off x="1066800" y="1813409"/>
-          <a:ext cx="10058400" cy="3849624"/>
+          <a:ext cx="8204200" cy="3849624"/>
         </p:xfrm>
         <a:graphic>
           <a:graphicData uri="http://schemas.openxmlformats.org/drawingml/2006/diagram">
@@ -16862,6 +15327,11 @@
               </a:rPr>
               <a:t>and "autocomplete" functionality.</a:t>
             </a:r>
+          </a:p>
+          <a:p>
+            <a:pPr indent="0">
+              <a:buNone/>
+            </a:pPr>
             <a:endParaRPr lang="en-US" sz="1800" dirty="0">
               <a:cs typeface="Arial" panose="020B0604020202020204" pitchFamily="34" charset="0"/>
             </a:endParaRPr>
@@ -17115,7 +15585,12 @@
             <p:ph idx="1"/>
           </p:nvPr>
         </p:nvSpPr>
-        <p:spPr/>
+        <p:spPr>
+          <a:xfrm>
+            <a:off x="1066800" y="2103120"/>
+            <a:ext cx="8204200" cy="3849624"/>
+          </a:xfrm>
+        </p:spPr>
         <p:txBody>
           <a:bodyPr>
             <a:normAutofit/>
@@ -17144,6 +15619,12 @@
             <a:pPr marL="0" indent="0">
               <a:buNone/>
             </a:pPr>
+            <a:endParaRPr lang="en-US" sz="1800"/>
+          </a:p>
+          <a:p>
+            <a:pPr marL="0" indent="0">
+              <a:buNone/>
+            </a:pPr>
             <a:r>
               <a:rPr lang="en-US" sz="1800"/>
               <a:t>The </a:t>
@@ -17200,7 +15681,7 @@
               <a:buNone/>
             </a:pPr>
             <a:r>
-              <a:rPr lang="en-US" sz="2000">
+              <a:rPr lang="en-US">
                 <a:highlight>
                   <a:srgbClr val="FCF7F1"/>
                 </a:highlight>
@@ -17242,6 +15723,61 @@
               <a:t>37</a:t>
             </a:fld>
             <a:endParaRPr lang="en-US" dirty="0"/>
+          </a:p>
+        </p:txBody>
+      </p:sp>
+      <p:sp>
+        <p:nvSpPr>
+          <p:cNvPr id="6" name="TextBox 5">
+            <a:extLst>
+              <a:ext uri="{FF2B5EF4-FFF2-40B4-BE49-F238E27FC236}">
+                <a16:creationId xmlns:a16="http://schemas.microsoft.com/office/drawing/2014/main" id="{4C78BD68-56EE-488F-8F18-71BE7D6F7A19}"/>
+              </a:ext>
+            </a:extLst>
+          </p:cNvPr>
+          <p:cNvSpPr txBox="1"/>
+          <p:nvPr/>
+        </p:nvSpPr>
+        <p:spPr>
+          <a:xfrm>
+            <a:off x="431800" y="6093023"/>
+            <a:ext cx="10274300" cy="307777"/>
+          </a:xfrm>
+          <a:prstGeom prst="rect">
+            <a:avLst/>
+          </a:prstGeom>
+          <a:noFill/>
+        </p:spPr>
+        <p:txBody>
+          <a:bodyPr wrap="square">
+            <a:spAutoFit/>
+          </a:bodyPr>
+          <a:lstStyle/>
+          <a:p>
+            <a:pPr marL="0" marR="0" lvl="0" indent="0" algn="l" defTabSz="914400" rtl="0" eaLnBrk="1" fontAlgn="auto" latinLnBrk="0" hangingPunct="1">
+              <a:lnSpc>
+                <a:spcPct val="100000"/>
+              </a:lnSpc>
+              <a:spcBef>
+                <a:spcPts val="0"/>
+              </a:spcBef>
+              <a:spcAft>
+                <a:spcPts val="0"/>
+              </a:spcAft>
+              <a:buClrTx/>
+              <a:buSzTx/>
+              <a:buFontTx/>
+              <a:buNone/>
+              <a:tabLst/>
+              <a:defRPr/>
+            </a:pPr>
+            <a:r>
+              <a:rPr lang="en-US" sz="1400">
+                <a:hlinkClick r:id="rId3"/>
+              </a:rPr>
+              <a:t>https://developer.mozilla.org/en-US/docs/Web/HTML/Attributes/autocomplete</a:t>
+            </a:r>
+            <a:endParaRPr lang="en-US" sz="1400"/>
           </a:p>
         </p:txBody>
       </p:sp>
@@ -17291,7 +15827,12 @@
             <p:ph type="title"/>
           </p:nvPr>
         </p:nvSpPr>
-        <p:spPr/>
+        <p:spPr>
+          <a:xfrm>
+            <a:off x="816893" y="591800"/>
+            <a:ext cx="10058400" cy="1371600"/>
+          </a:xfrm>
+        </p:spPr>
         <p:txBody>
           <a:bodyPr/>
           <a:lstStyle/>
@@ -17356,14 +15897,69 @@
         </p:blipFill>
         <p:spPr>
           <a:xfrm>
-            <a:off x="770884" y="2179280"/>
-            <a:ext cx="10650232" cy="3690674"/>
+            <a:off x="816893" y="1788140"/>
+            <a:ext cx="9470107" cy="3281720"/>
           </a:xfrm>
           <a:prstGeom prst="rect">
             <a:avLst/>
           </a:prstGeom>
         </p:spPr>
       </p:pic>
+      <p:sp>
+        <p:nvSpPr>
+          <p:cNvPr id="6" name="TextBox 5">
+            <a:extLst>
+              <a:ext uri="{FF2B5EF4-FFF2-40B4-BE49-F238E27FC236}">
+                <a16:creationId xmlns:a16="http://schemas.microsoft.com/office/drawing/2014/main" id="{21B7FE58-A7AD-4DD8-9796-D12FB591BA39}"/>
+              </a:ext>
+            </a:extLst>
+          </p:cNvPr>
+          <p:cNvSpPr txBox="1"/>
+          <p:nvPr/>
+        </p:nvSpPr>
+        <p:spPr>
+          <a:xfrm>
+            <a:off x="431800" y="6093023"/>
+            <a:ext cx="10274300" cy="307777"/>
+          </a:xfrm>
+          <a:prstGeom prst="rect">
+            <a:avLst/>
+          </a:prstGeom>
+          <a:noFill/>
+        </p:spPr>
+        <p:txBody>
+          <a:bodyPr wrap="square">
+            <a:spAutoFit/>
+          </a:bodyPr>
+          <a:lstStyle/>
+          <a:p>
+            <a:pPr marL="0" marR="0" lvl="0" indent="0" algn="l" defTabSz="914400" rtl="0" eaLnBrk="1" fontAlgn="auto" latinLnBrk="0" hangingPunct="1">
+              <a:lnSpc>
+                <a:spcPct val="100000"/>
+              </a:lnSpc>
+              <a:spcBef>
+                <a:spcPts val="0"/>
+              </a:spcBef>
+              <a:spcAft>
+                <a:spcPts val="0"/>
+              </a:spcAft>
+              <a:buClrTx/>
+              <a:buSzTx/>
+              <a:buFontTx/>
+              <a:buNone/>
+              <a:tabLst/>
+              <a:defRPr/>
+            </a:pPr>
+            <a:r>
+              <a:rPr lang="en-US" sz="1400">
+                <a:hlinkClick r:id="rId4"/>
+              </a:rPr>
+              <a:t>https://developer.mozilla.org/en-US/docs/Web/HTML/Attributes/autocomplete</a:t>
+            </a:r>
+            <a:endParaRPr lang="en-US" sz="1400"/>
+          </a:p>
+        </p:txBody>
+      </p:sp>
     </p:spTree>
     <p:extLst>
       <p:ext uri="{BB962C8B-B14F-4D97-AF65-F5344CB8AC3E}">
@@ -17410,7 +16006,12 @@
             <p:ph type="title"/>
           </p:nvPr>
         </p:nvSpPr>
-        <p:spPr/>
+        <p:spPr>
+          <a:xfrm>
+            <a:off x="431800" y="642594"/>
+            <a:ext cx="10693400" cy="1371600"/>
+          </a:xfrm>
+        </p:spPr>
         <p:txBody>
           <a:bodyPr/>
           <a:lstStyle/>
@@ -17440,7 +16041,12 @@
             <p:ph idx="1"/>
           </p:nvPr>
         </p:nvSpPr>
-        <p:spPr/>
+        <p:spPr>
+          <a:xfrm>
+            <a:off x="431800" y="2103120"/>
+            <a:ext cx="10693400" cy="3849624"/>
+          </a:xfrm>
+        </p:spPr>
         <p:txBody>
           <a:bodyPr>
             <a:normAutofit/>
@@ -17448,9 +16054,6 @@
           <a:lstStyle/>
           <a:p>
             <a:pPr marL="0" indent="0">
-              <a:lnSpc>
-                <a:spcPct val="120000"/>
-              </a:lnSpc>
               <a:spcBef>
                 <a:spcPts val="0"/>
               </a:spcBef>
@@ -17465,9 +16068,6 @@
           </a:p>
           <a:p>
             <a:pPr marL="0" indent="0">
-              <a:lnSpc>
-                <a:spcPct val="120000"/>
-              </a:lnSpc>
               <a:spcBef>
                 <a:spcPts val="0"/>
               </a:spcBef>
@@ -17484,9 +16084,6 @@
           </a:p>
           <a:p>
             <a:pPr marL="0" indent="0">
-              <a:lnSpc>
-                <a:spcPct val="120000"/>
-              </a:lnSpc>
               <a:spcBef>
                 <a:spcPts val="0"/>
               </a:spcBef>
@@ -17503,9 +16100,6 @@
           </a:p>
           <a:p>
             <a:pPr marL="0" indent="0">
-              <a:lnSpc>
-                <a:spcPct val="120000"/>
-              </a:lnSpc>
               <a:spcBef>
                 <a:spcPts val="0"/>
               </a:spcBef>
@@ -17522,9 +16116,6 @@
           </a:p>
           <a:p>
             <a:pPr marL="0" indent="0">
-              <a:lnSpc>
-                <a:spcPct val="120000"/>
-              </a:lnSpc>
               <a:spcBef>
                 <a:spcPts val="0"/>
               </a:spcBef>
@@ -17567,6 +16158,61 @@
               <a:t>39</a:t>
             </a:fld>
             <a:endParaRPr lang="en-US" dirty="0"/>
+          </a:p>
+        </p:txBody>
+      </p:sp>
+      <p:sp>
+        <p:nvSpPr>
+          <p:cNvPr id="6" name="TextBox 5">
+            <a:extLst>
+              <a:ext uri="{FF2B5EF4-FFF2-40B4-BE49-F238E27FC236}">
+                <a16:creationId xmlns:a16="http://schemas.microsoft.com/office/drawing/2014/main" id="{4D781F86-4E62-4E75-B0E0-095B616CE3EC}"/>
+              </a:ext>
+            </a:extLst>
+          </p:cNvPr>
+          <p:cNvSpPr txBox="1"/>
+          <p:nvPr/>
+        </p:nvSpPr>
+        <p:spPr>
+          <a:xfrm>
+            <a:off x="431800" y="6093023"/>
+            <a:ext cx="10274300" cy="307777"/>
+          </a:xfrm>
+          <a:prstGeom prst="rect">
+            <a:avLst/>
+          </a:prstGeom>
+          <a:noFill/>
+        </p:spPr>
+        <p:txBody>
+          <a:bodyPr wrap="square">
+            <a:spAutoFit/>
+          </a:bodyPr>
+          <a:lstStyle/>
+          <a:p>
+            <a:pPr marL="0" marR="0" lvl="0" indent="0" algn="l" defTabSz="914400" rtl="0" eaLnBrk="1" fontAlgn="auto" latinLnBrk="0" hangingPunct="1">
+              <a:lnSpc>
+                <a:spcPct val="100000"/>
+              </a:lnSpc>
+              <a:spcBef>
+                <a:spcPts val="0"/>
+              </a:spcBef>
+              <a:spcAft>
+                <a:spcPts val="0"/>
+              </a:spcAft>
+              <a:buClrTx/>
+              <a:buSzTx/>
+              <a:buFontTx/>
+              <a:buNone/>
+              <a:tabLst/>
+              <a:defRPr/>
+            </a:pPr>
+            <a:r>
+              <a:rPr lang="en-US" sz="1400">
+                <a:hlinkClick r:id="rId3"/>
+              </a:rPr>
+              <a:t>https://developer.mozilla.org/en-US/docs/Web/HTML/Attributes/autocomplete</a:t>
+            </a:r>
+            <a:endParaRPr lang="en-US" sz="1400"/>
           </a:p>
         </p:txBody>
       </p:sp>
@@ -17660,14 +16306,38 @@
               <a:spcBef>
                 <a:spcPts val="0"/>
               </a:spcBef>
+              <a:spcAft>
+                <a:spcPts val="600"/>
+              </a:spcAft>
               <a:buNone/>
             </a:pPr>
             <a:r>
               <a:rPr lang="en-US" sz="2400" dirty="0">
                 <a:cs typeface="Arial" panose="020B0604020202020204" pitchFamily="34" charset="0"/>
               </a:rPr>
-              <a:t>HTML Forms are required when you want to collect data from the site visitor. </a:t>
-            </a:r>
+              <a:t>HTML </a:t>
+            </a:r>
+            <a:r>
+              <a:rPr lang="en-US" sz="2400">
+                <a:cs typeface="Arial" panose="020B0604020202020204" pitchFamily="34" charset="0"/>
+              </a:rPr>
+              <a:t>Forms allow you to </a:t>
+            </a:r>
+            <a:r>
+              <a:rPr lang="en-US" sz="2400" dirty="0">
+                <a:cs typeface="Arial" panose="020B0604020202020204" pitchFamily="34" charset="0"/>
+              </a:rPr>
+              <a:t>collect data from </a:t>
+            </a:r>
+            <a:r>
+              <a:rPr lang="en-US" sz="2400">
+                <a:cs typeface="Arial" panose="020B0604020202020204" pitchFamily="34" charset="0"/>
+              </a:rPr>
+              <a:t>the user. </a:t>
+            </a:r>
+            <a:endParaRPr lang="en-US" sz="2400" dirty="0">
+              <a:cs typeface="Arial" panose="020B0604020202020204" pitchFamily="34" charset="0"/>
+            </a:endParaRPr>
           </a:p>
           <a:p>
             <a:pPr marL="0" indent="0">
@@ -17677,6 +16347,9 @@
               <a:spcBef>
                 <a:spcPts val="0"/>
               </a:spcBef>
+              <a:spcAft>
+                <a:spcPts val="600"/>
+              </a:spcAft>
               <a:buNone/>
             </a:pPr>
             <a:endParaRPr lang="en-US" sz="2400" dirty="0">
@@ -17691,13 +16364,124 @@
               <a:spcBef>
                 <a:spcPts val="0"/>
               </a:spcBef>
-              <a:buNone/>
-            </a:pPr>
-            <a:r>
-              <a:rPr lang="en-US" sz="2400" dirty="0">
-                <a:cs typeface="Arial" panose="020B0604020202020204" pitchFamily="34" charset="0"/>
-              </a:rPr>
-              <a:t>For example, during user registration you might like to collect information such as name, email address, credit card, etc.</a:t>
+              <a:spcAft>
+                <a:spcPts val="600"/>
+              </a:spcAft>
+              <a:buNone/>
+            </a:pPr>
+            <a:r>
+              <a:rPr lang="en-US" sz="2400" i="1" dirty="0">
+                <a:cs typeface="Arial" panose="020B0604020202020204" pitchFamily="34" charset="0"/>
+              </a:rPr>
+              <a:t>For example, during user registration you </a:t>
+            </a:r>
+            <a:r>
+              <a:rPr lang="en-US" sz="2400" i="1">
+                <a:cs typeface="Arial" panose="020B0604020202020204" pitchFamily="34" charset="0"/>
+              </a:rPr>
+              <a:t>might want </a:t>
+            </a:r>
+            <a:r>
+              <a:rPr lang="en-US" sz="2400" i="1" dirty="0">
+                <a:cs typeface="Arial" panose="020B0604020202020204" pitchFamily="34" charset="0"/>
+              </a:rPr>
+              <a:t>to collect information </a:t>
+            </a:r>
+            <a:r>
+              <a:rPr lang="en-US" sz="2400" i="1">
+                <a:cs typeface="Arial" panose="020B0604020202020204" pitchFamily="34" charset="0"/>
+              </a:rPr>
+              <a:t>such as: </a:t>
+            </a:r>
+          </a:p>
+          <a:p>
+            <a:pPr marL="708660" indent="-342900">
+              <a:lnSpc>
+                <a:spcPct val="100000"/>
+              </a:lnSpc>
+              <a:spcBef>
+                <a:spcPts val="0"/>
+              </a:spcBef>
+              <a:spcAft>
+                <a:spcPts val="600"/>
+              </a:spcAft>
+              <a:buFont typeface="Arial" panose="020B0604020202020204" pitchFamily="34" charset="0"/>
+              <a:buChar char="•"/>
+            </a:pPr>
+            <a:r>
+              <a:rPr lang="en-US" sz="2400" i="1">
+                <a:cs typeface="Arial" panose="020B0604020202020204" pitchFamily="34" charset="0"/>
+              </a:rPr>
+              <a:t>name</a:t>
+            </a:r>
+          </a:p>
+          <a:p>
+            <a:pPr marL="708660" indent="-342900">
+              <a:lnSpc>
+                <a:spcPct val="100000"/>
+              </a:lnSpc>
+              <a:spcBef>
+                <a:spcPts val="0"/>
+              </a:spcBef>
+              <a:spcAft>
+                <a:spcPts val="600"/>
+              </a:spcAft>
+              <a:buFont typeface="Arial" panose="020B0604020202020204" pitchFamily="34" charset="0"/>
+              <a:buChar char="•"/>
+            </a:pPr>
+            <a:r>
+              <a:rPr lang="en-US" sz="2400" i="1">
+                <a:cs typeface="Arial" panose="020B0604020202020204" pitchFamily="34" charset="0"/>
+              </a:rPr>
+              <a:t>email address</a:t>
+            </a:r>
+          </a:p>
+          <a:p>
+            <a:pPr marL="708660" indent="-342900">
+              <a:lnSpc>
+                <a:spcPct val="100000"/>
+              </a:lnSpc>
+              <a:spcBef>
+                <a:spcPts val="0"/>
+              </a:spcBef>
+              <a:spcAft>
+                <a:spcPts val="600"/>
+              </a:spcAft>
+              <a:buFont typeface="Arial" panose="020B0604020202020204" pitchFamily="34" charset="0"/>
+              <a:buChar char="•"/>
+            </a:pPr>
+            <a:r>
+              <a:rPr lang="en-US" sz="2400" i="1">
+                <a:cs typeface="Arial" panose="020B0604020202020204" pitchFamily="34" charset="0"/>
+              </a:rPr>
+              <a:t>credit card</a:t>
+            </a:r>
+          </a:p>
+          <a:p>
+            <a:pPr marL="708660" indent="-342900">
+              <a:lnSpc>
+                <a:spcPct val="100000"/>
+              </a:lnSpc>
+              <a:spcBef>
+                <a:spcPts val="0"/>
+              </a:spcBef>
+              <a:spcAft>
+                <a:spcPts val="600"/>
+              </a:spcAft>
+              <a:buFont typeface="Arial" panose="020B0604020202020204" pitchFamily="34" charset="0"/>
+              <a:buChar char="•"/>
+            </a:pPr>
+            <a:r>
+              <a:rPr lang="en-US" sz="2400" i="1">
+                <a:cs typeface="Arial" panose="020B0604020202020204" pitchFamily="34" charset="0"/>
+              </a:rPr>
+              <a:t>etc</a:t>
+            </a:r>
+            <a:r>
+              <a:rPr lang="en-US" sz="2400" i="1" dirty="0">
+                <a:cs typeface="Arial" panose="020B0604020202020204" pitchFamily="34" charset="0"/>
+              </a:rPr>
+              <a:t>.</a:t>
             </a:r>
           </a:p>
         </p:txBody>
@@ -17771,7 +16555,12 @@
             <p:ph type="title"/>
           </p:nvPr>
         </p:nvSpPr>
-        <p:spPr/>
+        <p:spPr>
+          <a:xfrm>
+            <a:off x="431800" y="642594"/>
+            <a:ext cx="10693400" cy="1371600"/>
+          </a:xfrm>
+        </p:spPr>
         <p:txBody>
           <a:bodyPr/>
           <a:lstStyle/>
@@ -17803,8 +16592,8 @@
         </p:nvSpPr>
         <p:spPr>
           <a:xfrm>
-            <a:off x="1066800" y="1911720"/>
-            <a:ext cx="10058400" cy="4303685"/>
+            <a:off x="431800" y="2103120"/>
+            <a:ext cx="8610600" cy="3849624"/>
           </a:xfrm>
         </p:spPr>
         <p:txBody>
@@ -17814,9 +16603,6 @@
           <a:lstStyle/>
           <a:p>
             <a:pPr marL="0" indent="0">
-              <a:lnSpc>
-                <a:spcPct val="120000"/>
-              </a:lnSpc>
               <a:spcBef>
                 <a:spcPts val="0"/>
               </a:spcBef>
@@ -17831,9 +16617,6 @@
           </a:p>
           <a:p>
             <a:pPr marL="0" indent="0">
-              <a:lnSpc>
-                <a:spcPct val="120000"/>
-              </a:lnSpc>
               <a:spcBef>
                 <a:spcPts val="0"/>
               </a:spcBef>
@@ -17850,9 +16633,6 @@
           </a:p>
           <a:p>
             <a:pPr marL="0" indent="0">
-              <a:lnSpc>
-                <a:spcPct val="120000"/>
-              </a:lnSpc>
               <a:spcBef>
                 <a:spcPts val="0"/>
               </a:spcBef>
@@ -17869,9 +16649,6 @@
           </a:p>
           <a:p>
             <a:pPr marL="0" indent="0">
-              <a:lnSpc>
-                <a:spcPct val="120000"/>
-              </a:lnSpc>
               <a:spcBef>
                 <a:spcPts val="0"/>
               </a:spcBef>
@@ -17888,9 +16665,6 @@
           </a:p>
           <a:p>
             <a:pPr marL="0" indent="0">
-              <a:lnSpc>
-                <a:spcPct val="120000"/>
-              </a:lnSpc>
               <a:spcBef>
                 <a:spcPts val="0"/>
               </a:spcBef>
@@ -17907,9 +16681,6 @@
           </a:p>
           <a:p>
             <a:pPr marL="0" indent="0">
-              <a:lnSpc>
-                <a:spcPct val="120000"/>
-              </a:lnSpc>
               <a:spcBef>
                 <a:spcPts val="0"/>
               </a:spcBef>
@@ -17926,9 +16697,6 @@
           </a:p>
           <a:p>
             <a:pPr marL="0" indent="0">
-              <a:lnSpc>
-                <a:spcPct val="120000"/>
-              </a:lnSpc>
               <a:spcBef>
                 <a:spcPts val="0"/>
               </a:spcBef>
@@ -17941,16 +16709,13 @@
           </a:p>
           <a:p>
             <a:pPr marL="0" indent="0">
-              <a:lnSpc>
-                <a:spcPct val="120000"/>
-              </a:lnSpc>
               <a:spcBef>
                 <a:spcPts val="0"/>
               </a:spcBef>
               <a:buNone/>
             </a:pPr>
             <a:r>
-              <a:rPr lang="en-US" sz="1800">
+              <a:rPr lang="en-US" sz="1600">
                 <a:highlight>
                   <a:srgbClr val="FCF7F1"/>
                 </a:highlight>
@@ -17958,7 +16723,7 @@
               <a:t>When creating a new account or changing passwords, </a:t>
             </a:r>
             <a:r>
-              <a:rPr lang="en-US" sz="1800" b="1">
+              <a:rPr lang="en-US" sz="1600" b="1">
                 <a:highlight>
                   <a:srgbClr val="FCF7F1"/>
                 </a:highlight>
@@ -17966,7 +16731,7 @@
               <a:t>"new-password"</a:t>
             </a:r>
             <a:r>
-              <a:rPr lang="en-US" sz="1800">
+              <a:rPr lang="en-US" sz="1600">
                 <a:highlight>
                   <a:srgbClr val="FCF7F1"/>
                 </a:highlight>
@@ -17974,7 +16739,7 @@
               <a:t> should be used for the </a:t>
             </a:r>
             <a:r>
-              <a:rPr lang="en-US" sz="1800" b="1">
+              <a:rPr lang="en-US" sz="1600" b="1">
                 <a:highlight>
                   <a:srgbClr val="FCF7F1"/>
                 </a:highlight>
@@ -17982,7 +16747,7 @@
               <a:t>"Enter your new password"</a:t>
             </a:r>
             <a:r>
-              <a:rPr lang="en-US" sz="1800">
+              <a:rPr lang="en-US" sz="1600">
                 <a:highlight>
                   <a:srgbClr val="FCF7F1"/>
                 </a:highlight>
@@ -17990,7 +16755,7 @@
               <a:t> and </a:t>
             </a:r>
             <a:r>
-              <a:rPr lang="en-US" sz="1800" b="1">
+              <a:rPr lang="en-US" sz="1600" b="1">
                 <a:highlight>
                   <a:srgbClr val="FCF7F1"/>
                 </a:highlight>
@@ -17998,7 +16763,7 @@
               <a:t>"Confirm new password"</a:t>
             </a:r>
             <a:r>
-              <a:rPr lang="en-US" sz="1800">
+              <a:rPr lang="en-US" sz="1600">
                 <a:highlight>
                   <a:srgbClr val="FCF7F1"/>
                 </a:highlight>
@@ -18008,16 +16773,13 @@
           </a:p>
           <a:p>
             <a:pPr marL="0" indent="0">
-              <a:lnSpc>
-                <a:spcPct val="120000"/>
-              </a:lnSpc>
               <a:spcBef>
                 <a:spcPts val="0"/>
               </a:spcBef>
               <a:buNone/>
             </a:pPr>
             <a:r>
-              <a:rPr lang="en-US" sz="1800">
+              <a:rPr lang="en-US" sz="1600">
                 <a:highlight>
                   <a:srgbClr val="FCF7F1"/>
                 </a:highlight>
@@ -18053,6 +16815,61 @@
               <a:t>40</a:t>
             </a:fld>
             <a:endParaRPr lang="en-US" dirty="0"/>
+          </a:p>
+        </p:txBody>
+      </p:sp>
+      <p:sp>
+        <p:nvSpPr>
+          <p:cNvPr id="6" name="TextBox 5">
+            <a:extLst>
+              <a:ext uri="{FF2B5EF4-FFF2-40B4-BE49-F238E27FC236}">
+                <a16:creationId xmlns:a16="http://schemas.microsoft.com/office/drawing/2014/main" id="{47FE6ED9-AD63-48DF-9AC3-9E32F6D67F6D}"/>
+              </a:ext>
+            </a:extLst>
+          </p:cNvPr>
+          <p:cNvSpPr txBox="1"/>
+          <p:nvPr/>
+        </p:nvSpPr>
+        <p:spPr>
+          <a:xfrm>
+            <a:off x="431800" y="6093023"/>
+            <a:ext cx="10274300" cy="307777"/>
+          </a:xfrm>
+          <a:prstGeom prst="rect">
+            <a:avLst/>
+          </a:prstGeom>
+          <a:noFill/>
+        </p:spPr>
+        <p:txBody>
+          <a:bodyPr wrap="square">
+            <a:spAutoFit/>
+          </a:bodyPr>
+          <a:lstStyle/>
+          <a:p>
+            <a:pPr marL="0" marR="0" lvl="0" indent="0" algn="l" defTabSz="914400" rtl="0" eaLnBrk="1" fontAlgn="auto" latinLnBrk="0" hangingPunct="1">
+              <a:lnSpc>
+                <a:spcPct val="100000"/>
+              </a:lnSpc>
+              <a:spcBef>
+                <a:spcPts val="0"/>
+              </a:spcBef>
+              <a:spcAft>
+                <a:spcPts val="0"/>
+              </a:spcAft>
+              <a:buClrTx/>
+              <a:buSzTx/>
+              <a:buFontTx/>
+              <a:buNone/>
+              <a:tabLst/>
+              <a:defRPr/>
+            </a:pPr>
+            <a:r>
+              <a:rPr lang="en-US" sz="1400">
+                <a:hlinkClick r:id="rId3"/>
+              </a:rPr>
+              <a:t>https://developer.mozilla.org/en-US/docs/Web/HTML/Attributes/autocomplete</a:t>
+            </a:r>
+            <a:endParaRPr lang="en-US" sz="1400"/>
           </a:p>
         </p:txBody>
       </p:sp>
@@ -18102,7 +16919,12 @@
             <p:ph type="title"/>
           </p:nvPr>
         </p:nvSpPr>
-        <p:spPr/>
+        <p:spPr>
+          <a:xfrm>
+            <a:off x="431800" y="312394"/>
+            <a:ext cx="10693400" cy="1371600"/>
+          </a:xfrm>
+        </p:spPr>
         <p:txBody>
           <a:bodyPr/>
           <a:lstStyle/>
@@ -18134,8 +16956,8 @@
         </p:nvSpPr>
         <p:spPr>
           <a:xfrm>
-            <a:off x="1066799" y="1781386"/>
-            <a:ext cx="10752667" cy="4253653"/>
+            <a:off x="431800" y="1333500"/>
+            <a:ext cx="9855200" cy="4619244"/>
           </a:xfrm>
         </p:spPr>
         <p:txBody>
@@ -18145,9 +16967,6 @@
           <a:lstStyle/>
           <a:p>
             <a:pPr marL="0" indent="0">
-              <a:lnSpc>
-                <a:spcPct val="120000"/>
-              </a:lnSpc>
               <a:spcBef>
                 <a:spcPts val="0"/>
               </a:spcBef>
@@ -18162,9 +16981,6 @@
           </a:p>
           <a:p>
             <a:pPr marL="0" indent="0">
-              <a:lnSpc>
-                <a:spcPct val="120000"/>
-              </a:lnSpc>
               <a:spcBef>
                 <a:spcPts val="0"/>
               </a:spcBef>
@@ -18181,9 +16997,6 @@
           </a:p>
           <a:p>
             <a:pPr marL="0" indent="0">
-              <a:lnSpc>
-                <a:spcPct val="120000"/>
-              </a:lnSpc>
               <a:spcBef>
                 <a:spcPts val="0"/>
               </a:spcBef>
@@ -18200,9 +17013,6 @@
           </a:p>
           <a:p>
             <a:pPr marL="0" indent="0">
-              <a:lnSpc>
-                <a:spcPct val="120000"/>
-              </a:lnSpc>
               <a:spcBef>
                 <a:spcPts val="0"/>
               </a:spcBef>
@@ -18219,9 +17029,6 @@
           </a:p>
           <a:p>
             <a:pPr marL="0" indent="0">
-              <a:lnSpc>
-                <a:spcPct val="120000"/>
-              </a:lnSpc>
               <a:spcBef>
                 <a:spcPts val="0"/>
               </a:spcBef>
@@ -18234,9 +17041,6 @@
           </a:p>
           <a:p>
             <a:pPr marL="0" indent="0">
-              <a:lnSpc>
-                <a:spcPct val="120000"/>
-              </a:lnSpc>
               <a:spcBef>
                 <a:spcPts val="0"/>
               </a:spcBef>
@@ -18261,9 +17065,6 @@
           </a:p>
           <a:p>
             <a:pPr marL="0" indent="0">
-              <a:lnSpc>
-                <a:spcPct val="120000"/>
-              </a:lnSpc>
               <a:spcBef>
                 <a:spcPts val="0"/>
               </a:spcBef>
@@ -18276,9 +17077,6 @@
           </a:p>
           <a:p>
             <a:pPr marL="0" indent="0">
-              <a:lnSpc>
-                <a:spcPct val="120000"/>
-              </a:lnSpc>
               <a:spcBef>
                 <a:spcPts val="0"/>
               </a:spcBef>
@@ -18295,9 +17093,6 @@
           </a:p>
           <a:p>
             <a:pPr marL="0" indent="0">
-              <a:lnSpc>
-                <a:spcPct val="120000"/>
-              </a:lnSpc>
               <a:spcBef>
                 <a:spcPts val="0"/>
               </a:spcBef>
@@ -18318,9 +17113,6 @@
           </a:p>
           <a:p>
             <a:pPr marL="0" indent="0">
-              <a:lnSpc>
-                <a:spcPct val="120000"/>
-              </a:lnSpc>
               <a:spcBef>
                 <a:spcPts val="0"/>
               </a:spcBef>
@@ -18337,9 +17129,6 @@
           </a:p>
           <a:p>
             <a:pPr marL="0" indent="0">
-              <a:lnSpc>
-                <a:spcPct val="120000"/>
-              </a:lnSpc>
               <a:spcBef>
                 <a:spcPts val="0"/>
               </a:spcBef>
@@ -18351,39 +17140,40 @@
             </a:r>
             <a:r>
               <a:rPr lang="en-US" sz="1800"/>
-              <a:t>		The second line of the street address. (Apartment #, Studio #, PO Box)</a:t>
+              <a:t>		The second line of the street address. </a:t>
             </a:r>
           </a:p>
           <a:p>
             <a:pPr marL="0" indent="0">
-              <a:lnSpc>
-                <a:spcPct val="120000"/>
-              </a:lnSpc>
               <a:spcBef>
                 <a:spcPts val="0"/>
               </a:spcBef>
               <a:buNone/>
             </a:pPr>
             <a:r>
-              <a:rPr lang="en-US" sz="1800" b="1"/>
-              <a:t>postal-code</a:t>
+              <a:rPr lang="en-US"/>
+              <a:t>			</a:t>
             </a:r>
             <a:r>
               <a:rPr lang="en-US" sz="1800"/>
-              <a:t>		A postal code (in the United States, this is the ZIP code).</a:t>
+              <a:t>(Apartment #, Studio #, PO Box, etc)</a:t>
             </a:r>
           </a:p>
           <a:p>
             <a:pPr marL="0" indent="0">
-              <a:lnSpc>
-                <a:spcPct val="120000"/>
-              </a:lnSpc>
               <a:spcBef>
                 <a:spcPts val="0"/>
               </a:spcBef>
               <a:buNone/>
             </a:pPr>
-            <a:endParaRPr lang="en-US" sz="1800"/>
+            <a:r>
+              <a:rPr lang="en-US" sz="1800" b="1"/>
+              <a:t>postal-code</a:t>
+            </a:r>
+            <a:r>
+              <a:rPr lang="en-US" sz="1800"/>
+              <a:t>		A postal code (in the United States, this is the ZIP code).</a:t>
+            </a:r>
           </a:p>
         </p:txBody>
       </p:sp>
@@ -18413,6 +17203,61 @@
               <a:t>41</a:t>
             </a:fld>
             <a:endParaRPr lang="en-US" dirty="0"/>
+          </a:p>
+        </p:txBody>
+      </p:sp>
+      <p:sp>
+        <p:nvSpPr>
+          <p:cNvPr id="6" name="TextBox 5">
+            <a:extLst>
+              <a:ext uri="{FF2B5EF4-FFF2-40B4-BE49-F238E27FC236}">
+                <a16:creationId xmlns:a16="http://schemas.microsoft.com/office/drawing/2014/main" id="{9523D3E9-CE54-4B24-90CB-2EBC1C6F8EC9}"/>
+              </a:ext>
+            </a:extLst>
+          </p:cNvPr>
+          <p:cNvSpPr txBox="1"/>
+          <p:nvPr/>
+        </p:nvSpPr>
+        <p:spPr>
+          <a:xfrm>
+            <a:off x="431800" y="6093023"/>
+            <a:ext cx="10274300" cy="307777"/>
+          </a:xfrm>
+          <a:prstGeom prst="rect">
+            <a:avLst/>
+          </a:prstGeom>
+          <a:noFill/>
+        </p:spPr>
+        <p:txBody>
+          <a:bodyPr wrap="square">
+            <a:spAutoFit/>
+          </a:bodyPr>
+          <a:lstStyle/>
+          <a:p>
+            <a:pPr marL="0" marR="0" lvl="0" indent="0" algn="l" defTabSz="914400" rtl="0" eaLnBrk="1" fontAlgn="auto" latinLnBrk="0" hangingPunct="1">
+              <a:lnSpc>
+                <a:spcPct val="100000"/>
+              </a:lnSpc>
+              <a:spcBef>
+                <a:spcPts val="0"/>
+              </a:spcBef>
+              <a:spcAft>
+                <a:spcPts val="0"/>
+              </a:spcAft>
+              <a:buClrTx/>
+              <a:buSzTx/>
+              <a:buFontTx/>
+              <a:buNone/>
+              <a:tabLst/>
+              <a:defRPr/>
+            </a:pPr>
+            <a:r>
+              <a:rPr lang="en-US" sz="1400">
+                <a:hlinkClick r:id="rId3"/>
+              </a:rPr>
+              <a:t>https://developer.mozilla.org/en-US/docs/Web/HTML/Attributes/autocomplete</a:t>
+            </a:r>
+            <a:endParaRPr lang="en-US" sz="1400"/>
           </a:p>
         </p:txBody>
       </p:sp>
@@ -18462,7 +17307,12 @@
             <p:ph type="title"/>
           </p:nvPr>
         </p:nvSpPr>
-        <p:spPr/>
+        <p:spPr>
+          <a:xfrm>
+            <a:off x="431800" y="642594"/>
+            <a:ext cx="10693400" cy="1371600"/>
+          </a:xfrm>
+        </p:spPr>
         <p:txBody>
           <a:bodyPr/>
           <a:lstStyle/>
@@ -18494,8 +17344,8 @@
         </p:nvSpPr>
         <p:spPr>
           <a:xfrm>
-            <a:off x="1066799" y="1781386"/>
-            <a:ext cx="10752667" cy="4253653"/>
+            <a:off x="431800" y="2103120"/>
+            <a:ext cx="10693400" cy="3849624"/>
           </a:xfrm>
         </p:spPr>
         <p:txBody>
@@ -18505,9 +17355,6 @@
           <a:lstStyle/>
           <a:p>
             <a:pPr marL="0" indent="0">
-              <a:lnSpc>
-                <a:spcPct val="120000"/>
-              </a:lnSpc>
               <a:spcBef>
                 <a:spcPts val="0"/>
               </a:spcBef>
@@ -18522,9 +17369,6 @@
           </a:p>
           <a:p>
             <a:pPr marL="0" indent="0">
-              <a:lnSpc>
-                <a:spcPct val="120000"/>
-              </a:lnSpc>
               <a:spcBef>
                 <a:spcPts val="0"/>
               </a:spcBef>
@@ -18541,9 +17385,6 @@
           </a:p>
           <a:p>
             <a:pPr marL="0" indent="0">
-              <a:lnSpc>
-                <a:spcPct val="120000"/>
-              </a:lnSpc>
               <a:spcBef>
                 <a:spcPts val="0"/>
               </a:spcBef>
@@ -18560,9 +17401,6 @@
           </a:p>
           <a:p>
             <a:pPr marL="0" indent="0">
-              <a:lnSpc>
-                <a:spcPct val="120000"/>
-              </a:lnSpc>
               <a:spcBef>
                 <a:spcPts val="0"/>
               </a:spcBef>
@@ -18579,9 +17417,6 @@
           </a:p>
           <a:p>
             <a:pPr marL="0" indent="0">
-              <a:lnSpc>
-                <a:spcPct val="120000"/>
-              </a:lnSpc>
               <a:spcBef>
                 <a:spcPts val="0"/>
               </a:spcBef>
@@ -18598,9 +17433,6 @@
           </a:p>
           <a:p>
             <a:pPr marL="0" indent="0">
-              <a:lnSpc>
-                <a:spcPct val="120000"/>
-              </a:lnSpc>
               <a:spcBef>
                 <a:spcPts val="0"/>
               </a:spcBef>
@@ -18617,9 +17449,6 @@
           </a:p>
           <a:p>
             <a:pPr marL="0" indent="0">
-              <a:lnSpc>
-                <a:spcPct val="120000"/>
-              </a:lnSpc>
               <a:spcBef>
                 <a:spcPts val="0"/>
               </a:spcBef>
@@ -18636,9 +17465,6 @@
           </a:p>
           <a:p>
             <a:pPr marL="0" indent="0">
-              <a:lnSpc>
-                <a:spcPct val="120000"/>
-              </a:lnSpc>
               <a:spcBef>
                 <a:spcPts val="0"/>
               </a:spcBef>
@@ -18655,9 +17481,6 @@
           </a:p>
           <a:p>
             <a:pPr marL="0" indent="0">
-              <a:lnSpc>
-                <a:spcPct val="120000"/>
-              </a:lnSpc>
               <a:spcBef>
                 <a:spcPts val="0"/>
               </a:spcBef>
@@ -18700,6 +17523,61 @@
               <a:t>42</a:t>
             </a:fld>
             <a:endParaRPr lang="en-US" dirty="0"/>
+          </a:p>
+        </p:txBody>
+      </p:sp>
+      <p:sp>
+        <p:nvSpPr>
+          <p:cNvPr id="6" name="TextBox 5">
+            <a:extLst>
+              <a:ext uri="{FF2B5EF4-FFF2-40B4-BE49-F238E27FC236}">
+                <a16:creationId xmlns:a16="http://schemas.microsoft.com/office/drawing/2014/main" id="{2866A5ED-41B7-42B2-80ED-B9C93BA6160A}"/>
+              </a:ext>
+            </a:extLst>
+          </p:cNvPr>
+          <p:cNvSpPr txBox="1"/>
+          <p:nvPr/>
+        </p:nvSpPr>
+        <p:spPr>
+          <a:xfrm>
+            <a:off x="431800" y="6093023"/>
+            <a:ext cx="10274300" cy="307777"/>
+          </a:xfrm>
+          <a:prstGeom prst="rect">
+            <a:avLst/>
+          </a:prstGeom>
+          <a:noFill/>
+        </p:spPr>
+        <p:txBody>
+          <a:bodyPr wrap="square">
+            <a:spAutoFit/>
+          </a:bodyPr>
+          <a:lstStyle/>
+          <a:p>
+            <a:pPr marL="0" marR="0" lvl="0" indent="0" algn="l" defTabSz="914400" rtl="0" eaLnBrk="1" fontAlgn="auto" latinLnBrk="0" hangingPunct="1">
+              <a:lnSpc>
+                <a:spcPct val="100000"/>
+              </a:lnSpc>
+              <a:spcBef>
+                <a:spcPts val="0"/>
+              </a:spcBef>
+              <a:spcAft>
+                <a:spcPts val="0"/>
+              </a:spcAft>
+              <a:buClrTx/>
+              <a:buSzTx/>
+              <a:buFontTx/>
+              <a:buNone/>
+              <a:tabLst/>
+              <a:defRPr/>
+            </a:pPr>
+            <a:r>
+              <a:rPr lang="en-US" sz="1400">
+                <a:hlinkClick r:id="rId3"/>
+              </a:rPr>
+              <a:t>https://developer.mozilla.org/en-US/docs/Web/HTML/Attributes/autocomplete</a:t>
+            </a:r>
+            <a:endParaRPr lang="en-US" sz="1400"/>
           </a:p>
         </p:txBody>
       </p:sp>
@@ -18749,7 +17627,12 @@
             <p:ph type="title"/>
           </p:nvPr>
         </p:nvSpPr>
-        <p:spPr/>
+        <p:spPr>
+          <a:xfrm>
+            <a:off x="431800" y="642594"/>
+            <a:ext cx="10693400" cy="1371600"/>
+          </a:xfrm>
+        </p:spPr>
         <p:txBody>
           <a:bodyPr/>
           <a:lstStyle/>
@@ -18781,8 +17664,8 @@
         </p:nvSpPr>
         <p:spPr>
           <a:xfrm>
-            <a:off x="1066799" y="1781386"/>
-            <a:ext cx="10752667" cy="4253653"/>
+            <a:off x="431800" y="2103120"/>
+            <a:ext cx="10693400" cy="3849624"/>
           </a:xfrm>
         </p:spPr>
         <p:txBody>
@@ -18792,9 +17675,6 @@
           <a:lstStyle/>
           <a:p>
             <a:pPr marL="0" indent="0">
-              <a:lnSpc>
-                <a:spcPct val="120000"/>
-              </a:lnSpc>
               <a:spcBef>
                 <a:spcPts val="0"/>
               </a:spcBef>
@@ -18809,9 +17689,6 @@
           </a:p>
           <a:p>
             <a:pPr marL="0" indent="0">
-              <a:lnSpc>
-                <a:spcPct val="120000"/>
-              </a:lnSpc>
               <a:spcBef>
                 <a:spcPts val="0"/>
               </a:spcBef>
@@ -18828,9 +17705,6 @@
           </a:p>
           <a:p>
             <a:pPr marL="0" indent="0">
-              <a:lnSpc>
-                <a:spcPct val="120000"/>
-              </a:lnSpc>
               <a:spcBef>
                 <a:spcPts val="0"/>
               </a:spcBef>
@@ -18847,9 +17721,6 @@
           </a:p>
           <a:p>
             <a:pPr marL="0" indent="0">
-              <a:lnSpc>
-                <a:spcPct val="120000"/>
-              </a:lnSpc>
               <a:spcBef>
                 <a:spcPts val="0"/>
               </a:spcBef>
@@ -18866,9 +17737,6 @@
           </a:p>
           <a:p>
             <a:pPr marL="0" indent="0">
-              <a:lnSpc>
-                <a:spcPct val="120000"/>
-              </a:lnSpc>
               <a:spcBef>
                 <a:spcPts val="0"/>
               </a:spcBef>
@@ -18885,9 +17753,6 @@
           </a:p>
           <a:p>
             <a:pPr marL="0" indent="0">
-              <a:lnSpc>
-                <a:spcPct val="120000"/>
-              </a:lnSpc>
               <a:spcBef>
                 <a:spcPts val="0"/>
               </a:spcBef>
@@ -18904,9 +17769,6 @@
           </a:p>
           <a:p>
             <a:pPr marL="0" indent="0">
-              <a:lnSpc>
-                <a:spcPct val="120000"/>
-              </a:lnSpc>
               <a:spcBef>
                 <a:spcPts val="0"/>
               </a:spcBef>
@@ -18923,9 +17785,6 @@
           </a:p>
           <a:p>
             <a:pPr marL="0" indent="0">
-              <a:lnSpc>
-                <a:spcPct val="120000"/>
-              </a:lnSpc>
               <a:spcBef>
                 <a:spcPts val="0"/>
               </a:spcBef>
@@ -18964,6 +17823,61 @@
               <a:t>43</a:t>
             </a:fld>
             <a:endParaRPr lang="en-US" dirty="0"/>
+          </a:p>
+        </p:txBody>
+      </p:sp>
+      <p:sp>
+        <p:nvSpPr>
+          <p:cNvPr id="6" name="TextBox 5">
+            <a:extLst>
+              <a:ext uri="{FF2B5EF4-FFF2-40B4-BE49-F238E27FC236}">
+                <a16:creationId xmlns:a16="http://schemas.microsoft.com/office/drawing/2014/main" id="{C8BA9576-5790-4B16-883A-EE1C6A33DC52}"/>
+              </a:ext>
+            </a:extLst>
+          </p:cNvPr>
+          <p:cNvSpPr txBox="1"/>
+          <p:nvPr/>
+        </p:nvSpPr>
+        <p:spPr>
+          <a:xfrm>
+            <a:off x="431800" y="6093023"/>
+            <a:ext cx="10274300" cy="307777"/>
+          </a:xfrm>
+          <a:prstGeom prst="rect">
+            <a:avLst/>
+          </a:prstGeom>
+          <a:noFill/>
+        </p:spPr>
+        <p:txBody>
+          <a:bodyPr wrap="square">
+            <a:spAutoFit/>
+          </a:bodyPr>
+          <a:lstStyle/>
+          <a:p>
+            <a:pPr marL="0" marR="0" lvl="0" indent="0" algn="l" defTabSz="914400" rtl="0" eaLnBrk="1" fontAlgn="auto" latinLnBrk="0" hangingPunct="1">
+              <a:lnSpc>
+                <a:spcPct val="100000"/>
+              </a:lnSpc>
+              <a:spcBef>
+                <a:spcPts val="0"/>
+              </a:spcBef>
+              <a:spcAft>
+                <a:spcPts val="0"/>
+              </a:spcAft>
+              <a:buClrTx/>
+              <a:buSzTx/>
+              <a:buFontTx/>
+              <a:buNone/>
+              <a:tabLst/>
+              <a:defRPr/>
+            </a:pPr>
+            <a:r>
+              <a:rPr lang="en-US" sz="1400">
+                <a:hlinkClick r:id="rId3"/>
+              </a:rPr>
+              <a:t>https://developer.mozilla.org/en-US/docs/Web/HTML/Attributes/autocomplete</a:t>
+            </a:r>
+            <a:endParaRPr lang="en-US" sz="1400"/>
           </a:p>
         </p:txBody>
       </p:sp>
@@ -19130,8 +18044,8 @@
         </p:nvSpPr>
         <p:spPr>
           <a:xfrm>
-            <a:off x="1066800" y="642594"/>
-            <a:ext cx="4458511" cy="1371600"/>
+            <a:off x="556706" y="642594"/>
+            <a:ext cx="4968605" cy="1371600"/>
           </a:xfrm>
         </p:spPr>
         <p:txBody>
@@ -19166,8 +18080,8 @@
         </p:nvSpPr>
         <p:spPr>
           <a:xfrm>
-            <a:off x="1066800" y="2103120"/>
-            <a:ext cx="4458511" cy="3849624"/>
+            <a:off x="556706" y="2103120"/>
+            <a:ext cx="4968605" cy="3849624"/>
           </a:xfrm>
         </p:spPr>
         <p:txBody>
@@ -19182,6 +18096,15 @@
             <a:r>
               <a:rPr lang="en-US" sz="2000" b="1"/>
               <a:t>See examples/example_form.html</a:t>
+            </a:r>
+          </a:p>
+          <a:p>
+            <a:pPr marL="0" indent="0">
+              <a:buNone/>
+            </a:pPr>
+            <a:r>
+              <a:rPr lang="en-US" sz="2000" b="1"/>
+              <a:t>in GitHub</a:t>
             </a:r>
           </a:p>
         </p:txBody>
@@ -19437,6 +18360,10 @@
           </a:bodyPr>
           <a:lstStyle/>
           <a:p>
+            <a:pPr marL="342900" indent="-342900">
+              <a:buFont typeface="Arial" panose="020B0604020202020204" pitchFamily="34" charset="0"/>
+              <a:buChar char="•"/>
+            </a:pPr>
             <a:r>
               <a:rPr lang="en-US" sz="2400">
                 <a:cs typeface="Arial" panose="020B0604020202020204" pitchFamily="34" charset="0"/>
@@ -19451,6 +18378,10 @@
             </a:r>
           </a:p>
           <a:p>
+            <a:pPr marL="342900" indent="-342900">
+              <a:buFont typeface="Arial" panose="020B0604020202020204" pitchFamily="34" charset="0"/>
+              <a:buChar char="•"/>
+            </a:pPr>
             <a:r>
               <a:rPr lang="en-US" sz="2400" dirty="0">
                 <a:cs typeface="Arial" panose="020B0604020202020204" pitchFamily="34" charset="0"/>
@@ -19459,6 +18390,10 @@
             </a:r>
           </a:p>
           <a:p>
+            <a:pPr marL="342900" indent="-342900">
+              <a:buFont typeface="Arial" panose="020B0604020202020204" pitchFamily="34" charset="0"/>
+              <a:buChar char="•"/>
+            </a:pPr>
             <a:r>
               <a:rPr lang="en-US" sz="2400" dirty="0">
                 <a:cs typeface="Arial" panose="020B0604020202020204" pitchFamily="34" charset="0"/>
@@ -19467,6 +18402,10 @@
             </a:r>
           </a:p>
           <a:p>
+            <a:pPr marL="342900" indent="-342900">
+              <a:buFont typeface="Arial" panose="020B0604020202020204" pitchFamily="34" charset="0"/>
+              <a:buChar char="•"/>
+            </a:pPr>
             <a:r>
               <a:rPr lang="en-US" sz="2400" dirty="0">
                 <a:cs typeface="Arial" panose="020B0604020202020204" pitchFamily="34" charset="0"/>
@@ -19475,6 +18414,10 @@
             </a:r>
           </a:p>
           <a:p>
+            <a:pPr marL="342900" indent="-342900">
+              <a:buFont typeface="Arial" panose="020B0604020202020204" pitchFamily="34" charset="0"/>
+              <a:buChar char="•"/>
+            </a:pPr>
             <a:r>
               <a:rPr lang="en-US" sz="2400" dirty="0">
                 <a:cs typeface="Arial" panose="020B0604020202020204" pitchFamily="34" charset="0"/>
@@ -19483,6 +18426,10 @@
             </a:r>
           </a:p>
           <a:p>
+            <a:pPr marL="342900" indent="-342900">
+              <a:buFont typeface="Arial" panose="020B0604020202020204" pitchFamily="34" charset="0"/>
+              <a:buChar char="•"/>
+            </a:pPr>
             <a:r>
               <a:rPr lang="en-US" sz="2400" dirty="0">
                 <a:cs typeface="Arial" panose="020B0604020202020204" pitchFamily="34" charset="0"/>
@@ -19599,6 +18546,10 @@
           </a:bodyPr>
           <a:lstStyle/>
           <a:p>
+            <a:pPr marL="285750" indent="-285750">
+              <a:buFont typeface="Arial" panose="020B0604020202020204" pitchFamily="34" charset="0"/>
+              <a:buChar char="•"/>
+            </a:pPr>
             <a:r>
               <a:rPr lang="en-US" sz="1800">
                 <a:solidFill>
@@ -19621,6 +18572,10 @@
             </a:endParaRPr>
           </a:p>
           <a:p>
+            <a:pPr marL="285750" indent="-285750">
+              <a:buFont typeface="Arial" panose="020B0604020202020204" pitchFamily="34" charset="0"/>
+              <a:buChar char="•"/>
+            </a:pPr>
             <a:r>
               <a:rPr lang="en-US" sz="1800">
                 <a:solidFill>
@@ -19643,6 +18598,10 @@
             </a:endParaRPr>
           </a:p>
           <a:p>
+            <a:pPr marL="285750" indent="-285750">
+              <a:buFont typeface="Arial" panose="020B0604020202020204" pitchFamily="34" charset="0"/>
+              <a:buChar char="•"/>
+            </a:pPr>
             <a:r>
               <a:rPr lang="en-US" sz="1800">
                 <a:solidFill>
@@ -19660,6 +18619,10 @@
             </a:r>
           </a:p>
           <a:p>
+            <a:pPr marL="285750" indent="-285750">
+              <a:buFont typeface="Arial" panose="020B0604020202020204" pitchFamily="34" charset="0"/>
+              <a:buChar char="•"/>
+            </a:pPr>
             <a:r>
               <a:rPr lang="en-US" sz="1800">
                 <a:solidFill>
@@ -19682,6 +18645,10 @@
             </a:endParaRPr>
           </a:p>
           <a:p>
+            <a:pPr marL="285750" indent="-285750">
+              <a:buFont typeface="Arial" panose="020B0604020202020204" pitchFamily="34" charset="0"/>
+              <a:buChar char="•"/>
+            </a:pPr>
             <a:r>
               <a:rPr lang="en-US" sz="1800">
                 <a:solidFill>
@@ -19704,6 +18671,10 @@
             </a:endParaRPr>
           </a:p>
           <a:p>
+            <a:pPr marL="285750" indent="-285750">
+              <a:buFont typeface="Arial" panose="020B0604020202020204" pitchFamily="34" charset="0"/>
+              <a:buChar char="•"/>
+            </a:pPr>
             <a:r>
               <a:rPr lang="en-US" sz="1800">
                 <a:solidFill>
@@ -19726,6 +18697,10 @@
             </a:endParaRPr>
           </a:p>
           <a:p>
+            <a:pPr marL="285750" indent="-285750">
+              <a:buFont typeface="Arial" panose="020B0604020202020204" pitchFamily="34" charset="0"/>
+              <a:buChar char="•"/>
+            </a:pPr>
             <a:r>
               <a:rPr lang="en-US" sz="1800">
                 <a:solidFill>
@@ -20020,10 +18995,28 @@
               <a:buNone/>
             </a:pPr>
             <a:r>
+              <a:rPr lang="en-US" sz="2400">
+                <a:cs typeface="Arial" panose="020B0604020202020204" pitchFamily="34" charset="0"/>
+              </a:rPr>
+              <a:t>Normally, the </a:t>
+            </a:r>
+            <a:r>
               <a:rPr lang="en-US" sz="2400" dirty="0">
                 <a:cs typeface="Arial" panose="020B0604020202020204" pitchFamily="34" charset="0"/>
               </a:rPr>
-              <a:t>The form will then normally post the validated input to a back-end application such as Node.js, ASP.NET or PHP. </a:t>
+              <a:t>form </a:t>
+            </a:r>
+            <a:r>
+              <a:rPr lang="en-US" sz="2400">
+                <a:cs typeface="Arial" panose="020B0604020202020204" pitchFamily="34" charset="0"/>
+              </a:rPr>
+              <a:t>will post </a:t>
+            </a:r>
+            <a:r>
+              <a:rPr lang="en-US" sz="2400" dirty="0">
+                <a:cs typeface="Arial" panose="020B0604020202020204" pitchFamily="34" charset="0"/>
+              </a:rPr>
+              <a:t>the validated input to a back-end application such as Node.js, ASP.NET or PHP. </a:t>
             </a:r>
           </a:p>
           <a:p>
@@ -20560,21 +19553,26 @@
             <p:ph idx="1"/>
           </p:nvPr>
         </p:nvSpPr>
-        <p:spPr/>
+        <p:spPr>
+          <a:xfrm>
+            <a:off x="1066800" y="2103120"/>
+            <a:ext cx="8665675" cy="3849624"/>
+          </a:xfrm>
+        </p:spPr>
         <p:txBody>
           <a:bodyPr>
             <a:noAutofit/>
           </a:bodyPr>
           <a:lstStyle/>
           <a:p>
-            <a:pPr indent="0">
+            <a:pPr marL="0" indent="0">
               <a:buNone/>
             </a:pPr>
             <a:r>
               <a:rPr lang="en-US" sz="1800" b="1" u="sng" dirty="0">
                 <a:cs typeface="Arial" panose="020B0604020202020204" pitchFamily="34" charset="0"/>
               </a:rPr>
-              <a:t>Attribute	</a:t>
+              <a:t>Attribute</a:t>
             </a:r>
             <a:r>
               <a:rPr lang="en-US" sz="1800" b="1" u="sng">
@@ -20590,7 +19588,7 @@
             </a:r>
           </a:p>
           <a:p>
-            <a:pPr indent="0">
+            <a:pPr marL="0" indent="0">
               <a:buNone/>
             </a:pPr>
             <a:r>
@@ -20603,14 +19601,14 @@
               <a:rPr lang="en-US" sz="1800">
                 <a:cs typeface="Arial" panose="020B0604020202020204" pitchFamily="34" charset="0"/>
               </a:rPr>
-              <a:t>			ID of form, used by JavaScript</a:t>
+              <a:t>		ID of form, used by JavaScript</a:t>
             </a:r>
             <a:endParaRPr lang="en-US" sz="1800" b="1">
               <a:cs typeface="Arial" panose="020B0604020202020204" pitchFamily="34" charset="0"/>
             </a:endParaRPr>
           </a:p>
           <a:p>
-            <a:pPr indent="0">
+            <a:pPr marL="0" indent="0">
               <a:buNone/>
             </a:pPr>
             <a:r>
@@ -20623,7 +19621,7 @@
               <a:rPr lang="en-US" sz="1800" dirty="0">
                 <a:cs typeface="Arial" panose="020B0604020202020204" pitchFamily="34" charset="0"/>
               </a:rPr>
-              <a:t>		</a:t>
+              <a:t>	</a:t>
             </a:r>
             <a:r>
               <a:rPr lang="en-US" sz="1800">
@@ -20648,7 +19646,7 @@
             </a:endParaRPr>
           </a:p>
           <a:p>
-            <a:pPr indent="0">
+            <a:pPr marL="0" indent="0">
               <a:buNone/>
             </a:pPr>
             <a:r>
@@ -20686,7 +19684,7 @@
             </a:endParaRPr>
           </a:p>
           <a:p>
-            <a:pPr indent="0">
+            <a:pPr marL="0" indent="0">
               <a:buNone/>
             </a:pPr>
             <a:r>
@@ -20696,10 +19694,16 @@
               <a:t>enctype</a:t>
             </a:r>
             <a:r>
+              <a:rPr lang="en-US" sz="1800">
+                <a:cs typeface="Arial" panose="020B0604020202020204" pitchFamily="34" charset="0"/>
+              </a:rPr>
+              <a:t>	Used </a:t>
+            </a:r>
+            <a:r>
               <a:rPr lang="en-US" sz="1800" dirty="0">
                 <a:cs typeface="Arial" panose="020B0604020202020204" pitchFamily="34" charset="0"/>
               </a:rPr>
-              <a:t>		Used to specify how the </a:t>
+              <a:t>to specify how the </a:t>
             </a:r>
             <a:r>
               <a:rPr lang="en-US" sz="1800">
@@ -20709,7 +19713,7 @@
             </a:r>
           </a:p>
           <a:p>
-            <a:pPr indent="0">
+            <a:pPr marL="0" indent="0">
               <a:buNone/>
             </a:pPr>
             <a:r>
@@ -20722,14 +19726,14 @@
               <a:rPr lang="en-US" sz="1800">
                 <a:cs typeface="Arial" panose="020B0604020202020204" pitchFamily="34" charset="0"/>
               </a:rPr>
-              <a:t>		Disables client-side validation of form.</a:t>
+              <a:t>	Disables client-side validation of form.</a:t>
             </a:r>
             <a:endParaRPr lang="en-US" sz="1800" dirty="0">
               <a:cs typeface="Arial" panose="020B0604020202020204" pitchFamily="34" charset="0"/>
             </a:endParaRPr>
           </a:p>
           <a:p>
-            <a:pPr indent="0">
+            <a:pPr marL="0" indent="0">
               <a:buNone/>
             </a:pPr>
             <a:endParaRPr lang="en-US" sz="1800" dirty="0">
@@ -20737,46 +19741,67 @@
             </a:endParaRPr>
           </a:p>
           <a:p>
-            <a:pPr indent="0">
-              <a:buNone/>
-            </a:pPr>
-            <a:r>
-              <a:rPr lang="en-US" sz="1800" dirty="0">
-                <a:cs typeface="Arial" panose="020B0604020202020204" pitchFamily="34" charset="0"/>
-              </a:rPr>
-              <a:t>NOTE: These are optional, </a:t>
-            </a:r>
-            <a:r>
-              <a:rPr lang="en-US" sz="1800">
-                <a:cs typeface="Arial" panose="020B0604020202020204" pitchFamily="34" charset="0"/>
-              </a:rPr>
-              <a:t>though </a:t>
-            </a:r>
-            <a:r>
-              <a:rPr lang="en-US" sz="1800" b="1">
+            <a:pPr marL="0" indent="0">
+              <a:buNone/>
+            </a:pPr>
+            <a:r>
+              <a:rPr lang="en-US" sz="1600" dirty="0">
+                <a:highlight>
+                  <a:srgbClr val="FCF7F1"/>
+                </a:highlight>
+                <a:cs typeface="Arial" panose="020B0604020202020204" pitchFamily="34" charset="0"/>
+              </a:rPr>
+              <a:t>NOTE: These are optional</a:t>
+            </a:r>
+            <a:r>
+              <a:rPr lang="en-US" sz="1600">
+                <a:highlight>
+                  <a:srgbClr val="FCF7F1"/>
+                </a:highlight>
+                <a:cs typeface="Arial" panose="020B0604020202020204" pitchFamily="34" charset="0"/>
+              </a:rPr>
+              <a:t>, but </a:t>
+            </a:r>
+            <a:r>
+              <a:rPr lang="en-US" sz="1600" b="1">
+                <a:highlight>
+                  <a:srgbClr val="FCF7F1"/>
+                </a:highlight>
                 <a:cs typeface="Arial" panose="020B0604020202020204" pitchFamily="34" charset="0"/>
               </a:rPr>
               <a:t>action </a:t>
             </a:r>
             <a:r>
-              <a:rPr lang="en-US" sz="1800" b="1" dirty="0">
+              <a:rPr lang="en-US" sz="1600" b="1" dirty="0">
+                <a:highlight>
+                  <a:srgbClr val="FCF7F1"/>
+                </a:highlight>
                 <a:cs typeface="Arial" panose="020B0604020202020204" pitchFamily="34" charset="0"/>
               </a:rPr>
               <a:t>and </a:t>
             </a:r>
             <a:r>
-              <a:rPr lang="en-US" sz="1800" b="1">
+              <a:rPr lang="en-US" sz="1600" b="1">
+                <a:highlight>
+                  <a:srgbClr val="FCF7F1"/>
+                </a:highlight>
                 <a:cs typeface="Arial" panose="020B0604020202020204" pitchFamily="34" charset="0"/>
               </a:rPr>
               <a:t>method</a:t>
             </a:r>
             <a:r>
-              <a:rPr lang="en-US" sz="1800">
+              <a:rPr lang="en-US" sz="1600">
+                <a:highlight>
+                  <a:srgbClr val="FCF7F1"/>
+                </a:highlight>
                 <a:cs typeface="Arial" panose="020B0604020202020204" pitchFamily="34" charset="0"/>
               </a:rPr>
               <a:t> should always be specified.</a:t>
             </a:r>
-            <a:endParaRPr lang="en-US" sz="1800" dirty="0">
+            <a:endParaRPr lang="en-US" sz="1600" dirty="0">
+              <a:highlight>
+                <a:srgbClr val="FCF7F1"/>
+              </a:highlight>
               <a:cs typeface="Arial" panose="020B0604020202020204" pitchFamily="34" charset="0"/>
             </a:endParaRPr>
           </a:p>
@@ -21400,15 +20425,6 @@
 </file>
 
 <file path=customXml/item1.xml><?xml version="1.0" encoding="utf-8"?>
-<?mso-contentType ?>
-<FormTemplates xmlns="http://schemas.microsoft.com/sharepoint/v3/contenttype/forms">
-  <Display>DocumentLibraryForm</Display>
-  <Edit>DocumentLibraryForm</Edit>
-  <New>DocumentLibraryForm</New>
-</FormTemplates>
-</file>
-
-<file path=customXml/item2.xml><?xml version="1.0" encoding="utf-8"?>
 <p:properties xmlns:p="http://schemas.microsoft.com/office/2006/metadata/properties" xmlns:xsi="http://www.w3.org/2001/XMLSchema-instance" xmlns:pc="http://schemas.microsoft.com/office/infopath/2007/PartnerControls">
   <documentManagement>
     <Status xmlns="71af3243-3dd4-4a8d-8c0d-dd76da1f02a5">Not started</Status>
@@ -21417,7 +20433,7 @@
 </p:properties>
 </file>
 
-<file path=customXml/item3.xml><?xml version="1.0" encoding="utf-8"?>
+<file path=customXml/item2.xml><?xml version="1.0" encoding="utf-8"?>
 <ct:contentTypeSchema xmlns:ct="http://schemas.microsoft.com/office/2006/metadata/contentType" xmlns:ma="http://schemas.microsoft.com/office/2006/metadata/properties/metaAttributes" ct:_="" ma:_="" ma:contentTypeName="Document" ma:contentTypeID="0x01010079F111ED35F8CC479449609E8A0923A6" ma:contentTypeVersion="12" ma:contentTypeDescription="Create a new document." ma:contentTypeScope="" ma:versionID="a410dd7f93c95333ffa1b60ed6adedd1">
   <xsd:schema xmlns:xsd="http://www.w3.org/2001/XMLSchema" xmlns:xs="http://www.w3.org/2001/XMLSchema" xmlns:p="http://schemas.microsoft.com/office/2006/metadata/properties" xmlns:ns2="71af3243-3dd4-4a8d-8c0d-dd76da1f02a5" xmlns:ns3="16c05727-aa75-4e4a-9b5f-8a80a1165891" targetNamespace="http://schemas.microsoft.com/office/2006/metadata/properties" ma:root="true" ma:fieldsID="a936d9baba76aa3866493feff160faab" ns2:_="" ns3:_="">
     <xsd:import namespace="71af3243-3dd4-4a8d-8c0d-dd76da1f02a5"/>
@@ -21638,15 +20654,16 @@
 </ct:contentTypeSchema>
 </file>
 
-<file path=customXml/itemProps1.xml><?xml version="1.0" encoding="utf-8"?>
-<ds:datastoreItem xmlns:ds="http://schemas.openxmlformats.org/officeDocument/2006/customXml" ds:itemID="{CDB58277-F8DF-46FF-84EC-EF41B835E69F}">
-  <ds:schemaRefs>
-    <ds:schemaRef ds:uri="http://schemas.microsoft.com/sharepoint/v3/contenttype/forms"/>
-  </ds:schemaRefs>
-</ds:datastoreItem>
+<file path=customXml/item3.xml><?xml version="1.0" encoding="utf-8"?>
+<?mso-contentType ?>
+<FormTemplates xmlns="http://schemas.microsoft.com/sharepoint/v3/contenttype/forms">
+  <Display>DocumentLibraryForm</Display>
+  <Edit>DocumentLibraryForm</Edit>
+  <New>DocumentLibraryForm</New>
+</FormTemplates>
 </file>
 
-<file path=customXml/itemProps2.xml><?xml version="1.0" encoding="utf-8"?>
+<file path=customXml/itemProps1.xml><?xml version="1.0" encoding="utf-8"?>
 <ds:datastoreItem xmlns:ds="http://schemas.openxmlformats.org/officeDocument/2006/customXml" ds:itemID="{137651BA-F45C-4845-9AB3-E0A65B39F5E1}">
   <ds:schemaRefs>
     <ds:schemaRef ds:uri="http://purl.org/dc/terms/"/>
@@ -21663,7 +20680,7 @@
 </ds:datastoreItem>
 </file>
 
-<file path=customXml/itemProps3.xml><?xml version="1.0" encoding="utf-8"?>
+<file path=customXml/itemProps2.xml><?xml version="1.0" encoding="utf-8"?>
 <ds:datastoreItem xmlns:ds="http://schemas.openxmlformats.org/officeDocument/2006/customXml" ds:itemID="{2D276E62-80A3-44DD-9BCC-97ED2B99B57F}">
   <ds:schemaRefs>
     <ds:schemaRef ds:uri="http://schemas.microsoft.com/office/2006/metadata/contentType"/>
@@ -21680,4 +20697,12 @@
     <ds:schemaRef ds:uri="http://schemas.microsoft.com/internal/obd"/>
   </ds:schemaRefs>
 </ds:datastoreItem>
+</file>
+
+<file path=customXml/itemProps3.xml><?xml version="1.0" encoding="utf-8"?>
+<ds:datastoreItem xmlns:ds="http://schemas.openxmlformats.org/officeDocument/2006/customXml" ds:itemID="{CDB58277-F8DF-46FF-84EC-EF41B835E69F}">
+  <ds:schemaRefs>
+    <ds:schemaRef ds:uri="http://schemas.microsoft.com/sharepoint/v3/contenttype/forms"/>
+  </ds:schemaRefs>
+</ds:datastoreItem>
 </file>
--- a/unit_00/html_review/03 HTML Forms.pptx
+++ b/unit_00/html_review/03 HTML Forms.pptx
@@ -10456,10 +10456,10 @@
               <a:buChar char="•"/>
             </a:pPr>
             <a:r>
-              <a:rPr lang="en-US" sz="2400" dirty="0">
-                <a:cs typeface="Arial" panose="020B0604020202020204" pitchFamily="34" charset="0"/>
-              </a:rPr>
-              <a:t>Build example forms</a:t>
+              <a:rPr lang="en-US" sz="2400">
+                <a:cs typeface="Arial" panose="020B0604020202020204" pitchFamily="34" charset="0"/>
+              </a:rPr>
+              <a:t>Build an example form</a:t>
             </a:r>
             <a:endParaRPr lang="en-US" sz="2400" dirty="0"/>
           </a:p>
@@ -18431,10 +18431,10 @@
               <a:buChar char="•"/>
             </a:pPr>
             <a:r>
-              <a:rPr lang="en-US" sz="2400" dirty="0">
-                <a:cs typeface="Arial" panose="020B0604020202020204" pitchFamily="34" charset="0"/>
-              </a:rPr>
-              <a:t>Build example forms</a:t>
+              <a:rPr lang="en-US" sz="2400">
+                <a:cs typeface="Arial" panose="020B0604020202020204" pitchFamily="34" charset="0"/>
+              </a:rPr>
+              <a:t>Build an example form</a:t>
             </a:r>
             <a:endParaRPr lang="en-US" sz="2400" dirty="0"/>
           </a:p>
